--- a/docs/week-5/ce100-week-5-dp.md_word.pptx
+++ b/docs/week-5/ce100-week-5-dp.md_word.pptx
@@ -15,6 +15,7 @@
     <p:sldId id="263" r:id="rId9"/>
     <p:sldId id="264" r:id="rId10"/>
     <p:sldId id="265" r:id="rId11"/>
+    <p:sldId id="266" r:id="rId12"/>
   </p:sldIdLst>
   <p:sldSz cx="9144000" cy="6858000" type="screen4x3"/>
   <p:notesSz cx="6858000" cy="9144000"/>
@@ -3258,31 +3259,165 @@
           </a:p>
         </p:txBody>
       </p:sp>
-      <p:sp>
-        <p:nvSpPr>
-          <p:cNvPr id="3" name="Content Placeholder 2"/>
-          <p:cNvSpPr>
-            <a:spLocks noGrp="1"/>
-          </p:cNvSpPr>
-          <p:nvPr>
-            <p:ph idx="1"/>
-          </p:nvPr>
-        </p:nvSpPr>
-        <p:spPr/>
-        <p:txBody>
-          <a:bodyPr/>
-          <a:lstStyle/>
-          <a:p>
-            <a:pPr lvl="0" indent="0" marL="0">
-              <a:buNone/>
-            </a:pPr>
-            <a:r>
-              <a:rPr/>
-              <a:t>TODO</a:t>
-            </a:r>
-          </a:p>
-        </p:txBody>
-      </p:sp>
+    </p:spTree>
+  </p:cSld>
+</p:sld>
+</file>
+
+<file path=ppt/slides/slide11.xml><?xml version="1.0" encoding="utf-8"?>
+<p:sld xmlns:a="http://schemas.openxmlformats.org/drawingml/2006/main" xmlns:r="http://schemas.openxmlformats.org/officeDocument/2006/relationships" xmlns:p="http://schemas.openxmlformats.org/presentationml/2006/main">
+  <p:cSld>
+    <p:spTree>
+      <p:nvGrpSpPr>
+        <p:cNvPr id="1" name=""/>
+        <p:cNvGrpSpPr/>
+        <p:nvPr/>
+      </p:nvGrpSpPr>
+      <p:grpSpPr>
+        <a:xfrm>
+          <a:off x="0" y="0"/>
+          <a:ext cx="0" cy="0"/>
+          <a:chOff x="0" y="0"/>
+          <a:chExt cx="0" cy="0"/>
+        </a:xfrm>
+      </p:grpSpPr>
+      <mc:AlternateContent xmlns:mc="http://schemas.openxmlformats.org/markup-compatibility/2006">
+        <mc:Choice xmlns:a14="http://schemas.microsoft.com/office/drawing/2010/main" Requires="a14">
+          <p:sp>
+            <p:nvSpPr>
+              <p:cNvPr id="3" name="Content Placeholder 2"/>
+              <p:cNvSpPr>
+                <a:spLocks noGrp="1"/>
+              </p:cNvSpPr>
+              <p:nvPr>
+                <p:ph idx="1"/>
+              </p:nvPr>
+            </p:nvSpPr>
+            <p:spPr/>
+            <p:txBody>
+              <a:bodyPr/>
+              <a:lstStyle/>
+              <a:p>
+                <a:pPr lvl="0" indent="0" marL="0">
+                  <a:buNone/>
+                </a:pPr>
+                <a14:m>
+                  <m:oMath xmlns:m="http://schemas.openxmlformats.org/officeDocument/2006/math">
+                    <m:r>
+                      <m:rPr>
+                        <m:sty m:val="p"/>
+                      </m:rPr>
+                      <m:t>−</m:t>
+                    </m:r>
+                    <m:r>
+                      <m:t>E</m:t>
+                    </m:r>
+                    <m:r>
+                      <m:t>n</m:t>
+                    </m:r>
+                    <m:r>
+                      <m:t>d</m:t>
+                    </m:r>
+                    <m:r>
+                      <m:rPr>
+                        <m:sty m:val="p"/>
+                      </m:rPr>
+                      <m:t>−</m:t>
+                    </m:r>
+                    <m:r>
+                      <m:t>O</m:t>
+                    </m:r>
+                    <m:r>
+                      <m:t>f</m:t>
+                    </m:r>
+                    <m:r>
+                      <m:rPr>
+                        <m:sty m:val="p"/>
+                      </m:rPr>
+                      <m:t>−</m:t>
+                    </m:r>
+                    <m:r>
+                      <m:t>W</m:t>
+                    </m:r>
+                    <m:r>
+                      <m:t>e</m:t>
+                    </m:r>
+                    <m:r>
+                      <m:t>e</m:t>
+                    </m:r>
+                    <m:r>
+                      <m:t>k</m:t>
+                    </m:r>
+                    <m:r>
+                      <m:rPr>
+                        <m:sty m:val="p"/>
+                      </m:rPr>
+                      <m:t>−</m:t>
+                    </m:r>
+                    <m:r>
+                      <m:t>5</m:t>
+                    </m:r>
+                    <m:r>
+                      <m:rPr>
+                        <m:sty m:val="p"/>
+                      </m:rPr>
+                      <m:t>−</m:t>
+                    </m:r>
+                    <m:r>
+                      <m:t>C</m:t>
+                    </m:r>
+                    <m:r>
+                      <m:t>o</m:t>
+                    </m:r>
+                    <m:r>
+                      <m:t>u</m:t>
+                    </m:r>
+                    <m:r>
+                      <m:t>r</m:t>
+                    </m:r>
+                    <m:r>
+                      <m:t>s</m:t>
+                    </m:r>
+                    <m:r>
+                      <m:t>e</m:t>
+                    </m:r>
+                    <m:r>
+                      <m:rPr>
+                        <m:sty m:val="p"/>
+                      </m:rPr>
+                      <m:t>−</m:t>
+                    </m:r>
+                    <m:r>
+                      <m:t>M</m:t>
+                    </m:r>
+                    <m:r>
+                      <m:t>o</m:t>
+                    </m:r>
+                    <m:r>
+                      <m:t>d</m:t>
+                    </m:r>
+                    <m:r>
+                      <m:t>u</m:t>
+                    </m:r>
+                    <m:r>
+                      <m:t>l</m:t>
+                    </m:r>
+                    <m:r>
+                      <m:t>e</m:t>
+                    </m:r>
+                    <m:r>
+                      <m:rPr>
+                        <m:sty m:val="p"/>
+                      </m:rPr>
+                      <m:t>−</m:t>
+                    </m:r>
+                  </m:oMath>
+                </a14:m>
+              </a:p>
+            </p:txBody>
+          </p:sp>
+        </mc:Choice>
+      </mc:AlternateContent>
     </p:spTree>
   </p:cSld>
 </p:sld>

--- a/docs/week-5/ce100-week-5-dp.md_word.pptx
+++ b/docs/week-5/ce100-week-5-dp.md_word.pptx
@@ -56,6 +56,23 @@
     <p:sldId id="304" r:id="rId50"/>
     <p:sldId id="305" r:id="rId51"/>
     <p:sldId id="306" r:id="rId52"/>
+    <p:sldId id="307" r:id="rId53"/>
+    <p:sldId id="308" r:id="rId54"/>
+    <p:sldId id="309" r:id="rId55"/>
+    <p:sldId id="310" r:id="rId56"/>
+    <p:sldId id="311" r:id="rId57"/>
+    <p:sldId id="312" r:id="rId58"/>
+    <p:sldId id="313" r:id="rId59"/>
+    <p:sldId id="314" r:id="rId60"/>
+    <p:sldId id="315" r:id="rId61"/>
+    <p:sldId id="316" r:id="rId62"/>
+    <p:sldId id="317" r:id="rId63"/>
+    <p:sldId id="318" r:id="rId64"/>
+    <p:sldId id="319" r:id="rId65"/>
+    <p:sldId id="320" r:id="rId66"/>
+    <p:sldId id="321" r:id="rId67"/>
+    <p:sldId id="322" r:id="rId68"/>
+    <p:sldId id="323" r:id="rId69"/>
   </p:sldIdLst>
   <p:sldSz cx="9144000" cy="6858000" type="screen4x3"/>
   <p:notesSz cx="6858000" cy="9144000"/>
@@ -3484,251 +3501,407 @@
           </a:p>
         </p:txBody>
       </p:sp>
-      <p:sp>
-        <p:nvSpPr>
-          <p:cNvPr id="4" name="Text Placeholder 3"/>
-          <p:cNvSpPr>
-            <a:spLocks noGrp="1"/>
-          </p:cNvSpPr>
-          <p:nvPr>
-            <p:ph idx="2" sz="half" type="body"/>
-          </p:nvPr>
-        </p:nvSpPr>
-        <p:spPr/>
-        <p:txBody>
-          <a:bodyPr/>
-          <a:lstStyle/>
-          <a:p>
-            <a:pPr lvl="0"/>
-            <a:r>
-              <a:rPr b="1"/>
-              <a:t>Reminder:</a:t>
-            </a:r>
-          </a:p>
-          <a:p>
-            <a:pPr lvl="0"/>
-            <a:r>
-              <a:rPr/>
-              <a:t>$$
-F(0)=0 \text{ and } F(1)=1 \\
-F(n)=F(n-1)+F(n-2)
-$$</a:t>
-            </a:r>
-          </a:p>
-          <a:p>
-            <a:pPr lvl="0" indent="0">
-              <a:buNone/>
-            </a:pPr>
-            <a:br/>
-            <a:r>
-              <a:rPr>
-                <a:latin typeface="Courier"/>
-              </a:rPr>
-              <a:t>REC</a:t>
-            </a:r>
-            <a:r>
-              <a:rPr>
-                <a:solidFill>
-                  <a:srgbClr val="4070A0"/>
-                </a:solidFill>
-                <a:latin typeface="Courier"/>
-              </a:rPr>
-              <a:t>-</a:t>
-            </a:r>
-            <a:r>
-              <a:rPr>
-                <a:solidFill>
-                  <a:srgbClr val="06287E"/>
-                </a:solidFill>
-                <a:latin typeface="Courier"/>
-              </a:rPr>
-              <a:t>FIBO</a:t>
-            </a:r>
-            <a:r>
-              <a:rPr>
-                <a:latin typeface="Courier"/>
-              </a:rPr>
-              <a:t>(n)</a:t>
-            </a:r>
-            <a:br/>
-            <a:r>
-              <a:rPr>
-                <a:latin typeface="Courier"/>
-              </a:rPr>
-              <a:t>  </a:t>
-            </a:r>
-            <a:r>
-              <a:rPr b="1">
-                <a:solidFill>
-                  <a:srgbClr val="007020"/>
-                </a:solidFill>
-                <a:latin typeface="Courier"/>
-              </a:rPr>
-              <a:t>if</a:t>
-            </a:r>
-            <a:r>
-              <a:rPr>
-                <a:latin typeface="Courier"/>
-              </a:rPr>
-              <a:t> n </a:t>
-            </a:r>
-            <a:r>
-              <a:rPr>
-                <a:solidFill>
-                  <a:srgbClr val="4070A0"/>
-                </a:solidFill>
-                <a:latin typeface="Courier"/>
-              </a:rPr>
-              <a:t>&lt;</a:t>
-            </a:r>
-            <a:r>
-              <a:rPr>
-                <a:latin typeface="Courier"/>
-              </a:rPr>
-              <a:t> </a:t>
-            </a:r>
-            <a:r>
-              <a:rPr>
-                <a:solidFill>
-                  <a:srgbClr val="40A070"/>
-                </a:solidFill>
-                <a:latin typeface="Courier"/>
-              </a:rPr>
-              <a:t>2</a:t>
-            </a:r>
-            <a:br/>
-            <a:r>
-              <a:rPr>
-                <a:latin typeface="Courier"/>
-              </a:rPr>
-              <a:t>    return n</a:t>
-            </a:r>
-            <a:br/>
-            <a:r>
-              <a:rPr>
-                <a:latin typeface="Courier"/>
-              </a:rPr>
-              <a:t>  </a:t>
-            </a:r>
-            <a:r>
-              <a:rPr b="1">
-                <a:solidFill>
-                  <a:srgbClr val="007020"/>
-                </a:solidFill>
-                <a:latin typeface="Courier"/>
-              </a:rPr>
-              <a:t>else</a:t>
-            </a:r>
-            <a:br/>
-            <a:r>
-              <a:rPr>
-                <a:latin typeface="Courier"/>
-              </a:rPr>
-              <a:t>    return REC</a:t>
-            </a:r>
-            <a:r>
-              <a:rPr>
-                <a:solidFill>
-                  <a:srgbClr val="4070A0"/>
-                </a:solidFill>
-                <a:latin typeface="Courier"/>
-              </a:rPr>
-              <a:t>-</a:t>
-            </a:r>
-            <a:r>
-              <a:rPr>
-                <a:solidFill>
-                  <a:srgbClr val="06287E"/>
-                </a:solidFill>
-                <a:latin typeface="Courier"/>
-              </a:rPr>
-              <a:t>FIBO</a:t>
-            </a:r>
-            <a:r>
-              <a:rPr>
-                <a:latin typeface="Courier"/>
-              </a:rPr>
-              <a:t>(n</a:t>
-            </a:r>
-            <a:r>
-              <a:rPr>
-                <a:solidFill>
-                  <a:srgbClr val="40A070"/>
-                </a:solidFill>
-                <a:latin typeface="Courier"/>
-              </a:rPr>
-              <a:t>-1</a:t>
-            </a:r>
-            <a:r>
-              <a:rPr>
-                <a:latin typeface="Courier"/>
-              </a:rPr>
-              <a:t>) </a:t>
-            </a:r>
-            <a:r>
-              <a:rPr>
-                <a:solidFill>
-                  <a:srgbClr val="4070A0"/>
-                </a:solidFill>
-                <a:latin typeface="Courier"/>
-              </a:rPr>
-              <a:t>+</a:t>
-            </a:r>
-            <a:r>
-              <a:rPr>
-                <a:latin typeface="Courier"/>
-              </a:rPr>
-              <a:t> REC</a:t>
-            </a:r>
-            <a:r>
-              <a:rPr>
-                <a:solidFill>
-                  <a:srgbClr val="4070A0"/>
-                </a:solidFill>
-                <a:latin typeface="Courier"/>
-              </a:rPr>
-              <a:t>-</a:t>
-            </a:r>
-            <a:r>
-              <a:rPr>
-                <a:solidFill>
-                  <a:srgbClr val="06287E"/>
-                </a:solidFill>
-                <a:latin typeface="Courier"/>
-              </a:rPr>
-              <a:t>FIBO</a:t>
-            </a:r>
-            <a:r>
-              <a:rPr>
-                <a:latin typeface="Courier"/>
-              </a:rPr>
-              <a:t>(n</a:t>
-            </a:r>
-            <a:r>
-              <a:rPr>
-                <a:solidFill>
-                  <a:srgbClr val="40A070"/>
-                </a:solidFill>
-                <a:latin typeface="Courier"/>
-              </a:rPr>
-              <a:t>-2</a:t>
-            </a:r>
-            <a:r>
-              <a:rPr>
-                <a:latin typeface="Courier"/>
-              </a:rPr>
-              <a:t>)</a:t>
-            </a:r>
-          </a:p>
-          <a:p>
-            <a:pPr lvl="0"/>
-            <a:r>
-              <a:rPr/>
-              <a:t>Overlapping subproblems in different recursive calls. Repeated work!</a:t>
-            </a:r>
-          </a:p>
-        </p:txBody>
-      </p:sp>
+      <mc:AlternateContent xmlns:mc="http://schemas.openxmlformats.org/markup-compatibility/2006">
+        <mc:Choice xmlns:a14="http://schemas.microsoft.com/office/drawing/2010/main" Requires="a14">
+          <p:sp>
+            <p:nvSpPr>
+              <p:cNvPr id="4" name="Text Placeholder 3"/>
+              <p:cNvSpPr>
+                <a:spLocks noGrp="1"/>
+              </p:cNvSpPr>
+              <p:nvPr>
+                <p:ph idx="2" sz="half" type="body"/>
+              </p:nvPr>
+            </p:nvSpPr>
+            <p:spPr/>
+            <p:txBody>
+              <a:bodyPr/>
+              <a:lstStyle/>
+              <a:p>
+                <a:pPr lvl="0"/>
+                <a:r>
+                  <a:rPr b="1"/>
+                  <a:t>Reminder:</a:t>
+                </a:r>
+              </a:p>
+              <a:p>
+                <a:pPr lvl="0" indent="0" marL="0">
+                  <a:buNone/>
+                </a:pPr>
+                <a14:m>
+                  <m:oMathPara xmlns:m="http://schemas.openxmlformats.org/officeDocument/2006/math">
+                    <m:oMathParaPr>
+                      <m:jc m:val="center"/>
+                    </m:oMathParaPr>
+                    <m:oMath>
+                      <m:m>
+                        <m:mPr>
+                          <m:baseJc m:val="center"/>
+                          <m:plcHide m:val="1"/>
+                          <m:mcs>
+                            <m:mc>
+                              <m:mcPr>
+                                <m:mcJc m:val="right"/>
+                                <m:count m:val="1"/>
+                              </m:mcPr>
+                            </m:mc>
+                            <m:mc>
+                              <m:mcPr>
+                                <m:mcJc m:val="left"/>
+                                <m:count m:val="1"/>
+                              </m:mcPr>
+                            </m:mc>
+                          </m:mcs>
+                        </m:mPr>
+                        <m:mr>
+                          <m:e/>
+                          <m:e>
+                            <m:r>
+                              <m:t>F</m:t>
+                            </m:r>
+                            <m:d>
+                              <m:dPr>
+                                <m:begChr m:val="("/>
+                                <m:endChr m:val=")"/>
+                                <m:sepChr m:val=""/>
+                                <m:grow/>
+                              </m:dPr>
+                              <m:e>
+                                <m:r>
+                                  <m:t>0</m:t>
+                                </m:r>
+                              </m:e>
+                            </m:d>
+                            <m:r>
+                              <m:rPr>
+                                <m:sty m:val="p"/>
+                              </m:rPr>
+                              <m:t>=</m:t>
+                            </m:r>
+                            <m:r>
+                              <m:t>0</m:t>
+                            </m:r>
+                            <m:r>
+                              <m:rPr>
+                                <m:nor/>
+                                <m:sty m:val="p"/>
+                              </m:rPr>
+                              <m:t> and </m:t>
+                            </m:r>
+                            <m:r>
+                              <m:t>F</m:t>
+                            </m:r>
+                            <m:d>
+                              <m:dPr>
+                                <m:begChr m:val="("/>
+                                <m:endChr m:val=")"/>
+                                <m:sepChr m:val=""/>
+                                <m:grow/>
+                              </m:dPr>
+                              <m:e>
+                                <m:r>
+                                  <m:t>1</m:t>
+                                </m:r>
+                              </m:e>
+                            </m:d>
+                            <m:r>
+                              <m:rPr>
+                                <m:sty m:val="p"/>
+                              </m:rPr>
+                              <m:t>=</m:t>
+                            </m:r>
+                            <m:r>
+                              <m:t>1</m:t>
+                            </m:r>
+                          </m:e>
+                        </m:mr>
+                        <m:mr>
+                          <m:e/>
+                          <m:e>
+                            <m:r>
+                              <m:t>F</m:t>
+                            </m:r>
+                            <m:d>
+                              <m:dPr>
+                                <m:begChr m:val="("/>
+                                <m:endChr m:val=")"/>
+                                <m:sepChr m:val=""/>
+                                <m:grow/>
+                              </m:dPr>
+                              <m:e>
+                                <m:r>
+                                  <m:t>n</m:t>
+                                </m:r>
+                              </m:e>
+                            </m:d>
+                            <m:r>
+                              <m:rPr>
+                                <m:sty m:val="p"/>
+                              </m:rPr>
+                              <m:t>=</m:t>
+                            </m:r>
+                            <m:r>
+                              <m:t>F</m:t>
+                            </m:r>
+                            <m:d>
+                              <m:dPr>
+                                <m:begChr m:val="("/>
+                                <m:endChr m:val=")"/>
+                                <m:sepChr m:val=""/>
+                                <m:grow/>
+                              </m:dPr>
+                              <m:e>
+                                <m:r>
+                                  <m:t>n</m:t>
+                                </m:r>
+                                <m:r>
+                                  <m:rPr>
+                                    <m:sty m:val="p"/>
+                                  </m:rPr>
+                                  <m:t>−</m:t>
+                                </m:r>
+                                <m:r>
+                                  <m:t>1</m:t>
+                                </m:r>
+                              </m:e>
+                            </m:d>
+                            <m:r>
+                              <m:rPr>
+                                <m:sty m:val="p"/>
+                              </m:rPr>
+                              <m:t>+</m:t>
+                            </m:r>
+                            <m:r>
+                              <m:t>F</m:t>
+                            </m:r>
+                            <m:d>
+                              <m:dPr>
+                                <m:begChr m:val="("/>
+                                <m:endChr m:val=")"/>
+                                <m:sepChr m:val=""/>
+                                <m:grow/>
+                              </m:dPr>
+                              <m:e>
+                                <m:r>
+                                  <m:t>n</m:t>
+                                </m:r>
+                                <m:r>
+                                  <m:rPr>
+                                    <m:sty m:val="p"/>
+                                  </m:rPr>
+                                  <m:t>−</m:t>
+                                </m:r>
+                                <m:r>
+                                  <m:t>2</m:t>
+                                </m:r>
+                              </m:e>
+                            </m:d>
+                          </m:e>
+                        </m:mr>
+                        <m:mr>
+                          <m:e/>
+                          <m:e>
+                            <m:r>
+                              <m:rPr>
+                                <m:nor/>
+                                <m:sty m:val="p"/>
+                              </m:rPr>
+                              <m:t>REC-FIBO</m:t>
+                            </m:r>
+                            <m:d>
+                              <m:dPr>
+                                <m:begChr m:val="("/>
+                                <m:endChr m:val=")"/>
+                                <m:sepChr m:val=""/>
+                                <m:grow/>
+                              </m:dPr>
+                              <m:e>
+                                <m:r>
+                                  <m:t>n</m:t>
+                                </m:r>
+                              </m:e>
+                            </m:d>
+                            <m:r>
+                              <m:rPr>
+                                <m:sty m:val="p"/>
+                              </m:rPr>
+                              <m:t>{</m:t>
+                            </m:r>
+                          </m:e>
+                        </m:mr>
+                        <m:mr>
+                          <m:e/>
+                          <m:e>
+                            <m:r>
+                              <m:t> </m:t>
+                            </m:r>
+                            <m:r>
+                              <m:rPr>
+                                <m:nor/>
+                                <m:sty m:val="p"/>
+                              </m:rPr>
+                              <m:t>if</m:t>
+                            </m:r>
+                            <m:r>
+                              <m:t> </m:t>
+                            </m:r>
+                            <m:r>
+                              <m:t>n</m:t>
+                            </m:r>
+                            <m:r>
+                              <m:rPr>
+                                <m:sty m:val="p"/>
+                              </m:rPr>
+                              <m:t>&lt;</m:t>
+                            </m:r>
+                            <m:r>
+                              <m:t>2</m:t>
+                            </m:r>
+                          </m:e>
+                        </m:mr>
+                        <m:mr>
+                          <m:e/>
+                          <m:e>
+                            <m:r>
+                              <m:t>  </m:t>
+                            </m:r>
+                            <m:r>
+                              <m:rPr>
+                                <m:nor/>
+                                <m:sty m:val="p"/>
+                              </m:rPr>
+                              <m:t>return</m:t>
+                            </m:r>
+                            <m:r>
+                              <m:t> </m:t>
+                            </m:r>
+                            <m:r>
+                              <m:t>n</m:t>
+                            </m:r>
+                          </m:e>
+                        </m:mr>
+                        <m:mr>
+                          <m:e/>
+                          <m:e>
+                            <m:r>
+                              <m:t> </m:t>
+                            </m:r>
+                            <m:r>
+                              <m:rPr>
+                                <m:nor/>
+                                <m:sty m:val="p"/>
+                              </m:rPr>
+                              <m:t>else</m:t>
+                            </m:r>
+                          </m:e>
+                        </m:mr>
+                        <m:mr>
+                          <m:e/>
+                          <m:e>
+                            <m:r>
+                              <m:t>  </m:t>
+                            </m:r>
+                            <m:r>
+                              <m:rPr>
+                                <m:nor/>
+                                <m:sty m:val="p"/>
+                              </m:rPr>
+                              <m:t>return</m:t>
+                            </m:r>
+                            <m:r>
+                              <m:t> </m:t>
+                            </m:r>
+                            <m:r>
+                              <m:rPr>
+                                <m:nor/>
+                                <m:sty m:val="p"/>
+                              </m:rPr>
+                              <m:t>REC-FIBO</m:t>
+                            </m:r>
+                            <m:d>
+                              <m:dPr>
+                                <m:begChr m:val="("/>
+                                <m:endChr m:val=")"/>
+                                <m:sepChr m:val=""/>
+                                <m:grow/>
+                              </m:dPr>
+                              <m:e>
+                                <m:r>
+                                  <m:t>n</m:t>
+                                </m:r>
+                                <m:r>
+                                  <m:rPr>
+                                    <m:sty m:val="p"/>
+                                  </m:rPr>
+                                  <m:t>−</m:t>
+                                </m:r>
+                                <m:r>
+                                  <m:t>1</m:t>
+                                </m:r>
+                              </m:e>
+                            </m:d>
+                            <m:r>
+                              <m:rPr>
+                                <m:sty m:val="p"/>
+                              </m:rPr>
+                              <m:t>+</m:t>
+                            </m:r>
+                            <m:r>
+                              <m:rPr>
+                                <m:nor/>
+                                <m:sty m:val="p"/>
+                              </m:rPr>
+                              <m:t>REC-FIBO</m:t>
+                            </m:r>
+                            <m:d>
+                              <m:dPr>
+                                <m:begChr m:val="("/>
+                                <m:endChr m:val=")"/>
+                                <m:sepChr m:val=""/>
+                                <m:grow/>
+                              </m:dPr>
+                              <m:e>
+                                <m:r>
+                                  <m:t>n</m:t>
+                                </m:r>
+                                <m:r>
+                                  <m:rPr>
+                                    <m:sty m:val="p"/>
+                                  </m:rPr>
+                                  <m:t>−</m:t>
+                                </m:r>
+                                <m:r>
+                                  <m:t>2</m:t>
+                                </m:r>
+                              </m:e>
+                            </m:d>
+                            <m:r>
+                              <m:t> </m:t>
+                            </m:r>
+                            <m:r>
+                              <m:rPr>
+                                <m:sty m:val="p"/>
+                              </m:rPr>
+                              <m:t>}</m:t>
+                            </m:r>
+                          </m:e>
+                        </m:mr>
+                      </m:m>
+                    </m:oMath>
+                  </m:oMathPara>
+                </a14:m>
+              </a:p>
+              <a:p>
+                <a:pPr lvl="0"/>
+                <a:r>
+                  <a:rPr/>
+                  <a:t>Overlapping subproblems in different recursive calls. Repeated work!</a:t>
+                </a:r>
+              </a:p>
+            </p:txBody>
+          </p:sp>
+        </mc:Choice>
+      </mc:AlternateContent>
       <p:pic>
         <p:nvPicPr>
           <p:cNvPr descr="fig:  assets/ce100-week-5-dp-fib-1.drawio.svg" id="0" name="Picture 1"/>
@@ -4094,7 +4267,9 @@
                 </a:r>
               </a:p>
               <a:p>
-                <a:pPr lvl="0"/>
+                <a:pPr lvl="0" indent="0" marL="0">
+                  <a:buNone/>
+                </a:pPr>
                 <a:r>
                   <a:rPr/>
                   <a:t>$$
@@ -5591,7 +5766,9 @@
                 </a:r>
               </a:p>
               <a:p>
-                <a:pPr lvl="0"/>
+                <a:pPr lvl="0" indent="0" marL="0">
+                  <a:buNone/>
+                </a:pPr>
                 <a14:m>
                   <m:oMathPara xmlns:m="http://schemas.openxmlformats.org/officeDocument/2006/math">
                     <m:oMathParaPr>
@@ -8020,7 +8197,9 @@
                 </a:r>
               </a:p>
               <a:p>
-                <a:pPr lvl="0"/>
+                <a:pPr lvl="0" indent="0" marL="0">
+                  <a:buNone/>
+                </a:pPr>
                 <a14:m>
                   <m:oMathPara xmlns:m="http://schemas.openxmlformats.org/officeDocument/2006/math">
                     <m:oMathParaPr>
@@ -16133,7 +16312,7 @@
                 </a:r>
                 <a:r>
                   <a:rPr/>
-                  <a:t>: l</a:t>
+                  <a:t>: l </a:t>
                 </a:r>
                 <a14:m>
                   <m:oMath xmlns:m="http://schemas.openxmlformats.org/officeDocument/2006/math">
@@ -17504,79 +17683,1449 @@
           </a:p>
         </p:txBody>
       </p:sp>
-      <p:sp>
-        <p:nvSpPr>
-          <p:cNvPr id="3" name="Content Placeholder 2"/>
-          <p:cNvSpPr>
-            <a:spLocks noGrp="1"/>
-          </p:cNvSpPr>
-          <p:nvPr>
-            <p:ph idx="1"/>
-          </p:nvPr>
-        </p:nvSpPr>
-        <p:spPr/>
-        <p:txBody>
-          <a:bodyPr/>
-          <a:lstStyle/>
-          <a:p>
-            <a:pPr lvl="0" indent="0" marL="0">
-              <a:buNone/>
-            </a:pPr>
-            <a:r>
-              <a:rPr/>
-              <a:t>$$
-\begin{align*}
-  {
-    \begin{align*}
-    \text{compute } m[i,i+1] \\
-  \underbrace{ \{ m[1,2],m[2,3], \dots ,m[n-1,n]\} }_{(n-1) \text{ values}}
-  \end{align*}
-  }
-   &amp; \begin{cases}
- &amp; \ell=2  \\
- &amp; \text{for } i=1 \text{ to } n-1 \text{ do } \\
- &amp; \quad m[i,i+1]=\infty \\
- &amp; \quad \quad \text{for } k=i \text{ to } i \text{ do } \\
-&amp;  \quad \quad \quad \vdots
-  \end{cases}
-\end{align*}
-\\
-\begin{align*}
-  {
-    \begin{align*}
-    \text{compute } m[i,i+2] \\
-  \underbrace{ \{ m[1,3],m[2,4], \dots ,m[n-2,n]\} }_{(n-2) \text{ values}}
-  \end{align*}
-  }
-   &amp; \begin{cases}
- &amp; \ell=3  \\
- &amp; \text{for } i=1 \text{ to } n-2 \text{ do } \\
- &amp; \quad m[i,i+2]=\infty \\
- &amp; \quad \quad \text{for } k=i \text{ to } i+1 \text{ do } \\
- &amp; \quad \quad \quad \vdots
-  \end{cases}
-\end{align*}
-\\
-\begin{align*}
-  {
-    \begin{align*}
-    \text{compute } m[i,i+3] \\
-  \underbrace{ \{ m[1,4],m[2,5], \dots ,m[n-3,n]\} }_{(n-3) \text{ values}}
-  \end{align*}
-  }
-   &amp; \begin{cases}
- &amp; \ell=4  \\
- &amp; \text{for } i=1 \text{ to } n-3 \text{ do } \\
- &amp; \quad m[i,i+3]=\infty \\
- &amp; \quad \quad \text{for } k=i \text{ to } i+2 \text{ do } \\
- &amp; \quad \quad \quad \vdots
-  \end{cases}
-\end{align*}
-$$</a:t>
-            </a:r>
-          </a:p>
-        </p:txBody>
-      </p:sp>
+      <mc:AlternateContent xmlns:mc="http://schemas.openxmlformats.org/markup-compatibility/2006">
+        <mc:Choice xmlns:a14="http://schemas.microsoft.com/office/drawing/2010/main" Requires="a14">
+          <p:sp>
+            <p:nvSpPr>
+              <p:cNvPr id="3" name="Content Placeholder 2"/>
+              <p:cNvSpPr>
+                <a:spLocks noGrp="1"/>
+              </p:cNvSpPr>
+              <p:nvPr>
+                <p:ph idx="1"/>
+              </p:nvPr>
+            </p:nvSpPr>
+            <p:spPr/>
+            <p:txBody>
+              <a:bodyPr/>
+              <a:lstStyle/>
+              <a:p>
+                <a:pPr lvl="0" indent="0" marL="0">
+                  <a:buNone/>
+                </a:pPr>
+                <a14:m>
+                  <m:oMathPara xmlns:m="http://schemas.openxmlformats.org/officeDocument/2006/math">
+                    <m:oMathParaPr>
+                      <m:jc m:val="center"/>
+                    </m:oMathParaPr>
+                    <m:oMath>
+                      <m:m>
+                        <m:mPr>
+                          <m:baseJc m:val="center"/>
+                          <m:plcHide m:val="1"/>
+                          <m:mcs>
+                            <m:mc>
+                              <m:mcPr>
+                                <m:mcJc m:val="right"/>
+                                <m:count m:val="1"/>
+                              </m:mcPr>
+                            </m:mc>
+                            <m:mc>
+                              <m:mcPr>
+                                <m:mcJc m:val="left"/>
+                                <m:count m:val="1"/>
+                              </m:mcPr>
+                            </m:mc>
+                          </m:mcs>
+                        </m:mPr>
+                        <m:mr>
+                          <m:e>
+                            <m:m>
+                              <m:mPr>
+                                <m:baseJc m:val="center"/>
+                                <m:plcHide m:val="1"/>
+                                <m:mcs>
+                                  <m:mc>
+                                    <m:mcPr>
+                                      <m:mcJc m:val="right"/>
+                                      <m:count m:val="1"/>
+                                    </m:mcPr>
+                                  </m:mc>
+                                </m:mcs>
+                              </m:mPr>
+                              <m:mr>
+                                <m:e>
+                                  <m:r>
+                                    <m:rPr>
+                                      <m:nor/>
+                                      <m:sty m:val="p"/>
+                                    </m:rPr>
+                                    <m:t>compute </m:t>
+                                  </m:r>
+                                  <m:r>
+                                    <m:t>m</m:t>
+                                  </m:r>
+                                  <m:d>
+                                    <m:dPr>
+                                      <m:begChr m:val="["/>
+                                      <m:endChr m:val="]"/>
+                                      <m:sepChr m:val=""/>
+                                      <m:grow/>
+                                    </m:dPr>
+                                    <m:e>
+                                      <m:r>
+                                        <m:t>i</m:t>
+                                      </m:r>
+                                      <m:r>
+                                        <m:rPr>
+                                          <m:sty m:val="p"/>
+                                        </m:rPr>
+                                        <m:t>,</m:t>
+                                      </m:r>
+                                      <m:r>
+                                        <m:t>i</m:t>
+                                      </m:r>
+                                      <m:r>
+                                        <m:rPr>
+                                          <m:sty m:val="p"/>
+                                        </m:rPr>
+                                        <m:t>+</m:t>
+                                      </m:r>
+                                      <m:r>
+                                        <m:t>1</m:t>
+                                      </m:r>
+                                    </m:e>
+                                  </m:d>
+                                </m:e>
+                              </m:mr>
+                              <m:mr>
+                                <m:e>
+                                  <m:limLow>
+                                    <m:e>
+                                      <m:limLow>
+                                        <m:e>
+                                          <m:r>
+                                            <m:rPr>
+                                              <m:sty m:val="p"/>
+                                            </m:rPr>
+                                            <m:t>{</m:t>
+                                          </m:r>
+                                          <m:r>
+                                            <m:t>m</m:t>
+                                          </m:r>
+                                          <m:d>
+                                            <m:dPr>
+                                              <m:begChr m:val="["/>
+                                              <m:endChr m:val="]"/>
+                                              <m:sepChr m:val=""/>
+                                              <m:grow/>
+                                            </m:dPr>
+                                            <m:e>
+                                              <m:r>
+                                                <m:t>1</m:t>
+                                              </m:r>
+                                              <m:r>
+                                                <m:rPr>
+                                                  <m:sty m:val="p"/>
+                                                </m:rPr>
+                                                <m:t>,</m:t>
+                                              </m:r>
+                                              <m:r>
+                                                <m:t>2</m:t>
+                                              </m:r>
+                                            </m:e>
+                                          </m:d>
+                                          <m:r>
+                                            <m:rPr>
+                                              <m:sty m:val="p"/>
+                                            </m:rPr>
+                                            <m:t>,</m:t>
+                                          </m:r>
+                                          <m:r>
+                                            <m:t>m</m:t>
+                                          </m:r>
+                                          <m:d>
+                                            <m:dPr>
+                                              <m:begChr m:val="["/>
+                                              <m:endChr m:val="]"/>
+                                              <m:sepChr m:val=""/>
+                                              <m:grow/>
+                                            </m:dPr>
+                                            <m:e>
+                                              <m:r>
+                                                <m:t>2</m:t>
+                                              </m:r>
+                                              <m:r>
+                                                <m:rPr>
+                                                  <m:sty m:val="p"/>
+                                                </m:rPr>
+                                                <m:t>,</m:t>
+                                              </m:r>
+                                              <m:r>
+                                                <m:t>3</m:t>
+                                              </m:r>
+                                            </m:e>
+                                          </m:d>
+                                          <m:r>
+                                            <m:rPr>
+                                              <m:sty m:val="p"/>
+                                            </m:rPr>
+                                            <m:t>,</m:t>
+                                          </m:r>
+                                          <m:r>
+                                            <m:rPr>
+                                              <m:sty m:val="p"/>
+                                            </m:rPr>
+                                            <m:t>…</m:t>
+                                          </m:r>
+                                          <m:r>
+                                            <m:rPr>
+                                              <m:sty m:val="p"/>
+                                            </m:rPr>
+                                            <m:t>,</m:t>
+                                          </m:r>
+                                          <m:r>
+                                            <m:t>m</m:t>
+                                          </m:r>
+                                          <m:d>
+                                            <m:dPr>
+                                              <m:begChr m:val="["/>
+                                              <m:endChr m:val="]"/>
+                                              <m:sepChr m:val=""/>
+                                              <m:grow/>
+                                            </m:dPr>
+                                            <m:e>
+                                              <m:r>
+                                                <m:t>n</m:t>
+                                              </m:r>
+                                              <m:r>
+                                                <m:rPr>
+                                                  <m:sty m:val="p"/>
+                                                </m:rPr>
+                                                <m:t>−</m:t>
+                                              </m:r>
+                                              <m:r>
+                                                <m:t>1</m:t>
+                                              </m:r>
+                                              <m:r>
+                                                <m:rPr>
+                                                  <m:sty m:val="p"/>
+                                                </m:rPr>
+                                                <m:t>,</m:t>
+                                              </m:r>
+                                              <m:r>
+                                                <m:t>n</m:t>
+                                              </m:r>
+                                            </m:e>
+                                          </m:d>
+                                          <m:r>
+                                            <m:rPr>
+                                              <m:sty m:val="p"/>
+                                            </m:rPr>
+                                            <m:t>}</m:t>
+                                          </m:r>
+                                        </m:e>
+                                        <m:lim>
+                                          <m:r>
+                                            <m:rPr>
+                                              <m:sty m:val="p"/>
+                                            </m:rPr>
+                                            <m:t>⏟</m:t>
+                                          </m:r>
+                                        </m:lim>
+                                      </m:limLow>
+                                    </m:e>
+                                    <m:lim>
+                                      <m:d>
+                                        <m:dPr>
+                                          <m:begChr m:val="("/>
+                                          <m:endChr m:val=")"/>
+                                          <m:sepChr m:val=""/>
+                                          <m:grow/>
+                                        </m:dPr>
+                                        <m:e>
+                                          <m:r>
+                                            <m:t>n</m:t>
+                                          </m:r>
+                                          <m:r>
+                                            <m:rPr>
+                                              <m:sty m:val="p"/>
+                                            </m:rPr>
+                                            <m:t>−</m:t>
+                                          </m:r>
+                                          <m:r>
+                                            <m:t>1</m:t>
+                                          </m:r>
+                                        </m:e>
+                                      </m:d>
+                                      <m:r>
+                                        <m:rPr>
+                                          <m:nor/>
+                                          <m:sty m:val="p"/>
+                                        </m:rPr>
+                                        <m:t> values</m:t>
+                                      </m:r>
+                                    </m:lim>
+                                  </m:limLow>
+                                </m:e>
+                              </m:mr>
+                            </m:m>
+                          </m:e>
+                          <m:e>
+                            <m:d>
+                              <m:dPr>
+                                <m:begChr m:val="{"/>
+                                <m:endChr m:val=""/>
+                                <m:sepChr m:val=""/>
+                                <m:grow/>
+                              </m:dPr>
+                              <m:e>
+                                <m:m>
+                                  <m:mPr>
+                                    <m:baseJc m:val="center"/>
+                                    <m:plcHide m:val="1"/>
+                                    <m:mcs>
+                                      <m:mc>
+                                        <m:mcPr>
+                                          <m:mcJc m:val="left"/>
+                                          <m:count m:val="1"/>
+                                        </m:mcPr>
+                                      </m:mc>
+                                      <m:mc>
+                                        <m:mcPr>
+                                          <m:mcJc m:val="left"/>
+                                          <m:count m:val="1"/>
+                                        </m:mcPr>
+                                      </m:mc>
+                                    </m:mcs>
+                                  </m:mPr>
+                                  <m:mr>
+                                    <m:e/>
+                                    <m:e>
+                                      <m:r>
+                                        <m:rPr>
+                                          <m:sty m:val="p"/>
+                                        </m:rPr>
+                                        <m:t>ℓ</m:t>
+                                      </m:r>
+                                      <m:r>
+                                        <m:rPr>
+                                          <m:sty m:val="p"/>
+                                        </m:rPr>
+                                        <m:t>=</m:t>
+                                      </m:r>
+                                      <m:r>
+                                        <m:t>2</m:t>
+                                      </m:r>
+                                    </m:e>
+                                  </m:mr>
+                                  <m:mr>
+                                    <m:e/>
+                                    <m:e>
+                                      <m:r>
+                                        <m:rPr>
+                                          <m:nor/>
+                                          <m:sty m:val="p"/>
+                                        </m:rPr>
+                                        <m:t>for </m:t>
+                                      </m:r>
+                                      <m:r>
+                                        <m:t>i</m:t>
+                                      </m:r>
+                                      <m:r>
+                                        <m:rPr>
+                                          <m:sty m:val="p"/>
+                                        </m:rPr>
+                                        <m:t>=</m:t>
+                                      </m:r>
+                                      <m:r>
+                                        <m:t>1</m:t>
+                                      </m:r>
+                                      <m:r>
+                                        <m:rPr>
+                                          <m:nor/>
+                                          <m:sty m:val="p"/>
+                                        </m:rPr>
+                                        <m:t> to </m:t>
+                                      </m:r>
+                                      <m:r>
+                                        <m:t>n</m:t>
+                                      </m:r>
+                                      <m:r>
+                                        <m:rPr>
+                                          <m:sty m:val="p"/>
+                                        </m:rPr>
+                                        <m:t>−</m:t>
+                                      </m:r>
+                                      <m:r>
+                                        <m:t>1</m:t>
+                                      </m:r>
+                                      <m:r>
+                                        <m:rPr>
+                                          <m:nor/>
+                                          <m:sty m:val="p"/>
+                                        </m:rPr>
+                                        <m:t> do </m:t>
+                                      </m:r>
+                                    </m:e>
+                                  </m:mr>
+                                  <m:mr>
+                                    <m:e/>
+                                    <m:e>
+                                      <m:r>
+                                        <m:t> </m:t>
+                                      </m:r>
+                                      <m:r>
+                                        <m:t>m</m:t>
+                                      </m:r>
+                                      <m:d>
+                                        <m:dPr>
+                                          <m:begChr m:val="["/>
+                                          <m:endChr m:val="]"/>
+                                          <m:sepChr m:val=""/>
+                                          <m:grow/>
+                                        </m:dPr>
+                                        <m:e>
+                                          <m:r>
+                                            <m:t>i</m:t>
+                                          </m:r>
+                                          <m:r>
+                                            <m:rPr>
+                                              <m:sty m:val="p"/>
+                                            </m:rPr>
+                                            <m:t>,</m:t>
+                                          </m:r>
+                                          <m:r>
+                                            <m:t>i</m:t>
+                                          </m:r>
+                                          <m:r>
+                                            <m:rPr>
+                                              <m:sty m:val="p"/>
+                                            </m:rPr>
+                                            <m:t>+</m:t>
+                                          </m:r>
+                                          <m:r>
+                                            <m:t>1</m:t>
+                                          </m:r>
+                                        </m:e>
+                                      </m:d>
+                                      <m:r>
+                                        <m:rPr>
+                                          <m:sty m:val="p"/>
+                                        </m:rPr>
+                                        <m:t>=</m:t>
+                                      </m:r>
+                                      <m:r>
+                                        <m:rPr>
+                                          <m:sty m:val="p"/>
+                                        </m:rPr>
+                                        <m:t>∞</m:t>
+                                      </m:r>
+                                    </m:e>
+                                  </m:mr>
+                                  <m:mr>
+                                    <m:e/>
+                                    <m:e>
+                                      <m:r>
+                                        <m:t> </m:t>
+                                      </m:r>
+                                      <m:r>
+                                        <m:t> </m:t>
+                                      </m:r>
+                                      <m:r>
+                                        <m:rPr>
+                                          <m:nor/>
+                                          <m:sty m:val="p"/>
+                                        </m:rPr>
+                                        <m:t>for </m:t>
+                                      </m:r>
+                                      <m:r>
+                                        <m:t>k</m:t>
+                                      </m:r>
+                                      <m:r>
+                                        <m:rPr>
+                                          <m:sty m:val="p"/>
+                                        </m:rPr>
+                                        <m:t>=</m:t>
+                                      </m:r>
+                                      <m:r>
+                                        <m:t>i</m:t>
+                                      </m:r>
+                                      <m:r>
+                                        <m:rPr>
+                                          <m:nor/>
+                                          <m:sty m:val="p"/>
+                                        </m:rPr>
+                                        <m:t> to </m:t>
+                                      </m:r>
+                                      <m:r>
+                                        <m:t>i</m:t>
+                                      </m:r>
+                                      <m:r>
+                                        <m:rPr>
+                                          <m:nor/>
+                                          <m:sty m:val="p"/>
+                                        </m:rPr>
+                                        <m:t> do </m:t>
+                                      </m:r>
+                                    </m:e>
+                                  </m:mr>
+                                  <m:mr>
+                                    <m:e/>
+                                    <m:e>
+                                      <m:r>
+                                        <m:t> </m:t>
+                                      </m:r>
+                                      <m:r>
+                                        <m:t> </m:t>
+                                      </m:r>
+                                      <m:r>
+                                        <m:t> </m:t>
+                                      </m:r>
+                                      <m:r>
+                                        <m:rPr>
+                                          <m:sty m:val="p"/>
+                                        </m:rPr>
+                                        <m:t>⋮</m:t>
+                                      </m:r>
+                                    </m:e>
+                                  </m:mr>
+                                </m:m>
+                              </m:e>
+                            </m:d>
+                          </m:e>
+                        </m:mr>
+                        <m:mr>
+                          <m:e>
+                            <m:m>
+                              <m:mPr>
+                                <m:baseJc m:val="center"/>
+                                <m:plcHide m:val="1"/>
+                                <m:mcs>
+                                  <m:mc>
+                                    <m:mcPr>
+                                      <m:mcJc m:val="right"/>
+                                      <m:count m:val="1"/>
+                                    </m:mcPr>
+                                  </m:mc>
+                                </m:mcs>
+                              </m:mPr>
+                              <m:mr>
+                                <m:e>
+                                  <m:r>
+                                    <m:rPr>
+                                      <m:nor/>
+                                      <m:sty m:val="p"/>
+                                    </m:rPr>
+                                    <m:t>compute </m:t>
+                                  </m:r>
+                                  <m:r>
+                                    <m:t>m</m:t>
+                                  </m:r>
+                                  <m:d>
+                                    <m:dPr>
+                                      <m:begChr m:val="["/>
+                                      <m:endChr m:val="]"/>
+                                      <m:sepChr m:val=""/>
+                                      <m:grow/>
+                                    </m:dPr>
+                                    <m:e>
+                                      <m:r>
+                                        <m:t>i</m:t>
+                                      </m:r>
+                                      <m:r>
+                                        <m:rPr>
+                                          <m:sty m:val="p"/>
+                                        </m:rPr>
+                                        <m:t>,</m:t>
+                                      </m:r>
+                                      <m:r>
+                                        <m:t>i</m:t>
+                                      </m:r>
+                                      <m:r>
+                                        <m:rPr>
+                                          <m:sty m:val="p"/>
+                                        </m:rPr>
+                                        <m:t>+</m:t>
+                                      </m:r>
+                                      <m:r>
+                                        <m:t>2</m:t>
+                                      </m:r>
+                                    </m:e>
+                                  </m:d>
+                                </m:e>
+                              </m:mr>
+                              <m:mr>
+                                <m:e>
+                                  <m:limLow>
+                                    <m:e>
+                                      <m:limLow>
+                                        <m:e>
+                                          <m:r>
+                                            <m:rPr>
+                                              <m:sty m:val="p"/>
+                                            </m:rPr>
+                                            <m:t>{</m:t>
+                                          </m:r>
+                                          <m:r>
+                                            <m:t>m</m:t>
+                                          </m:r>
+                                          <m:d>
+                                            <m:dPr>
+                                              <m:begChr m:val="["/>
+                                              <m:endChr m:val="]"/>
+                                              <m:sepChr m:val=""/>
+                                              <m:grow/>
+                                            </m:dPr>
+                                            <m:e>
+                                              <m:r>
+                                                <m:t>1</m:t>
+                                              </m:r>
+                                              <m:r>
+                                                <m:rPr>
+                                                  <m:sty m:val="p"/>
+                                                </m:rPr>
+                                                <m:t>,</m:t>
+                                              </m:r>
+                                              <m:r>
+                                                <m:t>3</m:t>
+                                              </m:r>
+                                            </m:e>
+                                          </m:d>
+                                          <m:r>
+                                            <m:rPr>
+                                              <m:sty m:val="p"/>
+                                            </m:rPr>
+                                            <m:t>,</m:t>
+                                          </m:r>
+                                          <m:r>
+                                            <m:t>m</m:t>
+                                          </m:r>
+                                          <m:d>
+                                            <m:dPr>
+                                              <m:begChr m:val="["/>
+                                              <m:endChr m:val="]"/>
+                                              <m:sepChr m:val=""/>
+                                              <m:grow/>
+                                            </m:dPr>
+                                            <m:e>
+                                              <m:r>
+                                                <m:t>2</m:t>
+                                              </m:r>
+                                              <m:r>
+                                                <m:rPr>
+                                                  <m:sty m:val="p"/>
+                                                </m:rPr>
+                                                <m:t>,</m:t>
+                                              </m:r>
+                                              <m:r>
+                                                <m:t>4</m:t>
+                                              </m:r>
+                                            </m:e>
+                                          </m:d>
+                                          <m:r>
+                                            <m:rPr>
+                                              <m:sty m:val="p"/>
+                                            </m:rPr>
+                                            <m:t>,</m:t>
+                                          </m:r>
+                                          <m:r>
+                                            <m:rPr>
+                                              <m:sty m:val="p"/>
+                                            </m:rPr>
+                                            <m:t>…</m:t>
+                                          </m:r>
+                                          <m:r>
+                                            <m:rPr>
+                                              <m:sty m:val="p"/>
+                                            </m:rPr>
+                                            <m:t>,</m:t>
+                                          </m:r>
+                                          <m:r>
+                                            <m:t>m</m:t>
+                                          </m:r>
+                                          <m:d>
+                                            <m:dPr>
+                                              <m:begChr m:val="["/>
+                                              <m:endChr m:val="]"/>
+                                              <m:sepChr m:val=""/>
+                                              <m:grow/>
+                                            </m:dPr>
+                                            <m:e>
+                                              <m:r>
+                                                <m:t>n</m:t>
+                                              </m:r>
+                                              <m:r>
+                                                <m:rPr>
+                                                  <m:sty m:val="p"/>
+                                                </m:rPr>
+                                                <m:t>−</m:t>
+                                              </m:r>
+                                              <m:r>
+                                                <m:t>2</m:t>
+                                              </m:r>
+                                              <m:r>
+                                                <m:rPr>
+                                                  <m:sty m:val="p"/>
+                                                </m:rPr>
+                                                <m:t>,</m:t>
+                                              </m:r>
+                                              <m:r>
+                                                <m:t>n</m:t>
+                                              </m:r>
+                                            </m:e>
+                                          </m:d>
+                                          <m:r>
+                                            <m:rPr>
+                                              <m:sty m:val="p"/>
+                                            </m:rPr>
+                                            <m:t>}</m:t>
+                                          </m:r>
+                                        </m:e>
+                                        <m:lim>
+                                          <m:r>
+                                            <m:rPr>
+                                              <m:sty m:val="p"/>
+                                            </m:rPr>
+                                            <m:t>⏟</m:t>
+                                          </m:r>
+                                        </m:lim>
+                                      </m:limLow>
+                                    </m:e>
+                                    <m:lim>
+                                      <m:d>
+                                        <m:dPr>
+                                          <m:begChr m:val="("/>
+                                          <m:endChr m:val=")"/>
+                                          <m:sepChr m:val=""/>
+                                          <m:grow/>
+                                        </m:dPr>
+                                        <m:e>
+                                          <m:r>
+                                            <m:t>n</m:t>
+                                          </m:r>
+                                          <m:r>
+                                            <m:rPr>
+                                              <m:sty m:val="p"/>
+                                            </m:rPr>
+                                            <m:t>−</m:t>
+                                          </m:r>
+                                          <m:r>
+                                            <m:t>2</m:t>
+                                          </m:r>
+                                        </m:e>
+                                      </m:d>
+                                      <m:r>
+                                        <m:rPr>
+                                          <m:nor/>
+                                          <m:sty m:val="p"/>
+                                        </m:rPr>
+                                        <m:t> values</m:t>
+                                      </m:r>
+                                    </m:lim>
+                                  </m:limLow>
+                                </m:e>
+                              </m:mr>
+                            </m:m>
+                          </m:e>
+                          <m:e>
+                            <m:d>
+                              <m:dPr>
+                                <m:begChr m:val="{"/>
+                                <m:endChr m:val=""/>
+                                <m:sepChr m:val=""/>
+                                <m:grow/>
+                              </m:dPr>
+                              <m:e>
+                                <m:m>
+                                  <m:mPr>
+                                    <m:baseJc m:val="center"/>
+                                    <m:plcHide m:val="1"/>
+                                    <m:mcs>
+                                      <m:mc>
+                                        <m:mcPr>
+                                          <m:mcJc m:val="left"/>
+                                          <m:count m:val="1"/>
+                                        </m:mcPr>
+                                      </m:mc>
+                                      <m:mc>
+                                        <m:mcPr>
+                                          <m:mcJc m:val="left"/>
+                                          <m:count m:val="1"/>
+                                        </m:mcPr>
+                                      </m:mc>
+                                    </m:mcs>
+                                  </m:mPr>
+                                  <m:mr>
+                                    <m:e/>
+                                    <m:e>
+                                      <m:r>
+                                        <m:rPr>
+                                          <m:sty m:val="p"/>
+                                        </m:rPr>
+                                        <m:t>ℓ</m:t>
+                                      </m:r>
+                                      <m:r>
+                                        <m:rPr>
+                                          <m:sty m:val="p"/>
+                                        </m:rPr>
+                                        <m:t>=</m:t>
+                                      </m:r>
+                                      <m:r>
+                                        <m:t>3</m:t>
+                                      </m:r>
+                                    </m:e>
+                                  </m:mr>
+                                  <m:mr>
+                                    <m:e/>
+                                    <m:e>
+                                      <m:r>
+                                        <m:rPr>
+                                          <m:nor/>
+                                          <m:sty m:val="p"/>
+                                        </m:rPr>
+                                        <m:t>for </m:t>
+                                      </m:r>
+                                      <m:r>
+                                        <m:t>i</m:t>
+                                      </m:r>
+                                      <m:r>
+                                        <m:rPr>
+                                          <m:sty m:val="p"/>
+                                        </m:rPr>
+                                        <m:t>=</m:t>
+                                      </m:r>
+                                      <m:r>
+                                        <m:t>1</m:t>
+                                      </m:r>
+                                      <m:r>
+                                        <m:rPr>
+                                          <m:nor/>
+                                          <m:sty m:val="p"/>
+                                        </m:rPr>
+                                        <m:t> to </m:t>
+                                      </m:r>
+                                      <m:r>
+                                        <m:t>n</m:t>
+                                      </m:r>
+                                      <m:r>
+                                        <m:rPr>
+                                          <m:sty m:val="p"/>
+                                        </m:rPr>
+                                        <m:t>−</m:t>
+                                      </m:r>
+                                      <m:r>
+                                        <m:t>2</m:t>
+                                      </m:r>
+                                      <m:r>
+                                        <m:rPr>
+                                          <m:nor/>
+                                          <m:sty m:val="p"/>
+                                        </m:rPr>
+                                        <m:t> do </m:t>
+                                      </m:r>
+                                    </m:e>
+                                  </m:mr>
+                                  <m:mr>
+                                    <m:e/>
+                                    <m:e>
+                                      <m:r>
+                                        <m:t> </m:t>
+                                      </m:r>
+                                      <m:r>
+                                        <m:t>m</m:t>
+                                      </m:r>
+                                      <m:d>
+                                        <m:dPr>
+                                          <m:begChr m:val="["/>
+                                          <m:endChr m:val="]"/>
+                                          <m:sepChr m:val=""/>
+                                          <m:grow/>
+                                        </m:dPr>
+                                        <m:e>
+                                          <m:r>
+                                            <m:t>i</m:t>
+                                          </m:r>
+                                          <m:r>
+                                            <m:rPr>
+                                              <m:sty m:val="p"/>
+                                            </m:rPr>
+                                            <m:t>,</m:t>
+                                          </m:r>
+                                          <m:r>
+                                            <m:t>i</m:t>
+                                          </m:r>
+                                          <m:r>
+                                            <m:rPr>
+                                              <m:sty m:val="p"/>
+                                            </m:rPr>
+                                            <m:t>+</m:t>
+                                          </m:r>
+                                          <m:r>
+                                            <m:t>2</m:t>
+                                          </m:r>
+                                        </m:e>
+                                      </m:d>
+                                      <m:r>
+                                        <m:rPr>
+                                          <m:sty m:val="p"/>
+                                        </m:rPr>
+                                        <m:t>=</m:t>
+                                      </m:r>
+                                      <m:r>
+                                        <m:rPr>
+                                          <m:sty m:val="p"/>
+                                        </m:rPr>
+                                        <m:t>∞</m:t>
+                                      </m:r>
+                                    </m:e>
+                                  </m:mr>
+                                  <m:mr>
+                                    <m:e/>
+                                    <m:e>
+                                      <m:r>
+                                        <m:t> </m:t>
+                                      </m:r>
+                                      <m:r>
+                                        <m:t> </m:t>
+                                      </m:r>
+                                      <m:r>
+                                        <m:rPr>
+                                          <m:nor/>
+                                          <m:sty m:val="p"/>
+                                        </m:rPr>
+                                        <m:t>for </m:t>
+                                      </m:r>
+                                      <m:r>
+                                        <m:t>k</m:t>
+                                      </m:r>
+                                      <m:r>
+                                        <m:rPr>
+                                          <m:sty m:val="p"/>
+                                        </m:rPr>
+                                        <m:t>=</m:t>
+                                      </m:r>
+                                      <m:r>
+                                        <m:t>i</m:t>
+                                      </m:r>
+                                      <m:r>
+                                        <m:rPr>
+                                          <m:nor/>
+                                          <m:sty m:val="p"/>
+                                        </m:rPr>
+                                        <m:t> to </m:t>
+                                      </m:r>
+                                      <m:r>
+                                        <m:t>i</m:t>
+                                      </m:r>
+                                      <m:r>
+                                        <m:rPr>
+                                          <m:sty m:val="p"/>
+                                        </m:rPr>
+                                        <m:t>+</m:t>
+                                      </m:r>
+                                      <m:r>
+                                        <m:t>1</m:t>
+                                      </m:r>
+                                      <m:r>
+                                        <m:rPr>
+                                          <m:nor/>
+                                          <m:sty m:val="p"/>
+                                        </m:rPr>
+                                        <m:t> do </m:t>
+                                      </m:r>
+                                    </m:e>
+                                  </m:mr>
+                                  <m:mr>
+                                    <m:e/>
+                                    <m:e>
+                                      <m:r>
+                                        <m:t> </m:t>
+                                      </m:r>
+                                      <m:r>
+                                        <m:t> </m:t>
+                                      </m:r>
+                                      <m:r>
+                                        <m:t> </m:t>
+                                      </m:r>
+                                      <m:r>
+                                        <m:rPr>
+                                          <m:sty m:val="p"/>
+                                        </m:rPr>
+                                        <m:t>⋮</m:t>
+                                      </m:r>
+                                    </m:e>
+                                  </m:mr>
+                                </m:m>
+                              </m:e>
+                            </m:d>
+                          </m:e>
+                        </m:mr>
+                        <m:mr>
+                          <m:e>
+                            <m:m>
+                              <m:mPr>
+                                <m:baseJc m:val="center"/>
+                                <m:plcHide m:val="1"/>
+                                <m:mcs>
+                                  <m:mc>
+                                    <m:mcPr>
+                                      <m:mcJc m:val="right"/>
+                                      <m:count m:val="1"/>
+                                    </m:mcPr>
+                                  </m:mc>
+                                </m:mcs>
+                              </m:mPr>
+                              <m:mr>
+                                <m:e>
+                                  <m:r>
+                                    <m:rPr>
+                                      <m:nor/>
+                                      <m:sty m:val="p"/>
+                                    </m:rPr>
+                                    <m:t>compute </m:t>
+                                  </m:r>
+                                  <m:r>
+                                    <m:t>m</m:t>
+                                  </m:r>
+                                  <m:d>
+                                    <m:dPr>
+                                      <m:begChr m:val="["/>
+                                      <m:endChr m:val="]"/>
+                                      <m:sepChr m:val=""/>
+                                      <m:grow/>
+                                    </m:dPr>
+                                    <m:e>
+                                      <m:r>
+                                        <m:t>i</m:t>
+                                      </m:r>
+                                      <m:r>
+                                        <m:rPr>
+                                          <m:sty m:val="p"/>
+                                        </m:rPr>
+                                        <m:t>,</m:t>
+                                      </m:r>
+                                      <m:r>
+                                        <m:t>i</m:t>
+                                      </m:r>
+                                      <m:r>
+                                        <m:rPr>
+                                          <m:sty m:val="p"/>
+                                        </m:rPr>
+                                        <m:t>+</m:t>
+                                      </m:r>
+                                      <m:r>
+                                        <m:t>3</m:t>
+                                      </m:r>
+                                    </m:e>
+                                  </m:d>
+                                </m:e>
+                              </m:mr>
+                              <m:mr>
+                                <m:e>
+                                  <m:limLow>
+                                    <m:e>
+                                      <m:limLow>
+                                        <m:e>
+                                          <m:r>
+                                            <m:rPr>
+                                              <m:sty m:val="p"/>
+                                            </m:rPr>
+                                            <m:t>{</m:t>
+                                          </m:r>
+                                          <m:r>
+                                            <m:t>m</m:t>
+                                          </m:r>
+                                          <m:d>
+                                            <m:dPr>
+                                              <m:begChr m:val="["/>
+                                              <m:endChr m:val="]"/>
+                                              <m:sepChr m:val=""/>
+                                              <m:grow/>
+                                            </m:dPr>
+                                            <m:e>
+                                              <m:r>
+                                                <m:t>1</m:t>
+                                              </m:r>
+                                              <m:r>
+                                                <m:rPr>
+                                                  <m:sty m:val="p"/>
+                                                </m:rPr>
+                                                <m:t>,</m:t>
+                                              </m:r>
+                                              <m:r>
+                                                <m:t>4</m:t>
+                                              </m:r>
+                                            </m:e>
+                                          </m:d>
+                                          <m:r>
+                                            <m:rPr>
+                                              <m:sty m:val="p"/>
+                                            </m:rPr>
+                                            <m:t>,</m:t>
+                                          </m:r>
+                                          <m:r>
+                                            <m:t>m</m:t>
+                                          </m:r>
+                                          <m:d>
+                                            <m:dPr>
+                                              <m:begChr m:val="["/>
+                                              <m:endChr m:val="]"/>
+                                              <m:sepChr m:val=""/>
+                                              <m:grow/>
+                                            </m:dPr>
+                                            <m:e>
+                                              <m:r>
+                                                <m:t>2</m:t>
+                                              </m:r>
+                                              <m:r>
+                                                <m:rPr>
+                                                  <m:sty m:val="p"/>
+                                                </m:rPr>
+                                                <m:t>,</m:t>
+                                              </m:r>
+                                              <m:r>
+                                                <m:t>5</m:t>
+                                              </m:r>
+                                            </m:e>
+                                          </m:d>
+                                          <m:r>
+                                            <m:rPr>
+                                              <m:sty m:val="p"/>
+                                            </m:rPr>
+                                            <m:t>,</m:t>
+                                          </m:r>
+                                          <m:r>
+                                            <m:rPr>
+                                              <m:sty m:val="p"/>
+                                            </m:rPr>
+                                            <m:t>…</m:t>
+                                          </m:r>
+                                          <m:r>
+                                            <m:rPr>
+                                              <m:sty m:val="p"/>
+                                            </m:rPr>
+                                            <m:t>,</m:t>
+                                          </m:r>
+                                          <m:r>
+                                            <m:t>m</m:t>
+                                          </m:r>
+                                          <m:d>
+                                            <m:dPr>
+                                              <m:begChr m:val="["/>
+                                              <m:endChr m:val="]"/>
+                                              <m:sepChr m:val=""/>
+                                              <m:grow/>
+                                            </m:dPr>
+                                            <m:e>
+                                              <m:r>
+                                                <m:t>n</m:t>
+                                              </m:r>
+                                              <m:r>
+                                                <m:rPr>
+                                                  <m:sty m:val="p"/>
+                                                </m:rPr>
+                                                <m:t>−</m:t>
+                                              </m:r>
+                                              <m:r>
+                                                <m:t>3</m:t>
+                                              </m:r>
+                                              <m:r>
+                                                <m:rPr>
+                                                  <m:sty m:val="p"/>
+                                                </m:rPr>
+                                                <m:t>,</m:t>
+                                              </m:r>
+                                              <m:r>
+                                                <m:t>n</m:t>
+                                              </m:r>
+                                            </m:e>
+                                          </m:d>
+                                          <m:r>
+                                            <m:rPr>
+                                              <m:sty m:val="p"/>
+                                            </m:rPr>
+                                            <m:t>}</m:t>
+                                          </m:r>
+                                        </m:e>
+                                        <m:lim>
+                                          <m:r>
+                                            <m:rPr>
+                                              <m:sty m:val="p"/>
+                                            </m:rPr>
+                                            <m:t>⏟</m:t>
+                                          </m:r>
+                                        </m:lim>
+                                      </m:limLow>
+                                    </m:e>
+                                    <m:lim>
+                                      <m:d>
+                                        <m:dPr>
+                                          <m:begChr m:val="("/>
+                                          <m:endChr m:val=")"/>
+                                          <m:sepChr m:val=""/>
+                                          <m:grow/>
+                                        </m:dPr>
+                                        <m:e>
+                                          <m:r>
+                                            <m:t>n</m:t>
+                                          </m:r>
+                                          <m:r>
+                                            <m:rPr>
+                                              <m:sty m:val="p"/>
+                                            </m:rPr>
+                                            <m:t>−</m:t>
+                                          </m:r>
+                                          <m:r>
+                                            <m:t>3</m:t>
+                                          </m:r>
+                                        </m:e>
+                                      </m:d>
+                                      <m:r>
+                                        <m:rPr>
+                                          <m:nor/>
+                                          <m:sty m:val="p"/>
+                                        </m:rPr>
+                                        <m:t> values</m:t>
+                                      </m:r>
+                                    </m:lim>
+                                  </m:limLow>
+                                </m:e>
+                              </m:mr>
+                            </m:m>
+                          </m:e>
+                          <m:e>
+                            <m:d>
+                              <m:dPr>
+                                <m:begChr m:val="{"/>
+                                <m:endChr m:val=""/>
+                                <m:sepChr m:val=""/>
+                                <m:grow/>
+                              </m:dPr>
+                              <m:e>
+                                <m:m>
+                                  <m:mPr>
+                                    <m:baseJc m:val="center"/>
+                                    <m:plcHide m:val="1"/>
+                                    <m:mcs>
+                                      <m:mc>
+                                        <m:mcPr>
+                                          <m:mcJc m:val="left"/>
+                                          <m:count m:val="1"/>
+                                        </m:mcPr>
+                                      </m:mc>
+                                      <m:mc>
+                                        <m:mcPr>
+                                          <m:mcJc m:val="left"/>
+                                          <m:count m:val="1"/>
+                                        </m:mcPr>
+                                      </m:mc>
+                                    </m:mcs>
+                                  </m:mPr>
+                                  <m:mr>
+                                    <m:e/>
+                                    <m:e>
+                                      <m:r>
+                                        <m:rPr>
+                                          <m:sty m:val="p"/>
+                                        </m:rPr>
+                                        <m:t>ℓ</m:t>
+                                      </m:r>
+                                      <m:r>
+                                        <m:rPr>
+                                          <m:sty m:val="p"/>
+                                        </m:rPr>
+                                        <m:t>=</m:t>
+                                      </m:r>
+                                      <m:r>
+                                        <m:t>4</m:t>
+                                      </m:r>
+                                    </m:e>
+                                  </m:mr>
+                                  <m:mr>
+                                    <m:e/>
+                                    <m:e>
+                                      <m:r>
+                                        <m:rPr>
+                                          <m:nor/>
+                                          <m:sty m:val="p"/>
+                                        </m:rPr>
+                                        <m:t>for </m:t>
+                                      </m:r>
+                                      <m:r>
+                                        <m:t>i</m:t>
+                                      </m:r>
+                                      <m:r>
+                                        <m:rPr>
+                                          <m:sty m:val="p"/>
+                                        </m:rPr>
+                                        <m:t>=</m:t>
+                                      </m:r>
+                                      <m:r>
+                                        <m:t>1</m:t>
+                                      </m:r>
+                                      <m:r>
+                                        <m:rPr>
+                                          <m:nor/>
+                                          <m:sty m:val="p"/>
+                                        </m:rPr>
+                                        <m:t> to </m:t>
+                                      </m:r>
+                                      <m:r>
+                                        <m:t>n</m:t>
+                                      </m:r>
+                                      <m:r>
+                                        <m:rPr>
+                                          <m:sty m:val="p"/>
+                                        </m:rPr>
+                                        <m:t>−</m:t>
+                                      </m:r>
+                                      <m:r>
+                                        <m:t>3</m:t>
+                                      </m:r>
+                                      <m:r>
+                                        <m:rPr>
+                                          <m:nor/>
+                                          <m:sty m:val="p"/>
+                                        </m:rPr>
+                                        <m:t> do </m:t>
+                                      </m:r>
+                                    </m:e>
+                                  </m:mr>
+                                  <m:mr>
+                                    <m:e/>
+                                    <m:e>
+                                      <m:r>
+                                        <m:t> </m:t>
+                                      </m:r>
+                                      <m:r>
+                                        <m:t>m</m:t>
+                                      </m:r>
+                                      <m:d>
+                                        <m:dPr>
+                                          <m:begChr m:val="["/>
+                                          <m:endChr m:val="]"/>
+                                          <m:sepChr m:val=""/>
+                                          <m:grow/>
+                                        </m:dPr>
+                                        <m:e>
+                                          <m:r>
+                                            <m:t>i</m:t>
+                                          </m:r>
+                                          <m:r>
+                                            <m:rPr>
+                                              <m:sty m:val="p"/>
+                                            </m:rPr>
+                                            <m:t>,</m:t>
+                                          </m:r>
+                                          <m:r>
+                                            <m:t>i</m:t>
+                                          </m:r>
+                                          <m:r>
+                                            <m:rPr>
+                                              <m:sty m:val="p"/>
+                                            </m:rPr>
+                                            <m:t>+</m:t>
+                                          </m:r>
+                                          <m:r>
+                                            <m:t>3</m:t>
+                                          </m:r>
+                                        </m:e>
+                                      </m:d>
+                                      <m:r>
+                                        <m:rPr>
+                                          <m:sty m:val="p"/>
+                                        </m:rPr>
+                                        <m:t>=</m:t>
+                                      </m:r>
+                                      <m:r>
+                                        <m:rPr>
+                                          <m:sty m:val="p"/>
+                                        </m:rPr>
+                                        <m:t>∞</m:t>
+                                      </m:r>
+                                    </m:e>
+                                  </m:mr>
+                                  <m:mr>
+                                    <m:e/>
+                                    <m:e>
+                                      <m:r>
+                                        <m:t> </m:t>
+                                      </m:r>
+                                      <m:r>
+                                        <m:t> </m:t>
+                                      </m:r>
+                                      <m:r>
+                                        <m:rPr>
+                                          <m:nor/>
+                                          <m:sty m:val="p"/>
+                                        </m:rPr>
+                                        <m:t>for </m:t>
+                                      </m:r>
+                                      <m:r>
+                                        <m:t>k</m:t>
+                                      </m:r>
+                                      <m:r>
+                                        <m:rPr>
+                                          <m:sty m:val="p"/>
+                                        </m:rPr>
+                                        <m:t>=</m:t>
+                                      </m:r>
+                                      <m:r>
+                                        <m:t>i</m:t>
+                                      </m:r>
+                                      <m:r>
+                                        <m:rPr>
+                                          <m:nor/>
+                                          <m:sty m:val="p"/>
+                                        </m:rPr>
+                                        <m:t> to </m:t>
+                                      </m:r>
+                                      <m:r>
+                                        <m:t>i</m:t>
+                                      </m:r>
+                                      <m:r>
+                                        <m:rPr>
+                                          <m:sty m:val="p"/>
+                                        </m:rPr>
+                                        <m:t>+</m:t>
+                                      </m:r>
+                                      <m:r>
+                                        <m:t>2</m:t>
+                                      </m:r>
+                                      <m:r>
+                                        <m:rPr>
+                                          <m:nor/>
+                                          <m:sty m:val="p"/>
+                                        </m:rPr>
+                                        <m:t> do </m:t>
+                                      </m:r>
+                                    </m:e>
+                                  </m:mr>
+                                  <m:mr>
+                                    <m:e/>
+                                    <m:e>
+                                      <m:r>
+                                        <m:t> </m:t>
+                                      </m:r>
+                                      <m:r>
+                                        <m:t> </m:t>
+                                      </m:r>
+                                      <m:r>
+                                        <m:t> </m:t>
+                                      </m:r>
+                                      <m:r>
+                                        <m:rPr>
+                                          <m:sty m:val="p"/>
+                                        </m:rPr>
+                                        <m:t>⋮</m:t>
+                                      </m:r>
+                                    </m:e>
+                                  </m:mr>
+                                </m:m>
+                              </m:e>
+                            </m:d>
+                          </m:e>
+                        </m:mr>
+                      </m:m>
+                    </m:oMath>
+                  </m:oMathPara>
+                </a14:m>
+              </a:p>
+            </p:txBody>
+          </p:sp>
+        </mc:Choice>
+      </mc:AlternateContent>
     </p:spTree>
   </p:cSld>
 </p:sld>
@@ -17725,7 +19274,12 @@
             <p:ph type="title"/>
           </p:nvPr>
         </p:nvSpPr>
-        <p:spPr/>
+        <p:spPr>
+          <a:xfrm>
+            <a:off x="457200" y="273050"/>
+            <a:ext cx="3008313" cy="1162050"/>
+          </a:xfrm>
+        </p:spPr>
         <p:txBody>
           <a:bodyPr/>
           <a:lstStyle/>
@@ -17734,8 +19288,162 @@
               <a:buNone/>
             </a:pPr>
             <a:r>
+              <a:rPr b="1"/>
+              <a:t>Table access pattern</a:t>
+            </a:r>
+            <a:r>
               <a:rPr/>
-              <a:t>References</a:t>
+              <a:t> Example</a:t>
+            </a:r>
+          </a:p>
+        </p:txBody>
+      </p:sp>
+      <mc:AlternateContent xmlns:mc="http://schemas.openxmlformats.org/markup-compatibility/2006">
+        <mc:Choice xmlns:a14="http://schemas.microsoft.com/office/drawing/2010/main" Requires="a14">
+          <p:sp>
+            <p:nvSpPr>
+              <p:cNvPr id="4" name="Text Placeholder 3"/>
+              <p:cNvSpPr>
+                <a:spLocks noGrp="1"/>
+              </p:cNvSpPr>
+              <p:nvPr>
+                <p:ph idx="2" sz="half" type="body"/>
+              </p:nvPr>
+            </p:nvSpPr>
+            <p:spPr/>
+            <p:txBody>
+              <a:bodyPr/>
+              <a:lstStyle/>
+              <a:p>
+                <a:pPr lvl="0"/>
+                <a:r>
+                  <a:rPr/>
+                  <a:t>Compute </a:t>
+                </a:r>
+                <a14:m>
+                  <m:oMath xmlns:m="http://schemas.openxmlformats.org/officeDocument/2006/math">
+                    <m:sSub>
+                      <m:e>
+                        <m:r>
+                          <m:t>m</m:t>
+                        </m:r>
+                      </m:e>
+                      <m:sub>
+                        <m:r>
+                          <m:t>25</m:t>
+                        </m:r>
+                      </m:sub>
+                    </m:sSub>
+                  </m:oMath>
+                </a14:m>
+              </a:p>
+              <a:p>
+                <a:pPr lvl="0"/>
+                <a:r>
+                  <a:rPr/>
+                  <a:t>Choose the </a:t>
+                </a:r>
+                <a14:m>
+                  <m:oMath xmlns:m="http://schemas.openxmlformats.org/officeDocument/2006/math">
+                    <m:r>
+                      <m:t>k</m:t>
+                    </m:r>
+                  </m:oMath>
+                </a14:m>
+                <a:r>
+                  <a:rPr/>
+                  <a:t> value that leads to </a:t>
+                </a:r>
+                <a:r>
+                  <a:rPr b="1"/>
+                  <a:t>min cost</a:t>
+                </a:r>
+              </a:p>
+              <a:p>
+                <a:pPr lvl="0" indent="0" marL="0">
+                  <a:buNone/>
+                </a:pPr>
+                <a:r>
+                  <a:rPr/>
+                  <a:t>$$
+m_{ij}=\underset{i \leq k &lt; j}{MIN} \{ m_{ik} + m_{k+1,j} + p_{i-1} p_k p_j \} \\[10pt]
+\begin{align*}
+A_1 &amp;: (30 \times 35) \\
+A_2 &amp;: (35 \times 15) \\
+A_3 &amp;: (15 \times 5) \\
+A_4 &amp;: (5 \times 10) \\
+A_5 &amp;: (10 \times 20) \\
+A_6 &amp;: (20 \times 25)
+\end{align*}
+\begin{align*}
+&amp; ((A_2)\overbrace{\vdots}^{ (k=2) } (A_3 A_4 A_5)) \\[10 pt]
+\quad cost &amp;= m_{22} + m_{35} + p_1p_2p_5 \\
+&amp;= 0 + 2500 + 35 \times 15 \times 20 \\
+&amp;= 13000
+\end{align*}
+$$</a:t>
+                </a:r>
+              </a:p>
+            </p:txBody>
+          </p:sp>
+        </mc:Choice>
+      </mc:AlternateContent>
+      <p:pic>
+        <p:nvPicPr>
+          <p:cNvPr descr="fig:  assets/ce100-week-5-dp-table-acc-pattern-example-1.drawio.svg" id="0" name="Picture 1"/>
+          <p:cNvPicPr>
+            <a:picLocks noGrp="1" noChangeAspect="1"/>
+          </p:cNvPicPr>
+          <p:nvPr/>
+        </p:nvPicPr>
+        <p:blipFill>
+          <a:blip r:embed="rId2"/>
+          <a:stretch>
+            <a:fillRect/>
+          </a:stretch>
+        </p:blipFill>
+        <p:spPr bwMode="auto">
+          <a:xfrm>
+            <a:off x="3568700" y="381000"/>
+            <a:ext cx="5105400" cy="5105400"/>
+          </a:xfrm>
+          <a:prstGeom prst="rect">
+            <a:avLst/>
+          </a:prstGeom>
+          <a:noFill/>
+          <a:ln w="9525">
+            <a:noFill/>
+            <a:headEnd/>
+            <a:tailEnd/>
+          </a:ln>
+        </p:spPr>
+      </p:pic>
+      <p:sp>
+        <p:nvSpPr>
+          <p:cNvPr id="1" name="TextBox 3"/>
+          <p:cNvSpPr txBox="1"/>
+          <p:nvPr/>
+        </p:nvSpPr>
+        <p:spPr>
+          <a:xfrm>
+            <a:off x="3568700" y="5600700"/>
+            <a:ext cx="5105400" cy="508000"/>
+          </a:xfrm>
+          <a:prstGeom prst="rect">
+            <a:avLst/>
+          </a:prstGeom>
+          <a:noFill/>
+        </p:spPr>
+        <p:txBody>
+          <a:bodyPr/>
+          <a:lstStyle/>
+          <a:p>
+            <a:pPr lvl="0" indent="0" marL="0" algn="ctr">
+              <a:buNone/>
+            </a:pPr>
+            <a:r>
+              <a:rPr/>
+              <a:t>bg right:40% h:500px</a:t>
             </a:r>
           </a:p>
         </p:txBody>
@@ -17746,6 +19454,4796 @@
 </file>
 
 <file path=ppt/slides/slide51.xml><?xml version="1.0" encoding="utf-8"?>
+<p:sld xmlns:a="http://schemas.openxmlformats.org/drawingml/2006/main" xmlns:r="http://schemas.openxmlformats.org/officeDocument/2006/relationships" xmlns:p="http://schemas.openxmlformats.org/presentationml/2006/main">
+  <p:cSld>
+    <p:spTree>
+      <p:nvGrpSpPr>
+        <p:cNvPr id="1" name=""/>
+        <p:cNvGrpSpPr/>
+        <p:nvPr/>
+      </p:nvGrpSpPr>
+      <p:grpSpPr>
+        <a:xfrm>
+          <a:off x="0" y="0"/>
+          <a:ext cx="0" cy="0"/>
+          <a:chOff x="0" y="0"/>
+          <a:chExt cx="0" cy="0"/>
+        </a:xfrm>
+      </p:grpSpPr>
+      <p:sp>
+        <p:nvSpPr>
+          <p:cNvPr id="2" name="Title 1"/>
+          <p:cNvSpPr>
+            <a:spLocks noGrp="1"/>
+          </p:cNvSpPr>
+          <p:nvPr>
+            <p:ph type="title"/>
+          </p:nvPr>
+        </p:nvSpPr>
+        <p:spPr>
+          <a:xfrm>
+            <a:off x="457200" y="273050"/>
+            <a:ext cx="3008313" cy="1162050"/>
+          </a:xfrm>
+        </p:spPr>
+        <p:txBody>
+          <a:bodyPr/>
+          <a:lstStyle/>
+          <a:p>
+            <a:pPr lvl="0" indent="0" marL="0">
+              <a:buNone/>
+            </a:pPr>
+            <a:r>
+              <a:rPr b="1"/>
+              <a:t>Table access pattern</a:t>
+            </a:r>
+            <a:r>
+              <a:rPr/>
+              <a:t> Example</a:t>
+            </a:r>
+          </a:p>
+        </p:txBody>
+      </p:sp>
+      <mc:AlternateContent xmlns:mc="http://schemas.openxmlformats.org/markup-compatibility/2006">
+        <mc:Choice xmlns:a14="http://schemas.microsoft.com/office/drawing/2010/main" Requires="a14">
+          <p:sp>
+            <p:nvSpPr>
+              <p:cNvPr id="4" name="Text Placeholder 3"/>
+              <p:cNvSpPr>
+                <a:spLocks noGrp="1"/>
+              </p:cNvSpPr>
+              <p:nvPr>
+                <p:ph idx="2" sz="half" type="body"/>
+              </p:nvPr>
+            </p:nvSpPr>
+            <p:spPr/>
+            <p:txBody>
+              <a:bodyPr/>
+              <a:lstStyle/>
+              <a:p>
+                <a:pPr lvl="0"/>
+                <a:r>
+                  <a:rPr/>
+                  <a:t>Compute </a:t>
+                </a:r>
+                <a14:m>
+                  <m:oMath xmlns:m="http://schemas.openxmlformats.org/officeDocument/2006/math">
+                    <m:sSub>
+                      <m:e>
+                        <m:r>
+                          <m:t>m</m:t>
+                        </m:r>
+                      </m:e>
+                      <m:sub>
+                        <m:r>
+                          <m:t>25</m:t>
+                        </m:r>
+                      </m:sub>
+                    </m:sSub>
+                  </m:oMath>
+                </a14:m>
+              </a:p>
+              <a:p>
+                <a:pPr lvl="0"/>
+                <a:r>
+                  <a:rPr/>
+                  <a:t>Choose the </a:t>
+                </a:r>
+                <a14:m>
+                  <m:oMath xmlns:m="http://schemas.openxmlformats.org/officeDocument/2006/math">
+                    <m:r>
+                      <m:t>k</m:t>
+                    </m:r>
+                  </m:oMath>
+                </a14:m>
+                <a:r>
+                  <a:rPr/>
+                  <a:t> value that leads to </a:t>
+                </a:r>
+                <a:r>
+                  <a:rPr b="1"/>
+                  <a:t>min cost</a:t>
+                </a:r>
+              </a:p>
+              <a:p>
+                <a:pPr lvl="0" indent="0" marL="0">
+                  <a:buNone/>
+                </a:pPr>
+                <a:r>
+                  <a:rPr/>
+                  <a:t>$$
+m_{ij}=\underset{i \leq k &lt; j}{MIN} \{ m_{ik} + m_{k+1,j} + p_{i-1} p_k p_j \} \\[10pt]
+\begin{align*}
+A_1 &amp;: (30 \times 35) \\
+A_2 &amp;: (35 \times 15) \\
+A_3 &amp;: (15 \times 5) \\
+A_4 &amp;: (5 \times 10) \\
+A_5 &amp;: (10 \times 20) \\
+A_6 &amp;: (20 \times 25)
+\end{align*}
+\begin{align*}
+&amp; ((A_2 A_3) \overbrace{\vdots}^{ (k=3) } (A_4 A_5)) \\[10 pt]
+\quad cost &amp;= m_{23} + m_{45} + p_1p_3p_5 \\
+&amp;= 2625 + 1000 + 35 \times 5 \times 20 \\
+&amp;= 7125
+\end{align*}
+$$</a:t>
+                </a:r>
+              </a:p>
+            </p:txBody>
+          </p:sp>
+        </mc:Choice>
+      </mc:AlternateContent>
+      <p:pic>
+        <p:nvPicPr>
+          <p:cNvPr descr="fig:  assets/ce100-week-5-dp-table-acc-pattern-example-2.drawio.svg" id="0" name="Picture 1"/>
+          <p:cNvPicPr>
+            <a:picLocks noGrp="1" noChangeAspect="1"/>
+          </p:cNvPicPr>
+          <p:nvPr/>
+        </p:nvPicPr>
+        <p:blipFill>
+          <a:blip r:embed="rId2"/>
+          <a:stretch>
+            <a:fillRect/>
+          </a:stretch>
+        </p:blipFill>
+        <p:spPr bwMode="auto">
+          <a:xfrm>
+            <a:off x="3568700" y="381000"/>
+            <a:ext cx="5105400" cy="5105400"/>
+          </a:xfrm>
+          <a:prstGeom prst="rect">
+            <a:avLst/>
+          </a:prstGeom>
+          <a:noFill/>
+          <a:ln w="9525">
+            <a:noFill/>
+            <a:headEnd/>
+            <a:tailEnd/>
+          </a:ln>
+        </p:spPr>
+      </p:pic>
+      <p:sp>
+        <p:nvSpPr>
+          <p:cNvPr id="1" name="TextBox 3"/>
+          <p:cNvSpPr txBox="1"/>
+          <p:nvPr/>
+        </p:nvSpPr>
+        <p:spPr>
+          <a:xfrm>
+            <a:off x="3568700" y="5600700"/>
+            <a:ext cx="5105400" cy="508000"/>
+          </a:xfrm>
+          <a:prstGeom prst="rect">
+            <a:avLst/>
+          </a:prstGeom>
+          <a:noFill/>
+        </p:spPr>
+        <p:txBody>
+          <a:bodyPr/>
+          <a:lstStyle/>
+          <a:p>
+            <a:pPr lvl="0" indent="0" marL="0" algn="ctr">
+              <a:buNone/>
+            </a:pPr>
+            <a:r>
+              <a:rPr/>
+              <a:t>bg right:40% h:500px</a:t>
+            </a:r>
+          </a:p>
+        </p:txBody>
+      </p:sp>
+    </p:spTree>
+  </p:cSld>
+</p:sld>
+</file>
+
+<file path=ppt/slides/slide52.xml><?xml version="1.0" encoding="utf-8"?>
+<p:sld xmlns:a="http://schemas.openxmlformats.org/drawingml/2006/main" xmlns:r="http://schemas.openxmlformats.org/officeDocument/2006/relationships" xmlns:p="http://schemas.openxmlformats.org/presentationml/2006/main">
+  <p:cSld>
+    <p:spTree>
+      <p:nvGrpSpPr>
+        <p:cNvPr id="1" name=""/>
+        <p:cNvGrpSpPr/>
+        <p:nvPr/>
+      </p:nvGrpSpPr>
+      <p:grpSpPr>
+        <a:xfrm>
+          <a:off x="0" y="0"/>
+          <a:ext cx="0" cy="0"/>
+          <a:chOff x="0" y="0"/>
+          <a:chExt cx="0" cy="0"/>
+        </a:xfrm>
+      </p:grpSpPr>
+      <p:sp>
+        <p:nvSpPr>
+          <p:cNvPr id="2" name="Title 1"/>
+          <p:cNvSpPr>
+            <a:spLocks noGrp="1"/>
+          </p:cNvSpPr>
+          <p:nvPr>
+            <p:ph type="title"/>
+          </p:nvPr>
+        </p:nvSpPr>
+        <p:spPr>
+          <a:xfrm>
+            <a:off x="457200" y="273050"/>
+            <a:ext cx="3008313" cy="1162050"/>
+          </a:xfrm>
+        </p:spPr>
+        <p:txBody>
+          <a:bodyPr/>
+          <a:lstStyle/>
+          <a:p>
+            <a:pPr lvl="0" indent="0" marL="0">
+              <a:buNone/>
+            </a:pPr>
+            <a:r>
+              <a:rPr b="1"/>
+              <a:t>Table access pattern</a:t>
+            </a:r>
+            <a:r>
+              <a:rPr/>
+              <a:t> Example</a:t>
+            </a:r>
+          </a:p>
+        </p:txBody>
+      </p:sp>
+      <mc:AlternateContent xmlns:mc="http://schemas.openxmlformats.org/markup-compatibility/2006">
+        <mc:Choice xmlns:a14="http://schemas.microsoft.com/office/drawing/2010/main" Requires="a14">
+          <p:sp>
+            <p:nvSpPr>
+              <p:cNvPr id="4" name="Text Placeholder 3"/>
+              <p:cNvSpPr>
+                <a:spLocks noGrp="1"/>
+              </p:cNvSpPr>
+              <p:nvPr>
+                <p:ph idx="2" sz="half" type="body"/>
+              </p:nvPr>
+            </p:nvSpPr>
+            <p:spPr/>
+            <p:txBody>
+              <a:bodyPr/>
+              <a:lstStyle/>
+              <a:p>
+                <a:pPr lvl="0"/>
+                <a:r>
+                  <a:rPr/>
+                  <a:t>Compute </a:t>
+                </a:r>
+                <a14:m>
+                  <m:oMath xmlns:m="http://schemas.openxmlformats.org/officeDocument/2006/math">
+                    <m:sSub>
+                      <m:e>
+                        <m:r>
+                          <m:t>m</m:t>
+                        </m:r>
+                      </m:e>
+                      <m:sub>
+                        <m:r>
+                          <m:t>25</m:t>
+                        </m:r>
+                      </m:sub>
+                    </m:sSub>
+                  </m:oMath>
+                </a14:m>
+              </a:p>
+              <a:p>
+                <a:pPr lvl="0"/>
+                <a:r>
+                  <a:rPr/>
+                  <a:t>Choose the </a:t>
+                </a:r>
+                <a14:m>
+                  <m:oMath xmlns:m="http://schemas.openxmlformats.org/officeDocument/2006/math">
+                    <m:r>
+                      <m:t>k</m:t>
+                    </m:r>
+                  </m:oMath>
+                </a14:m>
+                <a:r>
+                  <a:rPr/>
+                  <a:t> value that leads to </a:t>
+                </a:r>
+                <a:r>
+                  <a:rPr b="1"/>
+                  <a:t>min cost</a:t>
+                </a:r>
+              </a:p>
+              <a:p>
+                <a:pPr lvl="0" indent="0" marL="0">
+                  <a:buNone/>
+                </a:pPr>
+                <a:r>
+                  <a:rPr/>
+                  <a:t>$$
+m_{ij}=\underset{i \leq k &lt; j}{MIN} \{ m_{ik} + m_{k+1,j} + p_{i-1} p_k p_j \} \\[10pt]
+\begin{align*}
+A_1 &amp;: (30 \times 35) \\
+A_2 &amp;: (35 \times 15) \\
+A_3 &amp;: (15 \times 5) \\
+A_4 &amp;: (5 \times 10) \\
+A_5 &amp;: (10 \times 20) \\
+A_6 &amp;: (20 \times 25)
+\end{align*}
+\begin{align*}
+&amp; ((A_2 A_3 A_4)\overbrace{\vdots}^{ (k=4) }(A_5)) \\[10 pt]
+\quad cost &amp;= m_{24} + m_{55} + p_1p_4p_5 \\
+&amp;= 4375 + 0 + 35 \times 10 \times 20 \\
+&amp;= 11375
+\end{align*}
+$$</a:t>
+                </a:r>
+              </a:p>
+            </p:txBody>
+          </p:sp>
+        </mc:Choice>
+      </mc:AlternateContent>
+      <p:pic>
+        <p:nvPicPr>
+          <p:cNvPr descr="fig:  assets/ce100-week-5-dp-table-acc-pattern-example-3.drawio.svg" id="0" name="Picture 1"/>
+          <p:cNvPicPr>
+            <a:picLocks noGrp="1" noChangeAspect="1"/>
+          </p:cNvPicPr>
+          <p:nvPr/>
+        </p:nvPicPr>
+        <p:blipFill>
+          <a:blip r:embed="rId2"/>
+          <a:stretch>
+            <a:fillRect/>
+          </a:stretch>
+        </p:blipFill>
+        <p:spPr bwMode="auto">
+          <a:xfrm>
+            <a:off x="3568700" y="381000"/>
+            <a:ext cx="5105400" cy="5105400"/>
+          </a:xfrm>
+          <a:prstGeom prst="rect">
+            <a:avLst/>
+          </a:prstGeom>
+          <a:noFill/>
+          <a:ln w="9525">
+            <a:noFill/>
+            <a:headEnd/>
+            <a:tailEnd/>
+          </a:ln>
+        </p:spPr>
+      </p:pic>
+      <p:sp>
+        <p:nvSpPr>
+          <p:cNvPr id="1" name="TextBox 3"/>
+          <p:cNvSpPr txBox="1"/>
+          <p:nvPr/>
+        </p:nvSpPr>
+        <p:spPr>
+          <a:xfrm>
+            <a:off x="3568700" y="5600700"/>
+            <a:ext cx="5105400" cy="508000"/>
+          </a:xfrm>
+          <a:prstGeom prst="rect">
+            <a:avLst/>
+          </a:prstGeom>
+          <a:noFill/>
+        </p:spPr>
+        <p:txBody>
+          <a:bodyPr/>
+          <a:lstStyle/>
+          <a:p>
+            <a:pPr lvl="0" indent="0" marL="0" algn="ctr">
+              <a:buNone/>
+            </a:pPr>
+            <a:r>
+              <a:rPr/>
+              <a:t>bg right:40% h:500px</a:t>
+            </a:r>
+          </a:p>
+        </p:txBody>
+      </p:sp>
+    </p:spTree>
+  </p:cSld>
+</p:sld>
+</file>
+
+<file path=ppt/slides/slide53.xml><?xml version="1.0" encoding="utf-8"?>
+<p:sld xmlns:a="http://schemas.openxmlformats.org/drawingml/2006/main" xmlns:r="http://schemas.openxmlformats.org/officeDocument/2006/relationships" xmlns:p="http://schemas.openxmlformats.org/presentationml/2006/main">
+  <p:cSld>
+    <p:spTree>
+      <p:nvGrpSpPr>
+        <p:cNvPr id="1" name=""/>
+        <p:cNvGrpSpPr/>
+        <p:nvPr/>
+      </p:nvGrpSpPr>
+      <p:grpSpPr>
+        <a:xfrm>
+          <a:off x="0" y="0"/>
+          <a:ext cx="0" cy="0"/>
+          <a:chOff x="0" y="0"/>
+          <a:chExt cx="0" cy="0"/>
+        </a:xfrm>
+      </p:grpSpPr>
+      <p:sp>
+        <p:nvSpPr>
+          <p:cNvPr id="2" name="Title 1"/>
+          <p:cNvSpPr>
+            <a:spLocks noGrp="1"/>
+          </p:cNvSpPr>
+          <p:nvPr>
+            <p:ph type="title"/>
+          </p:nvPr>
+        </p:nvSpPr>
+        <p:spPr>
+          <a:xfrm>
+            <a:off x="457200" y="273050"/>
+            <a:ext cx="3008313" cy="1162050"/>
+          </a:xfrm>
+        </p:spPr>
+        <p:txBody>
+          <a:bodyPr/>
+          <a:lstStyle/>
+          <a:p>
+            <a:pPr lvl="0" indent="0" marL="0">
+              <a:buNone/>
+            </a:pPr>
+            <a:r>
+              <a:rPr b="1"/>
+              <a:t>Table access pattern</a:t>
+            </a:r>
+            <a:r>
+              <a:rPr/>
+              <a:t> Example</a:t>
+            </a:r>
+          </a:p>
+        </p:txBody>
+      </p:sp>
+      <mc:AlternateContent xmlns:mc="http://schemas.openxmlformats.org/markup-compatibility/2006">
+        <mc:Choice xmlns:a14="http://schemas.microsoft.com/office/drawing/2010/main" Requires="a14">
+          <p:sp>
+            <p:nvSpPr>
+              <p:cNvPr id="4" name="Text Placeholder 3"/>
+              <p:cNvSpPr>
+                <a:spLocks noGrp="1"/>
+              </p:cNvSpPr>
+              <p:nvPr>
+                <p:ph idx="2" sz="half" type="body"/>
+              </p:nvPr>
+            </p:nvSpPr>
+            <p:spPr/>
+            <p:txBody>
+              <a:bodyPr/>
+              <a:lstStyle/>
+              <a:p>
+                <a:pPr lvl="0"/>
+                <a:r>
+                  <a:rPr/>
+                  <a:t>Compute </a:t>
+                </a:r>
+                <a14:m>
+                  <m:oMath xmlns:m="http://schemas.openxmlformats.org/officeDocument/2006/math">
+                    <m:sSub>
+                      <m:e>
+                        <m:r>
+                          <m:t>m</m:t>
+                        </m:r>
+                      </m:e>
+                      <m:sub>
+                        <m:r>
+                          <m:t>25</m:t>
+                        </m:r>
+                      </m:sub>
+                    </m:sSub>
+                  </m:oMath>
+                </a14:m>
+              </a:p>
+              <a:p>
+                <a:pPr lvl="0"/>
+                <a:r>
+                  <a:rPr/>
+                  <a:t>Choose the </a:t>
+                </a:r>
+                <a14:m>
+                  <m:oMath xmlns:m="http://schemas.openxmlformats.org/officeDocument/2006/math">
+                    <m:r>
+                      <m:t>k</m:t>
+                    </m:r>
+                  </m:oMath>
+                </a14:m>
+                <a:r>
+                  <a:rPr/>
+                  <a:t> value that leads to </a:t>
+                </a:r>
+                <a:r>
+                  <a:rPr b="1"/>
+                  <a:t>min cost</a:t>
+                </a:r>
+              </a:p>
+              <a:p>
+                <a:pPr lvl="0" indent="0" marL="0">
+                  <a:buNone/>
+                </a:pPr>
+                <a:r>
+                  <a:rPr/>
+                  <a:t>$$ m_{ij}= { m_{ik} + m_{k+1,j} + p_{i-1} p_k p_j } \[10pt]   </a:t>
+                </a:r>
+              </a:p>
+              <a:p>
+                <a:pPr lvl="0" indent="0" marL="0">
+                  <a:buNone/>
+                </a:pPr>
+                <a:r>
+                  <a:rPr/>
+                  <a:t>$$</a:t>
+                </a:r>
+              </a:p>
+            </p:txBody>
+          </p:sp>
+        </mc:Choice>
+      </mc:AlternateContent>
+      <p:pic>
+        <p:nvPicPr>
+          <p:cNvPr descr="fig:  assets/ce100-week-5-dp-table-acc-pattern-example-4.drawio.svg" id="0" name="Picture 1"/>
+          <p:cNvPicPr>
+            <a:picLocks noGrp="1" noChangeAspect="1"/>
+          </p:cNvPicPr>
+          <p:nvPr/>
+        </p:nvPicPr>
+        <p:blipFill>
+          <a:blip r:embed="rId2"/>
+          <a:stretch>
+            <a:fillRect/>
+          </a:stretch>
+        </p:blipFill>
+        <p:spPr bwMode="auto">
+          <a:xfrm>
+            <a:off x="3568700" y="381000"/>
+            <a:ext cx="5105400" cy="5105400"/>
+          </a:xfrm>
+          <a:prstGeom prst="rect">
+            <a:avLst/>
+          </a:prstGeom>
+          <a:noFill/>
+          <a:ln w="9525">
+            <a:noFill/>
+            <a:headEnd/>
+            <a:tailEnd/>
+          </a:ln>
+        </p:spPr>
+      </p:pic>
+      <p:sp>
+        <p:nvSpPr>
+          <p:cNvPr id="1" name="TextBox 3"/>
+          <p:cNvSpPr txBox="1"/>
+          <p:nvPr/>
+        </p:nvSpPr>
+        <p:spPr>
+          <a:xfrm>
+            <a:off x="3568700" y="5600700"/>
+            <a:ext cx="5105400" cy="508000"/>
+          </a:xfrm>
+          <a:prstGeom prst="rect">
+            <a:avLst/>
+          </a:prstGeom>
+          <a:noFill/>
+        </p:spPr>
+        <p:txBody>
+          <a:bodyPr/>
+          <a:lstStyle/>
+          <a:p>
+            <a:pPr lvl="0" indent="0" marL="0" algn="ctr">
+              <a:buNone/>
+            </a:pPr>
+            <a:r>
+              <a:rPr/>
+              <a:t>bg right:40% h:500px</a:t>
+            </a:r>
+          </a:p>
+        </p:txBody>
+      </p:sp>
+    </p:spTree>
+  </p:cSld>
+</p:sld>
+</file>
+
+<file path=ppt/slides/slide54.xml><?xml version="1.0" encoding="utf-8"?>
+<p:sld xmlns:a="http://schemas.openxmlformats.org/drawingml/2006/main" xmlns:r="http://schemas.openxmlformats.org/officeDocument/2006/relationships" xmlns:p="http://schemas.openxmlformats.org/presentationml/2006/main">
+  <p:cSld>
+    <p:spTree>
+      <p:nvGrpSpPr>
+        <p:cNvPr id="1" name=""/>
+        <p:cNvGrpSpPr/>
+        <p:nvPr/>
+      </p:nvGrpSpPr>
+      <p:grpSpPr>
+        <a:xfrm>
+          <a:off x="0" y="0"/>
+          <a:ext cx="0" cy="0"/>
+          <a:chOff x="0" y="0"/>
+          <a:chExt cx="0" cy="0"/>
+        </a:xfrm>
+      </p:grpSpPr>
+      <p:sp>
+        <p:nvSpPr>
+          <p:cNvPr id="2" name="Title 1"/>
+          <p:cNvSpPr>
+            <a:spLocks noGrp="1"/>
+          </p:cNvSpPr>
+          <p:nvPr>
+            <p:ph type="title"/>
+          </p:nvPr>
+        </p:nvSpPr>
+        <p:spPr/>
+        <p:txBody>
+          <a:bodyPr/>
+          <a:lstStyle/>
+          <a:p>
+            <a:pPr lvl="0" indent="0" marL="0">
+              <a:buNone/>
+            </a:pPr>
+            <a:r>
+              <a:rPr/>
+              <a:t>Constructing an Optimal Solution</a:t>
+            </a:r>
+          </a:p>
+        </p:txBody>
+      </p:sp>
+      <mc:AlternateContent xmlns:mc="http://schemas.openxmlformats.org/markup-compatibility/2006">
+        <mc:Choice xmlns:a14="http://schemas.microsoft.com/office/drawing/2010/main" Requires="a14">
+          <p:sp>
+            <p:nvSpPr>
+              <p:cNvPr id="3" name="Content Placeholder 2"/>
+              <p:cNvSpPr>
+                <a:spLocks noGrp="1"/>
+              </p:cNvSpPr>
+              <p:nvPr>
+                <p:ph idx="1"/>
+              </p:nvPr>
+            </p:nvSpPr>
+            <p:spPr/>
+            <p:txBody>
+              <a:bodyPr/>
+              <a:lstStyle/>
+              <a:p>
+                <a:pPr lvl="0"/>
+                <a:r>
+                  <a:rPr b="1"/>
+                  <a:t>MATRIX-CHAIN-ORDER</a:t>
+                </a:r>
+                <a:r>
+                  <a:rPr/>
+                  <a:t> determines the optimal </a:t>
+                </a:r>
+                <a14:m>
+                  <m:oMath xmlns:m="http://schemas.openxmlformats.org/officeDocument/2006/math">
+                    <m:r>
+                      <m:rPr>
+                        <m:sty m:val="p"/>
+                      </m:rPr>
+                      <m:t>#</m:t>
+                    </m:r>
+                  </m:oMath>
+                </a14:m>
+                <a:r>
+                  <a:rPr/>
+                  <a:t> of scalar </a:t>
+                </a:r>
+                <a:r>
+                  <a:rPr b="1"/>
+                  <a:t>mults/adds</a:t>
+                </a:r>
+              </a:p>
+              <a:p>
+                <a:pPr lvl="1"/>
+                <a:r>
+                  <a:rPr/>
+                  <a:t>needed to compute a matrix-chain product</a:t>
+                </a:r>
+              </a:p>
+              <a:p>
+                <a:pPr lvl="1"/>
+                <a:r>
+                  <a:rPr/>
+                  <a:t>it does not directly show how to multiply the matrices</a:t>
+                </a:r>
+              </a:p>
+              <a:p>
+                <a:pPr lvl="0"/>
+                <a:r>
+                  <a:rPr/>
+                  <a:t>That is,</a:t>
+                </a:r>
+              </a:p>
+              <a:p>
+                <a:pPr lvl="1"/>
+                <a:r>
+                  <a:rPr/>
+                  <a:t>it determines the cost of the optimal solution(s)</a:t>
+                </a:r>
+              </a:p>
+              <a:p>
+                <a:pPr lvl="1"/>
+                <a:r>
+                  <a:rPr/>
+                  <a:t>it does not show how to obtain an optimal solution</a:t>
+                </a:r>
+              </a:p>
+              <a:p>
+                <a:pPr lvl="0"/>
+                <a:r>
+                  <a:rPr/>
+                  <a:t>Each entry </a:t>
+                </a:r>
+                <a14:m>
+                  <m:oMath xmlns:m="http://schemas.openxmlformats.org/officeDocument/2006/math">
+                    <m:r>
+                      <m:t>s</m:t>
+                    </m:r>
+                    <m:d>
+                      <m:dPr>
+                        <m:begChr m:val="["/>
+                        <m:endChr m:val="]"/>
+                        <m:sepChr m:val=""/>
+                        <m:grow/>
+                      </m:dPr>
+                      <m:e>
+                        <m:r>
+                          <m:t>i</m:t>
+                        </m:r>
+                        <m:r>
+                          <m:rPr>
+                            <m:sty m:val="p"/>
+                          </m:rPr>
+                          <m:t>,</m:t>
+                        </m:r>
+                        <m:r>
+                          <m:t>j</m:t>
+                        </m:r>
+                      </m:e>
+                    </m:d>
+                  </m:oMath>
+                </a14:m>
+                <a:r>
+                  <a:rPr/>
+                  <a:t> records the value of </a:t>
+                </a:r>
+                <a14:m>
+                  <m:oMath xmlns:m="http://schemas.openxmlformats.org/officeDocument/2006/math">
+                    <m:r>
+                      <m:t>k</m:t>
+                    </m:r>
+                  </m:oMath>
+                </a14:m>
+                <a:r>
+                  <a:rPr/>
+                  <a:t> such that optimal parenthesization of </a:t>
+                </a:r>
+                <a14:m>
+                  <m:oMath xmlns:m="http://schemas.openxmlformats.org/officeDocument/2006/math">
+                    <m:sSub>
+                      <m:e>
+                        <m:r>
+                          <m:t>A</m:t>
+                        </m:r>
+                      </m:e>
+                      <m:sub>
+                        <m:r>
+                          <m:t>i</m:t>
+                        </m:r>
+                      </m:sub>
+                    </m:sSub>
+                    <m:r>
+                      <m:rPr>
+                        <m:sty m:val="p"/>
+                      </m:rPr>
+                      <m:t>…</m:t>
+                    </m:r>
+                    <m:sSub>
+                      <m:e>
+                        <m:r>
+                          <m:t>A</m:t>
+                        </m:r>
+                      </m:e>
+                      <m:sub>
+                        <m:r>
+                          <m:t>j</m:t>
+                        </m:r>
+                      </m:sub>
+                    </m:sSub>
+                  </m:oMath>
+                </a14:m>
+                <a:r>
+                  <a:rPr/>
+                  <a:t> splits the product between </a:t>
+                </a:r>
+                <a14:m>
+                  <m:oMath xmlns:m="http://schemas.openxmlformats.org/officeDocument/2006/math">
+                    <m:sSub>
+                      <m:e>
+                        <m:r>
+                          <m:t>A</m:t>
+                        </m:r>
+                      </m:e>
+                      <m:sub>
+                        <m:r>
+                          <m:t>k</m:t>
+                        </m:r>
+                      </m:sub>
+                    </m:sSub>
+                  </m:oMath>
+                </a14:m>
+                <a:r>
+                  <a:rPr/>
+                  <a:t> &amp; </a:t>
+                </a:r>
+                <a14:m>
+                  <m:oMath xmlns:m="http://schemas.openxmlformats.org/officeDocument/2006/math">
+                    <m:sSub>
+                      <m:e>
+                        <m:r>
+                          <m:t>A</m:t>
+                        </m:r>
+                      </m:e>
+                      <m:sub>
+                        <m:r>
+                          <m:t>k</m:t>
+                        </m:r>
+                        <m:r>
+                          <m:rPr>
+                            <m:sty m:val="p"/>
+                          </m:rPr>
+                          <m:t>+</m:t>
+                        </m:r>
+                        <m:r>
+                          <m:t>1</m:t>
+                        </m:r>
+                      </m:sub>
+                    </m:sSub>
+                  </m:oMath>
+                </a14:m>
+              </a:p>
+              <a:p>
+                <a:pPr lvl="0"/>
+                <a:r>
+                  <a:rPr/>
+                  <a:t>We know that the final matrix multiplication in computing </a:t>
+                </a:r>
+                <a14:m>
+                  <m:oMath xmlns:m="http://schemas.openxmlformats.org/officeDocument/2006/math">
+                    <m:sSub>
+                      <m:e>
+                        <m:r>
+                          <m:t>A</m:t>
+                        </m:r>
+                      </m:e>
+                      <m:sub>
+                        <m:r>
+                          <m:t>1</m:t>
+                        </m:r>
+                        <m:r>
+                          <m:rPr>
+                            <m:sty m:val="p"/>
+                          </m:rPr>
+                          <m:t>…</m:t>
+                        </m:r>
+                        <m:r>
+                          <m:t>n</m:t>
+                        </m:r>
+                      </m:sub>
+                    </m:sSub>
+                  </m:oMath>
+                </a14:m>
+                <a:r>
+                  <a:rPr/>
+                  <a:t> optimally is </a:t>
+                </a:r>
+                <a14:m>
+                  <m:oMath xmlns:m="http://schemas.openxmlformats.org/officeDocument/2006/math">
+                    <m:sSub>
+                      <m:e>
+                        <m:r>
+                          <m:t>A</m:t>
+                        </m:r>
+                      </m:e>
+                      <m:sub>
+                        <m:r>
+                          <m:t>1</m:t>
+                        </m:r>
+                        <m:r>
+                          <m:rPr>
+                            <m:sty m:val="p"/>
+                          </m:rPr>
+                          <m:t>…</m:t>
+                        </m:r>
+                        <m:r>
+                          <m:t>s</m:t>
+                        </m:r>
+                        <m:d>
+                          <m:dPr>
+                            <m:begChr m:val="["/>
+                            <m:endChr m:val="]"/>
+                            <m:sepChr m:val=""/>
+                            <m:grow/>
+                          </m:dPr>
+                          <m:e>
+                            <m:r>
+                              <m:t>1</m:t>
+                            </m:r>
+                            <m:r>
+                              <m:rPr>
+                                <m:sty m:val="p"/>
+                              </m:rPr>
+                              <m:t>,</m:t>
+                            </m:r>
+                            <m:r>
+                              <m:t>n</m:t>
+                            </m:r>
+                          </m:e>
+                        </m:d>
+                      </m:sub>
+                    </m:sSub>
+                    <m:r>
+                      <m:rPr>
+                        <m:sty m:val="p"/>
+                      </m:rPr>
+                      <m:t>×</m:t>
+                    </m:r>
+                    <m:sSub>
+                      <m:e>
+                        <m:r>
+                          <m:t>A</m:t>
+                        </m:r>
+                      </m:e>
+                      <m:sub>
+                        <m:r>
+                          <m:t>s</m:t>
+                        </m:r>
+                        <m:d>
+                          <m:dPr>
+                            <m:begChr m:val="["/>
+                            <m:endChr m:val="]"/>
+                            <m:sepChr m:val=""/>
+                            <m:grow/>
+                          </m:dPr>
+                          <m:e>
+                            <m:r>
+                              <m:t>1</m:t>
+                            </m:r>
+                            <m:r>
+                              <m:rPr>
+                                <m:sty m:val="p"/>
+                              </m:rPr>
+                              <m:t>,</m:t>
+                            </m:r>
+                            <m:r>
+                              <m:t>n</m:t>
+                            </m:r>
+                          </m:e>
+                        </m:d>
+                        <m:r>
+                          <m:rPr>
+                            <m:sty m:val="p"/>
+                          </m:rPr>
+                          <m:t>+</m:t>
+                        </m:r>
+                        <m:r>
+                          <m:t>1</m:t>
+                        </m:r>
+                        <m:r>
+                          <m:rPr>
+                            <m:sty m:val="p"/>
+                          </m:rPr>
+                          <m:t>,</m:t>
+                        </m:r>
+                        <m:r>
+                          <m:t>n</m:t>
+                        </m:r>
+                      </m:sub>
+                    </m:sSub>
+                  </m:oMath>
+                </a14:m>
+              </a:p>
+            </p:txBody>
+          </p:sp>
+        </mc:Choice>
+      </mc:AlternateContent>
+    </p:spTree>
+  </p:cSld>
+</p:sld>
+</file>
+
+<file path=ppt/slides/slide55.xml><?xml version="1.0" encoding="utf-8"?>
+<p:sld xmlns:a="http://schemas.openxmlformats.org/drawingml/2006/main" xmlns:r="http://schemas.openxmlformats.org/officeDocument/2006/relationships" xmlns:p="http://schemas.openxmlformats.org/presentationml/2006/main">
+  <p:cSld>
+    <p:spTree>
+      <p:nvGrpSpPr>
+        <p:cNvPr id="1" name=""/>
+        <p:cNvGrpSpPr/>
+        <p:nvPr/>
+      </p:nvGrpSpPr>
+      <p:grpSpPr>
+        <a:xfrm>
+          <a:off x="0" y="0"/>
+          <a:ext cx="0" cy="0"/>
+          <a:chOff x="0" y="0"/>
+          <a:chExt cx="0" cy="0"/>
+        </a:xfrm>
+      </p:grpSpPr>
+      <p:sp>
+        <p:nvSpPr>
+          <p:cNvPr id="2" name="Title 1"/>
+          <p:cNvSpPr>
+            <a:spLocks noGrp="1"/>
+          </p:cNvSpPr>
+          <p:nvPr>
+            <p:ph type="title"/>
+          </p:nvPr>
+        </p:nvSpPr>
+        <p:spPr>
+          <a:xfrm>
+            <a:off x="457200" y="273050"/>
+            <a:ext cx="3008313" cy="1162050"/>
+          </a:xfrm>
+        </p:spPr>
+        <p:txBody>
+          <a:bodyPr/>
+          <a:lstStyle/>
+          <a:p>
+            <a:pPr lvl="0" indent="0" marL="0">
+              <a:buNone/>
+            </a:pPr>
+            <a:r>
+              <a:rPr b="1"/>
+              <a:t>Example:</a:t>
+            </a:r>
+            <a:r>
+              <a:rPr/>
+              <a:t> Constructing an Optimal Solution</a:t>
+            </a:r>
+          </a:p>
+        </p:txBody>
+      </p:sp>
+      <mc:AlternateContent xmlns:mc="http://schemas.openxmlformats.org/markup-compatibility/2006">
+        <mc:Choice xmlns:a14="http://schemas.microsoft.com/office/drawing/2010/main" Requires="a14">
+          <p:sp>
+            <p:nvSpPr>
+              <p:cNvPr id="4" name="Text Placeholder 3"/>
+              <p:cNvSpPr>
+                <a:spLocks noGrp="1"/>
+              </p:cNvSpPr>
+              <p:nvPr>
+                <p:ph idx="2" sz="half" type="body"/>
+              </p:nvPr>
+            </p:nvSpPr>
+            <p:spPr/>
+            <p:txBody>
+              <a:bodyPr/>
+              <a:lstStyle/>
+              <a:p>
+                <a:pPr lvl="0"/>
+                <a:r>
+                  <a:rPr b="1"/>
+                  <a:t>Reminder:</a:t>
+                </a:r>
+                <a:r>
+                  <a:rPr/>
+                  <a:t> </a:t>
+                </a:r>
+                <a14:m>
+                  <m:oMath xmlns:m="http://schemas.openxmlformats.org/officeDocument/2006/math">
+                    <m:sSub>
+                      <m:e>
+                        <m:r>
+                          <m:t>s</m:t>
+                        </m:r>
+                      </m:e>
+                      <m:sub>
+                        <m:r>
+                          <m:t>i</m:t>
+                        </m:r>
+                        <m:r>
+                          <m:t>j</m:t>
+                        </m:r>
+                      </m:sub>
+                    </m:sSub>
+                  </m:oMath>
+                </a14:m>
+                <a:r>
+                  <a:rPr/>
+                  <a:t> is the optimal top-level split of </a:t>
+                </a:r>
+                <a14:m>
+                  <m:oMath xmlns:m="http://schemas.openxmlformats.org/officeDocument/2006/math">
+                    <m:sSub>
+                      <m:e>
+                        <m:r>
+                          <m:t>A</m:t>
+                        </m:r>
+                      </m:e>
+                      <m:sub>
+                        <m:r>
+                          <m:t>i</m:t>
+                        </m:r>
+                      </m:sub>
+                    </m:sSub>
+                    <m:r>
+                      <m:rPr>
+                        <m:sty m:val="p"/>
+                      </m:rPr>
+                      <m:t>…</m:t>
+                    </m:r>
+                    <m:sSub>
+                      <m:e>
+                        <m:r>
+                          <m:t>A</m:t>
+                        </m:r>
+                      </m:e>
+                      <m:sub>
+                        <m:r>
+                          <m:t>j</m:t>
+                        </m:r>
+                      </m:sub>
+                    </m:sSub>
+                  </m:oMath>
+                </a14:m>
+              </a:p>
+              <a:p>
+                <a:pPr lvl="0"/>
+                <a:r>
+                  <a:rPr/>
+                  <a:t>What is the optimal top-level split for:</a:t>
+                </a:r>
+              </a:p>
+              <a:p>
+                <a:pPr lvl="1"/>
+                <a14:m>
+                  <m:oMath xmlns:m="http://schemas.openxmlformats.org/officeDocument/2006/math">
+                    <m:sSub>
+                      <m:e>
+                        <m:r>
+                          <m:t>A</m:t>
+                        </m:r>
+                      </m:e>
+                      <m:sub>
+                        <m:r>
+                          <m:t>1</m:t>
+                        </m:r>
+                      </m:sub>
+                    </m:sSub>
+                    <m:sSub>
+                      <m:e>
+                        <m:r>
+                          <m:t>A</m:t>
+                        </m:r>
+                      </m:e>
+                      <m:sub>
+                        <m:r>
+                          <m:t>2</m:t>
+                        </m:r>
+                      </m:sub>
+                    </m:sSub>
+                    <m:sSub>
+                      <m:e>
+                        <m:r>
+                          <m:t>A</m:t>
+                        </m:r>
+                      </m:e>
+                      <m:sub>
+                        <m:r>
+                          <m:t>3</m:t>
+                        </m:r>
+                      </m:sub>
+                    </m:sSub>
+                    <m:sSub>
+                      <m:e>
+                        <m:r>
+                          <m:t>A</m:t>
+                        </m:r>
+                      </m:e>
+                      <m:sub>
+                        <m:r>
+                          <m:t>4</m:t>
+                        </m:r>
+                      </m:sub>
+                    </m:sSub>
+                    <m:sSub>
+                      <m:e>
+                        <m:r>
+                          <m:t>A</m:t>
+                        </m:r>
+                      </m:e>
+                      <m:sub>
+                        <m:r>
+                          <m:t>5</m:t>
+                        </m:r>
+                      </m:sub>
+                    </m:sSub>
+                    <m:sSub>
+                      <m:e>
+                        <m:r>
+                          <m:t>A</m:t>
+                        </m:r>
+                      </m:e>
+                      <m:sub>
+                        <m:r>
+                          <m:t>6</m:t>
+                        </m:r>
+                      </m:sub>
+                    </m:sSub>
+                  </m:oMath>
+                </a14:m>
+              </a:p>
+              <a:p>
+                <a:pPr lvl="1"/>
+                <a14:m>
+                  <m:oMath xmlns:m="http://schemas.openxmlformats.org/officeDocument/2006/math">
+                    <m:sSub>
+                      <m:e>
+                        <m:r>
+                          <m:t>s</m:t>
+                        </m:r>
+                      </m:e>
+                      <m:sub>
+                        <m:r>
+                          <m:t>16</m:t>
+                        </m:r>
+                      </m:sub>
+                    </m:sSub>
+                    <m:r>
+                      <m:rPr>
+                        <m:sty m:val="p"/>
+                      </m:rPr>
+                      <m:t>=</m:t>
+                    </m:r>
+                    <m:r>
+                      <m:t>3</m:t>
+                    </m:r>
+                  </m:oMath>
+                </a14:m>
+              </a:p>
+            </p:txBody>
+          </p:sp>
+        </mc:Choice>
+      </mc:AlternateContent>
+      <p:pic>
+        <p:nvPicPr>
+          <p:cNvPr descr="fig:  assets/ce100-week-5-dp-table-acc-pattern-example-5.drawio.svg" id="0" name="Picture 1"/>
+          <p:cNvPicPr>
+            <a:picLocks noGrp="1" noChangeAspect="1"/>
+          </p:cNvPicPr>
+          <p:nvPr/>
+        </p:nvPicPr>
+        <p:blipFill>
+          <a:blip r:embed="rId2"/>
+          <a:stretch>
+            <a:fillRect/>
+          </a:stretch>
+        </p:blipFill>
+        <p:spPr bwMode="auto">
+          <a:xfrm>
+            <a:off x="3568700" y="381000"/>
+            <a:ext cx="5105400" cy="5105400"/>
+          </a:xfrm>
+          <a:prstGeom prst="rect">
+            <a:avLst/>
+          </a:prstGeom>
+          <a:noFill/>
+          <a:ln w="9525">
+            <a:noFill/>
+            <a:headEnd/>
+            <a:tailEnd/>
+          </a:ln>
+        </p:spPr>
+      </p:pic>
+      <p:sp>
+        <p:nvSpPr>
+          <p:cNvPr id="1" name="TextBox 3"/>
+          <p:cNvSpPr txBox="1"/>
+          <p:nvPr/>
+        </p:nvSpPr>
+        <p:spPr>
+          <a:xfrm>
+            <a:off x="3568700" y="5600700"/>
+            <a:ext cx="5105400" cy="508000"/>
+          </a:xfrm>
+          <a:prstGeom prst="rect">
+            <a:avLst/>
+          </a:prstGeom>
+          <a:noFill/>
+        </p:spPr>
+        <p:txBody>
+          <a:bodyPr/>
+          <a:lstStyle/>
+          <a:p>
+            <a:pPr lvl="0" indent="0" marL="0" algn="ctr">
+              <a:buNone/>
+            </a:pPr>
+            <a:r>
+              <a:rPr/>
+              <a:t>bg right:30% h:400px</a:t>
+            </a:r>
+          </a:p>
+        </p:txBody>
+      </p:sp>
+    </p:spTree>
+  </p:cSld>
+</p:sld>
+</file>
+
+<file path=ppt/slides/slide56.xml><?xml version="1.0" encoding="utf-8"?>
+<p:sld xmlns:a="http://schemas.openxmlformats.org/drawingml/2006/main" xmlns:r="http://schemas.openxmlformats.org/officeDocument/2006/relationships" xmlns:p="http://schemas.openxmlformats.org/presentationml/2006/main">
+  <p:cSld>
+    <p:spTree>
+      <p:nvGrpSpPr>
+        <p:cNvPr id="1" name=""/>
+        <p:cNvGrpSpPr/>
+        <p:nvPr/>
+      </p:nvGrpSpPr>
+      <p:grpSpPr>
+        <a:xfrm>
+          <a:off x="0" y="0"/>
+          <a:ext cx="0" cy="0"/>
+          <a:chOff x="0" y="0"/>
+          <a:chExt cx="0" cy="0"/>
+        </a:xfrm>
+      </p:grpSpPr>
+      <p:sp>
+        <p:nvSpPr>
+          <p:cNvPr id="2" name="Title 1"/>
+          <p:cNvSpPr>
+            <a:spLocks noGrp="1"/>
+          </p:cNvSpPr>
+          <p:nvPr>
+            <p:ph type="title"/>
+          </p:nvPr>
+        </p:nvSpPr>
+        <p:spPr>
+          <a:xfrm>
+            <a:off x="457200" y="273050"/>
+            <a:ext cx="3008313" cy="1162050"/>
+          </a:xfrm>
+        </p:spPr>
+        <p:txBody>
+          <a:bodyPr/>
+          <a:lstStyle/>
+          <a:p>
+            <a:pPr lvl="0" indent="0" marL="0">
+              <a:buNone/>
+            </a:pPr>
+            <a:r>
+              <a:rPr b="1"/>
+              <a:t>Example:</a:t>
+            </a:r>
+            <a:r>
+              <a:rPr/>
+              <a:t> Constructing an Optimal Solution</a:t>
+            </a:r>
+          </a:p>
+        </p:txBody>
+      </p:sp>
+      <mc:AlternateContent xmlns:mc="http://schemas.openxmlformats.org/markup-compatibility/2006">
+        <mc:Choice xmlns:a14="http://schemas.microsoft.com/office/drawing/2010/main" Requires="a14">
+          <p:sp>
+            <p:nvSpPr>
+              <p:cNvPr id="4" name="Text Placeholder 3"/>
+              <p:cNvSpPr>
+                <a:spLocks noGrp="1"/>
+              </p:cNvSpPr>
+              <p:nvPr>
+                <p:ph idx="2" sz="half" type="body"/>
+              </p:nvPr>
+            </p:nvSpPr>
+            <p:spPr/>
+            <p:txBody>
+              <a:bodyPr/>
+              <a:lstStyle/>
+              <a:p>
+                <a:pPr lvl="0"/>
+                <a:r>
+                  <a:rPr b="1"/>
+                  <a:t>Reminder:</a:t>
+                </a:r>
+                <a:r>
+                  <a:rPr/>
+                  <a:t> </a:t>
+                </a:r>
+                <a14:m>
+                  <m:oMath xmlns:m="http://schemas.openxmlformats.org/officeDocument/2006/math">
+                    <m:sSub>
+                      <m:e>
+                        <m:r>
+                          <m:t>s</m:t>
+                        </m:r>
+                      </m:e>
+                      <m:sub>
+                        <m:r>
+                          <m:t>i</m:t>
+                        </m:r>
+                        <m:r>
+                          <m:t>j</m:t>
+                        </m:r>
+                      </m:sub>
+                    </m:sSub>
+                  </m:oMath>
+                </a14:m>
+                <a:r>
+                  <a:rPr/>
+                  <a:t> is the optimal top-level split of </a:t>
+                </a:r>
+                <a14:m>
+                  <m:oMath xmlns:m="http://schemas.openxmlformats.org/officeDocument/2006/math">
+                    <m:sSub>
+                      <m:e>
+                        <m:r>
+                          <m:t>A</m:t>
+                        </m:r>
+                      </m:e>
+                      <m:sub>
+                        <m:r>
+                          <m:t>i</m:t>
+                        </m:r>
+                      </m:sub>
+                    </m:sSub>
+                    <m:r>
+                      <m:rPr>
+                        <m:sty m:val="p"/>
+                      </m:rPr>
+                      <m:t>…</m:t>
+                    </m:r>
+                    <m:sSub>
+                      <m:e>
+                        <m:r>
+                          <m:t>A</m:t>
+                        </m:r>
+                      </m:e>
+                      <m:sub>
+                        <m:r>
+                          <m:t>j</m:t>
+                        </m:r>
+                      </m:sub>
+                    </m:sSub>
+                  </m:oMath>
+                </a14:m>
+              </a:p>
+              <a:p>
+                <a:pPr lvl="0"/>
+                <a14:m>
+                  <m:oMath xmlns:m="http://schemas.openxmlformats.org/officeDocument/2006/math">
+                    <m:d>
+                      <m:dPr>
+                        <m:begChr m:val="("/>
+                        <m:endChr m:val=")"/>
+                        <m:sepChr m:val=""/>
+                        <m:grow/>
+                      </m:dPr>
+                      <m:e>
+                        <m:sSub>
+                          <m:e>
+                            <m:r>
+                              <m:t>A</m:t>
+                            </m:r>
+                          </m:e>
+                          <m:sub>
+                            <m:r>
+                              <m:t>1</m:t>
+                            </m:r>
+                          </m:sub>
+                        </m:sSub>
+                        <m:sSub>
+                          <m:e>
+                            <m:r>
+                              <m:t>A</m:t>
+                            </m:r>
+                          </m:e>
+                          <m:sub>
+                            <m:r>
+                              <m:t>2</m:t>
+                            </m:r>
+                          </m:sub>
+                        </m:sSub>
+                        <m:sSub>
+                          <m:e>
+                            <m:r>
+                              <m:t>A</m:t>
+                            </m:r>
+                          </m:e>
+                          <m:sub>
+                            <m:r>
+                              <m:t>3</m:t>
+                            </m:r>
+                          </m:sub>
+                        </m:sSub>
+                      </m:e>
+                    </m:d>
+                    <m:limUpp>
+                      <m:e>
+                        <m:groupChr>
+                          <m:groupChrPr>
+                            <m:chr m:val="⏞"/>
+                            <m:pos m:val="top"/>
+                            <m:vertJc m:val="bot"/>
+                          </m:groupChrPr>
+                          <m:e>
+                            <m:r>
+                              <m:rPr>
+                                <m:sty m:val="p"/>
+                              </m:rPr>
+                              <m:t>⋮</m:t>
+                            </m:r>
+                          </m:e>
+                        </m:groupChr>
+                      </m:e>
+                      <m:lim>
+                        <m:d>
+                          <m:dPr>
+                            <m:begChr m:val="("/>
+                            <m:endChr m:val=")"/>
+                            <m:sepChr m:val=""/>
+                            <m:grow/>
+                          </m:dPr>
+                          <m:e>
+                            <m:r>
+                              <m:t>k</m:t>
+                            </m:r>
+                            <m:r>
+                              <m:rPr>
+                                <m:sty m:val="p"/>
+                              </m:rPr>
+                              <m:t>=</m:t>
+                            </m:r>
+                            <m:r>
+                              <m:t>4</m:t>
+                            </m:r>
+                          </m:e>
+                        </m:d>
+                      </m:lim>
+                    </m:limUpp>
+                    <m:d>
+                      <m:dPr>
+                        <m:begChr m:val="("/>
+                        <m:endChr m:val=")"/>
+                        <m:sepChr m:val=""/>
+                        <m:grow/>
+                      </m:dPr>
+                      <m:e>
+                        <m:sSub>
+                          <m:e>
+                            <m:r>
+                              <m:t>A</m:t>
+                            </m:r>
+                          </m:e>
+                          <m:sub>
+                            <m:r>
+                              <m:t>4</m:t>
+                            </m:r>
+                          </m:sub>
+                        </m:sSub>
+                        <m:sSub>
+                          <m:e>
+                            <m:r>
+                              <m:t>A</m:t>
+                            </m:r>
+                          </m:e>
+                          <m:sub>
+                            <m:r>
+                              <m:t>5</m:t>
+                            </m:r>
+                          </m:sub>
+                        </m:sSub>
+                        <m:sSub>
+                          <m:e>
+                            <m:r>
+                              <m:t>A</m:t>
+                            </m:r>
+                          </m:e>
+                          <m:sub>
+                            <m:r>
+                              <m:t>6</m:t>
+                            </m:r>
+                          </m:sub>
+                        </m:sSub>
+                      </m:e>
+                    </m:d>
+                  </m:oMath>
+                </a14:m>
+              </a:p>
+              <a:p>
+                <a:pPr lvl="1"/>
+                <a:r>
+                  <a:rPr/>
+                  <a:t>What is the optimal split for </a:t>
+                </a:r>
+                <a14:m>
+                  <m:oMath xmlns:m="http://schemas.openxmlformats.org/officeDocument/2006/math">
+                    <m:sSub>
+                      <m:e>
+                        <m:r>
+                          <m:t>A</m:t>
+                        </m:r>
+                      </m:e>
+                      <m:sub>
+                        <m:r>
+                          <m:t>1</m:t>
+                        </m:r>
+                      </m:sub>
+                    </m:sSub>
+                    <m:r>
+                      <m:rPr>
+                        <m:sty m:val="p"/>
+                      </m:rPr>
+                      <m:t>…</m:t>
+                    </m:r>
+                    <m:sSub>
+                      <m:e>
+                        <m:r>
+                          <m:t>A</m:t>
+                        </m:r>
+                      </m:e>
+                      <m:sub>
+                        <m:r>
+                          <m:t>3</m:t>
+                        </m:r>
+                      </m:sub>
+                    </m:sSub>
+                  </m:oMath>
+                </a14:m>
+                <a:r>
+                  <a:rPr/>
+                  <a:t> ? ( </a:t>
+                </a:r>
+                <a14:m>
+                  <m:oMath xmlns:m="http://schemas.openxmlformats.org/officeDocument/2006/math">
+                    <m:sSub>
+                      <m:e>
+                        <m:r>
+                          <m:t>s</m:t>
+                        </m:r>
+                      </m:e>
+                      <m:sub>
+                        <m:r>
+                          <m:t>13</m:t>
+                        </m:r>
+                      </m:sub>
+                    </m:sSub>
+                    <m:r>
+                      <m:rPr>
+                        <m:sty m:val="p"/>
+                      </m:rPr>
+                      <m:t>=</m:t>
+                    </m:r>
+                    <m:r>
+                      <m:t>1</m:t>
+                    </m:r>
+                  </m:oMath>
+                </a14:m>
+                <a:r>
+                  <a:rPr/>
+                  <a:t> )</a:t>
+                </a:r>
+              </a:p>
+              <a:p>
+                <a:pPr lvl="1"/>
+                <a:r>
+                  <a:rPr/>
+                  <a:t>What is the optimal split for </a:t>
+                </a:r>
+                <a14:m>
+                  <m:oMath xmlns:m="http://schemas.openxmlformats.org/officeDocument/2006/math">
+                    <m:sSub>
+                      <m:e>
+                        <m:r>
+                          <m:t>A</m:t>
+                        </m:r>
+                      </m:e>
+                      <m:sub>
+                        <m:r>
+                          <m:t>4</m:t>
+                        </m:r>
+                      </m:sub>
+                    </m:sSub>
+                    <m:r>
+                      <m:rPr>
+                        <m:sty m:val="p"/>
+                      </m:rPr>
+                      <m:t>…</m:t>
+                    </m:r>
+                    <m:sSub>
+                      <m:e>
+                        <m:r>
+                          <m:t>A</m:t>
+                        </m:r>
+                      </m:e>
+                      <m:sub>
+                        <m:r>
+                          <m:t>6</m:t>
+                        </m:r>
+                      </m:sub>
+                    </m:sSub>
+                  </m:oMath>
+                </a14:m>
+                <a:r>
+                  <a:rPr/>
+                  <a:t> ? ( </a:t>
+                </a:r>
+                <a14:m>
+                  <m:oMath xmlns:m="http://schemas.openxmlformats.org/officeDocument/2006/math">
+                    <m:sSub>
+                      <m:e>
+                        <m:r>
+                          <m:t>s</m:t>
+                        </m:r>
+                      </m:e>
+                      <m:sub>
+                        <m:r>
+                          <m:t>46</m:t>
+                        </m:r>
+                      </m:sub>
+                    </m:sSub>
+                    <m:r>
+                      <m:rPr>
+                        <m:sty m:val="p"/>
+                      </m:rPr>
+                      <m:t>=</m:t>
+                    </m:r>
+                    <m:r>
+                      <m:t>5</m:t>
+                    </m:r>
+                  </m:oMath>
+                </a14:m>
+                <a:r>
+                  <a:rPr/>
+                  <a:t> )</a:t>
+                </a:r>
+              </a:p>
+            </p:txBody>
+          </p:sp>
+        </mc:Choice>
+      </mc:AlternateContent>
+      <p:pic>
+        <p:nvPicPr>
+          <p:cNvPr descr="fig:  assets/ce100-week-5-dp-table-acc-pattern-example-6.drawio.svg" id="0" name="Picture 1"/>
+          <p:cNvPicPr>
+            <a:picLocks noGrp="1" noChangeAspect="1"/>
+          </p:cNvPicPr>
+          <p:nvPr/>
+        </p:nvPicPr>
+        <p:blipFill>
+          <a:blip r:embed="rId2"/>
+          <a:stretch>
+            <a:fillRect/>
+          </a:stretch>
+        </p:blipFill>
+        <p:spPr bwMode="auto">
+          <a:xfrm>
+            <a:off x="3568700" y="381000"/>
+            <a:ext cx="5105400" cy="5105400"/>
+          </a:xfrm>
+          <a:prstGeom prst="rect">
+            <a:avLst/>
+          </a:prstGeom>
+          <a:noFill/>
+          <a:ln w="9525">
+            <a:noFill/>
+            <a:headEnd/>
+            <a:tailEnd/>
+          </a:ln>
+        </p:spPr>
+      </p:pic>
+      <p:sp>
+        <p:nvSpPr>
+          <p:cNvPr id="1" name="TextBox 3"/>
+          <p:cNvSpPr txBox="1"/>
+          <p:nvPr/>
+        </p:nvSpPr>
+        <p:spPr>
+          <a:xfrm>
+            <a:off x="3568700" y="5600700"/>
+            <a:ext cx="5105400" cy="508000"/>
+          </a:xfrm>
+          <a:prstGeom prst="rect">
+            <a:avLst/>
+          </a:prstGeom>
+          <a:noFill/>
+        </p:spPr>
+        <p:txBody>
+          <a:bodyPr/>
+          <a:lstStyle/>
+          <a:p>
+            <a:pPr lvl="0" indent="0" marL="0" algn="ctr">
+              <a:buNone/>
+            </a:pPr>
+            <a:r>
+              <a:rPr/>
+              <a:t>bg right:30% h:400px</a:t>
+            </a:r>
+          </a:p>
+        </p:txBody>
+      </p:sp>
+    </p:spTree>
+  </p:cSld>
+</p:sld>
+</file>
+
+<file path=ppt/slides/slide57.xml><?xml version="1.0" encoding="utf-8"?>
+<p:sld xmlns:a="http://schemas.openxmlformats.org/drawingml/2006/main" xmlns:r="http://schemas.openxmlformats.org/officeDocument/2006/relationships" xmlns:p="http://schemas.openxmlformats.org/presentationml/2006/main">
+  <p:cSld>
+    <p:spTree>
+      <p:nvGrpSpPr>
+        <p:cNvPr id="1" name=""/>
+        <p:cNvGrpSpPr/>
+        <p:nvPr/>
+      </p:nvGrpSpPr>
+      <p:grpSpPr>
+        <a:xfrm>
+          <a:off x="0" y="0"/>
+          <a:ext cx="0" cy="0"/>
+          <a:chOff x="0" y="0"/>
+          <a:chExt cx="0" cy="0"/>
+        </a:xfrm>
+      </p:grpSpPr>
+      <p:sp>
+        <p:nvSpPr>
+          <p:cNvPr id="2" name="Title 1"/>
+          <p:cNvSpPr>
+            <a:spLocks noGrp="1"/>
+          </p:cNvSpPr>
+          <p:nvPr>
+            <p:ph type="title"/>
+          </p:nvPr>
+        </p:nvSpPr>
+        <p:spPr>
+          <a:xfrm>
+            <a:off x="457200" y="273050"/>
+            <a:ext cx="3008313" cy="1162050"/>
+          </a:xfrm>
+        </p:spPr>
+        <p:txBody>
+          <a:bodyPr/>
+          <a:lstStyle/>
+          <a:p>
+            <a:pPr lvl="0" indent="0" marL="0">
+              <a:buNone/>
+            </a:pPr>
+            <a:r>
+              <a:rPr b="1"/>
+              <a:t>Example:</a:t>
+            </a:r>
+            <a:r>
+              <a:rPr/>
+              <a:t> Constructing an Optimal Solution</a:t>
+            </a:r>
+          </a:p>
+        </p:txBody>
+      </p:sp>
+      <mc:AlternateContent xmlns:mc="http://schemas.openxmlformats.org/markup-compatibility/2006">
+        <mc:Choice xmlns:a14="http://schemas.microsoft.com/office/drawing/2010/main" Requires="a14">
+          <p:sp>
+            <p:nvSpPr>
+              <p:cNvPr id="4" name="Text Placeholder 3"/>
+              <p:cNvSpPr>
+                <a:spLocks noGrp="1"/>
+              </p:cNvSpPr>
+              <p:nvPr>
+                <p:ph idx="2" sz="half" type="body"/>
+              </p:nvPr>
+            </p:nvSpPr>
+            <p:spPr/>
+            <p:txBody>
+              <a:bodyPr/>
+              <a:lstStyle/>
+              <a:p>
+                <a:pPr lvl="0"/>
+                <a:r>
+                  <a:rPr b="1"/>
+                  <a:t>Reminder:</a:t>
+                </a:r>
+                <a:r>
+                  <a:rPr/>
+                  <a:t> </a:t>
+                </a:r>
+                <a14:m>
+                  <m:oMath xmlns:m="http://schemas.openxmlformats.org/officeDocument/2006/math">
+                    <m:sSub>
+                      <m:e>
+                        <m:r>
+                          <m:t>s</m:t>
+                        </m:r>
+                      </m:e>
+                      <m:sub>
+                        <m:r>
+                          <m:t>i</m:t>
+                        </m:r>
+                        <m:r>
+                          <m:t>j</m:t>
+                        </m:r>
+                      </m:sub>
+                    </m:sSub>
+                  </m:oMath>
+                </a14:m>
+                <a:r>
+                  <a:rPr/>
+                  <a:t> is the optimal top-level split of </a:t>
+                </a:r>
+                <a14:m>
+                  <m:oMath xmlns:m="http://schemas.openxmlformats.org/officeDocument/2006/math">
+                    <m:sSub>
+                      <m:e>
+                        <m:r>
+                          <m:t>A</m:t>
+                        </m:r>
+                      </m:e>
+                      <m:sub>
+                        <m:r>
+                          <m:t>i</m:t>
+                        </m:r>
+                      </m:sub>
+                    </m:sSub>
+                    <m:r>
+                      <m:rPr>
+                        <m:sty m:val="p"/>
+                      </m:rPr>
+                      <m:t>…</m:t>
+                    </m:r>
+                    <m:sSub>
+                      <m:e>
+                        <m:r>
+                          <m:t>A</m:t>
+                        </m:r>
+                      </m:e>
+                      <m:sub>
+                        <m:r>
+                          <m:t>j</m:t>
+                        </m:r>
+                      </m:sub>
+                    </m:sSub>
+                  </m:oMath>
+                </a14:m>
+              </a:p>
+              <a:p>
+                <a:pPr lvl="0"/>
+                <a14:m>
+                  <m:oMath xmlns:m="http://schemas.openxmlformats.org/officeDocument/2006/math">
+                    <m:r>
+                      <m:rPr>
+                        <m:sty m:val="p"/>
+                      </m:rPr>
+                      <m:t>(</m:t>
+                    </m:r>
+                    <m:d>
+                      <m:dPr>
+                        <m:begChr m:val="("/>
+                        <m:endChr m:val=")"/>
+                        <m:sepChr m:val=""/>
+                        <m:grow/>
+                      </m:dPr>
+                      <m:e>
+                        <m:sSub>
+                          <m:e>
+                            <m:r>
+                              <m:t>A</m:t>
+                            </m:r>
+                          </m:e>
+                          <m:sub>
+                            <m:r>
+                              <m:t>1</m:t>
+                            </m:r>
+                          </m:sub>
+                        </m:sSub>
+                      </m:e>
+                    </m:d>
+                    <m:limUpp>
+                      <m:e>
+                        <m:groupChr>
+                          <m:groupChrPr>
+                            <m:chr m:val="⏞"/>
+                            <m:pos m:val="top"/>
+                            <m:vertJc m:val="bot"/>
+                          </m:groupChrPr>
+                          <m:e>
+                            <m:r>
+                              <m:rPr>
+                                <m:sty m:val="p"/>
+                              </m:rPr>
+                              <m:t>⋮</m:t>
+                            </m:r>
+                          </m:e>
+                        </m:groupChr>
+                      </m:e>
+                      <m:lim>
+                        <m:d>
+                          <m:dPr>
+                            <m:begChr m:val="("/>
+                            <m:endChr m:val=")"/>
+                            <m:sepChr m:val=""/>
+                            <m:grow/>
+                          </m:dPr>
+                          <m:e>
+                            <m:r>
+                              <m:t>k</m:t>
+                            </m:r>
+                            <m:r>
+                              <m:rPr>
+                                <m:sty m:val="p"/>
+                              </m:rPr>
+                              <m:t>=</m:t>
+                            </m:r>
+                            <m:r>
+                              <m:t>1</m:t>
+                            </m:r>
+                          </m:e>
+                        </m:d>
+                      </m:lim>
+                    </m:limUpp>
+                    <m:d>
+                      <m:dPr>
+                        <m:begChr m:val="("/>
+                        <m:endChr m:val=")"/>
+                        <m:sepChr m:val=""/>
+                        <m:grow/>
+                      </m:dPr>
+                      <m:e>
+                        <m:sSub>
+                          <m:e>
+                            <m:r>
+                              <m:t>A</m:t>
+                            </m:r>
+                          </m:e>
+                          <m:sub>
+                            <m:r>
+                              <m:t>2</m:t>
+                            </m:r>
+                          </m:sub>
+                        </m:sSub>
+                        <m:sSub>
+                          <m:e>
+                            <m:r>
+                              <m:t>A</m:t>
+                            </m:r>
+                          </m:e>
+                          <m:sub>
+                            <m:r>
+                              <m:t>3</m:t>
+                            </m:r>
+                          </m:sub>
+                        </m:sSub>
+                      </m:e>
+                    </m:d>
+                    <m:r>
+                      <m:rPr>
+                        <m:sty m:val="p"/>
+                      </m:rPr>
+                      <m:t>)</m:t>
+                    </m:r>
+                    <m:r>
+                      <m:rPr>
+                        <m:sty m:val="p"/>
+                      </m:rPr>
+                      <m:t>(</m:t>
+                    </m:r>
+                    <m:d>
+                      <m:dPr>
+                        <m:begChr m:val="("/>
+                        <m:endChr m:val=")"/>
+                        <m:sepChr m:val=""/>
+                        <m:grow/>
+                      </m:dPr>
+                      <m:e>
+                        <m:sSub>
+                          <m:e>
+                            <m:r>
+                              <m:t>A</m:t>
+                            </m:r>
+                          </m:e>
+                          <m:sub>
+                            <m:r>
+                              <m:t>4</m:t>
+                            </m:r>
+                          </m:sub>
+                        </m:sSub>
+                        <m:sSub>
+                          <m:e>
+                            <m:r>
+                              <m:t>A</m:t>
+                            </m:r>
+                          </m:e>
+                          <m:sub>
+                            <m:r>
+                              <m:t>5</m:t>
+                            </m:r>
+                          </m:sub>
+                        </m:sSub>
+                      </m:e>
+                    </m:d>
+                    <m:limUpp>
+                      <m:e>
+                        <m:groupChr>
+                          <m:groupChrPr>
+                            <m:chr m:val="⏞"/>
+                            <m:pos m:val="top"/>
+                            <m:vertJc m:val="bot"/>
+                          </m:groupChrPr>
+                          <m:e>
+                            <m:r>
+                              <m:rPr>
+                                <m:sty m:val="p"/>
+                              </m:rPr>
+                              <m:t>⋮</m:t>
+                            </m:r>
+                          </m:e>
+                        </m:groupChr>
+                      </m:e>
+                      <m:lim>
+                        <m:d>
+                          <m:dPr>
+                            <m:begChr m:val="("/>
+                            <m:endChr m:val=")"/>
+                            <m:sepChr m:val=""/>
+                            <m:grow/>
+                          </m:dPr>
+                          <m:e>
+                            <m:r>
+                              <m:t>k</m:t>
+                            </m:r>
+                            <m:r>
+                              <m:rPr>
+                                <m:sty m:val="p"/>
+                              </m:rPr>
+                              <m:t>=</m:t>
+                            </m:r>
+                            <m:r>
+                              <m:t>5</m:t>
+                            </m:r>
+                          </m:e>
+                        </m:d>
+                      </m:lim>
+                    </m:limUpp>
+                    <m:d>
+                      <m:dPr>
+                        <m:begChr m:val="("/>
+                        <m:endChr m:val=")"/>
+                        <m:sepChr m:val=""/>
+                        <m:grow/>
+                      </m:dPr>
+                      <m:e>
+                        <m:sSub>
+                          <m:e>
+                            <m:r>
+                              <m:t>A</m:t>
+                            </m:r>
+                          </m:e>
+                          <m:sub>
+                            <m:r>
+                              <m:t>6</m:t>
+                            </m:r>
+                          </m:sub>
+                        </m:sSub>
+                      </m:e>
+                    </m:d>
+                    <m:r>
+                      <m:rPr>
+                        <m:sty m:val="p"/>
+                      </m:rPr>
+                      <m:t>)</m:t>
+                    </m:r>
+                  </m:oMath>
+                </a14:m>
+              </a:p>
+              <a:p>
+                <a:pPr lvl="1"/>
+                <a:r>
+                  <a:rPr/>
+                  <a:t>What is the optimal split for </a:t>
+                </a:r>
+                <a14:m>
+                  <m:oMath xmlns:m="http://schemas.openxmlformats.org/officeDocument/2006/math">
+                    <m:sSub>
+                      <m:e>
+                        <m:r>
+                          <m:t>A</m:t>
+                        </m:r>
+                      </m:e>
+                      <m:sub>
+                        <m:r>
+                          <m:t>1</m:t>
+                        </m:r>
+                      </m:sub>
+                    </m:sSub>
+                    <m:r>
+                      <m:rPr>
+                        <m:sty m:val="p"/>
+                      </m:rPr>
+                      <m:t>…</m:t>
+                    </m:r>
+                    <m:sSub>
+                      <m:e>
+                        <m:r>
+                          <m:t>A</m:t>
+                        </m:r>
+                      </m:e>
+                      <m:sub>
+                        <m:r>
+                          <m:t>3</m:t>
+                        </m:r>
+                      </m:sub>
+                    </m:sSub>
+                  </m:oMath>
+                </a14:m>
+                <a:r>
+                  <a:rPr/>
+                  <a:t> ? ( </a:t>
+                </a:r>
+                <a14:m>
+                  <m:oMath xmlns:m="http://schemas.openxmlformats.org/officeDocument/2006/math">
+                    <m:sSub>
+                      <m:e>
+                        <m:r>
+                          <m:t>s</m:t>
+                        </m:r>
+                      </m:e>
+                      <m:sub>
+                        <m:r>
+                          <m:t>13</m:t>
+                        </m:r>
+                      </m:sub>
+                    </m:sSub>
+                    <m:r>
+                      <m:rPr>
+                        <m:sty m:val="p"/>
+                      </m:rPr>
+                      <m:t>=</m:t>
+                    </m:r>
+                    <m:r>
+                      <m:t>1</m:t>
+                    </m:r>
+                  </m:oMath>
+                </a14:m>
+                <a:r>
+                  <a:rPr/>
+                  <a:t> )</a:t>
+                </a:r>
+              </a:p>
+              <a:p>
+                <a:pPr lvl="1"/>
+                <a:r>
+                  <a:rPr/>
+                  <a:t>What is the optimal split for </a:t>
+                </a:r>
+                <a14:m>
+                  <m:oMath xmlns:m="http://schemas.openxmlformats.org/officeDocument/2006/math">
+                    <m:sSub>
+                      <m:e>
+                        <m:r>
+                          <m:t>A</m:t>
+                        </m:r>
+                      </m:e>
+                      <m:sub>
+                        <m:r>
+                          <m:t>4</m:t>
+                        </m:r>
+                      </m:sub>
+                    </m:sSub>
+                    <m:r>
+                      <m:rPr>
+                        <m:sty m:val="p"/>
+                      </m:rPr>
+                      <m:t>…</m:t>
+                    </m:r>
+                    <m:sSub>
+                      <m:e>
+                        <m:r>
+                          <m:t>A</m:t>
+                        </m:r>
+                      </m:e>
+                      <m:sub>
+                        <m:r>
+                          <m:t>6</m:t>
+                        </m:r>
+                      </m:sub>
+                    </m:sSub>
+                  </m:oMath>
+                </a14:m>
+                <a:r>
+                  <a:rPr/>
+                  <a:t> ? ( </a:t>
+                </a:r>
+                <a14:m>
+                  <m:oMath xmlns:m="http://schemas.openxmlformats.org/officeDocument/2006/math">
+                    <m:sSub>
+                      <m:e>
+                        <m:r>
+                          <m:t>s</m:t>
+                        </m:r>
+                      </m:e>
+                      <m:sub>
+                        <m:r>
+                          <m:t>46</m:t>
+                        </m:r>
+                      </m:sub>
+                    </m:sSub>
+                    <m:r>
+                      <m:rPr>
+                        <m:sty m:val="p"/>
+                      </m:rPr>
+                      <m:t>=</m:t>
+                    </m:r>
+                    <m:r>
+                      <m:t>5</m:t>
+                    </m:r>
+                  </m:oMath>
+                </a14:m>
+                <a:r>
+                  <a:rPr/>
+                  <a:t> )</a:t>
+                </a:r>
+              </a:p>
+            </p:txBody>
+          </p:sp>
+        </mc:Choice>
+      </mc:AlternateContent>
+      <p:pic>
+        <p:nvPicPr>
+          <p:cNvPr descr="fig:  assets/ce100-week-5-dp-table-acc-pattern-example-7.drawio.svg" id="0" name="Picture 1"/>
+          <p:cNvPicPr>
+            <a:picLocks noGrp="1" noChangeAspect="1"/>
+          </p:cNvPicPr>
+          <p:nvPr/>
+        </p:nvPicPr>
+        <p:blipFill>
+          <a:blip r:embed="rId2"/>
+          <a:stretch>
+            <a:fillRect/>
+          </a:stretch>
+        </p:blipFill>
+        <p:spPr bwMode="auto">
+          <a:xfrm>
+            <a:off x="3568700" y="381000"/>
+            <a:ext cx="5105400" cy="5105400"/>
+          </a:xfrm>
+          <a:prstGeom prst="rect">
+            <a:avLst/>
+          </a:prstGeom>
+          <a:noFill/>
+          <a:ln w="9525">
+            <a:noFill/>
+            <a:headEnd/>
+            <a:tailEnd/>
+          </a:ln>
+        </p:spPr>
+      </p:pic>
+      <p:sp>
+        <p:nvSpPr>
+          <p:cNvPr id="1" name="TextBox 3"/>
+          <p:cNvSpPr txBox="1"/>
+          <p:nvPr/>
+        </p:nvSpPr>
+        <p:spPr>
+          <a:xfrm>
+            <a:off x="3568700" y="5600700"/>
+            <a:ext cx="5105400" cy="508000"/>
+          </a:xfrm>
+          <a:prstGeom prst="rect">
+            <a:avLst/>
+          </a:prstGeom>
+          <a:noFill/>
+        </p:spPr>
+        <p:txBody>
+          <a:bodyPr/>
+          <a:lstStyle/>
+          <a:p>
+            <a:pPr lvl="0" indent="0" marL="0" algn="ctr">
+              <a:buNone/>
+            </a:pPr>
+            <a:r>
+              <a:rPr/>
+              <a:t>bg right:30% h:400px</a:t>
+            </a:r>
+          </a:p>
+        </p:txBody>
+      </p:sp>
+    </p:spTree>
+  </p:cSld>
+</p:sld>
+</file>
+
+<file path=ppt/slides/slide58.xml><?xml version="1.0" encoding="utf-8"?>
+<p:sld xmlns:a="http://schemas.openxmlformats.org/drawingml/2006/main" xmlns:r="http://schemas.openxmlformats.org/officeDocument/2006/relationships" xmlns:p="http://schemas.openxmlformats.org/presentationml/2006/main">
+  <p:cSld>
+    <p:spTree>
+      <p:nvGrpSpPr>
+        <p:cNvPr id="1" name=""/>
+        <p:cNvGrpSpPr/>
+        <p:nvPr/>
+      </p:nvGrpSpPr>
+      <p:grpSpPr>
+        <a:xfrm>
+          <a:off x="0" y="0"/>
+          <a:ext cx="0" cy="0"/>
+          <a:chOff x="0" y="0"/>
+          <a:chExt cx="0" cy="0"/>
+        </a:xfrm>
+      </p:grpSpPr>
+      <p:sp>
+        <p:nvSpPr>
+          <p:cNvPr id="2" name="Title 1"/>
+          <p:cNvSpPr>
+            <a:spLocks noGrp="1"/>
+          </p:cNvSpPr>
+          <p:nvPr>
+            <p:ph type="title"/>
+          </p:nvPr>
+        </p:nvSpPr>
+        <p:spPr>
+          <a:xfrm>
+            <a:off x="457200" y="273050"/>
+            <a:ext cx="3008313" cy="1162050"/>
+          </a:xfrm>
+        </p:spPr>
+        <p:txBody>
+          <a:bodyPr/>
+          <a:lstStyle/>
+          <a:p>
+            <a:pPr lvl="0" indent="0" marL="0">
+              <a:buNone/>
+            </a:pPr>
+            <a:r>
+              <a:rPr b="1"/>
+              <a:t>Example:</a:t>
+            </a:r>
+            <a:r>
+              <a:rPr/>
+              <a:t> Constructing an Optimal Solution</a:t>
+            </a:r>
+          </a:p>
+        </p:txBody>
+      </p:sp>
+      <mc:AlternateContent xmlns:mc="http://schemas.openxmlformats.org/markup-compatibility/2006">
+        <mc:Choice xmlns:a14="http://schemas.microsoft.com/office/drawing/2010/main" Requires="a14">
+          <p:sp>
+            <p:nvSpPr>
+              <p:cNvPr id="4" name="Text Placeholder 3"/>
+              <p:cNvSpPr>
+                <a:spLocks noGrp="1"/>
+              </p:cNvSpPr>
+              <p:nvPr>
+                <p:ph idx="2" sz="half" type="body"/>
+              </p:nvPr>
+            </p:nvSpPr>
+            <p:spPr/>
+            <p:txBody>
+              <a:bodyPr/>
+              <a:lstStyle/>
+              <a:p>
+                <a:pPr lvl="0"/>
+                <a:r>
+                  <a:rPr b="1"/>
+                  <a:t>Reminder:</a:t>
+                </a:r>
+                <a:r>
+                  <a:rPr/>
+                  <a:t> </a:t>
+                </a:r>
+                <a14:m>
+                  <m:oMath xmlns:m="http://schemas.openxmlformats.org/officeDocument/2006/math">
+                    <m:sSub>
+                      <m:e>
+                        <m:r>
+                          <m:t>s</m:t>
+                        </m:r>
+                      </m:e>
+                      <m:sub>
+                        <m:r>
+                          <m:t>i</m:t>
+                        </m:r>
+                        <m:r>
+                          <m:t>j</m:t>
+                        </m:r>
+                      </m:sub>
+                    </m:sSub>
+                  </m:oMath>
+                </a14:m>
+                <a:r>
+                  <a:rPr/>
+                  <a:t> is the optimal top-level split of </a:t>
+                </a:r>
+                <a14:m>
+                  <m:oMath xmlns:m="http://schemas.openxmlformats.org/officeDocument/2006/math">
+                    <m:sSub>
+                      <m:e>
+                        <m:r>
+                          <m:t>A</m:t>
+                        </m:r>
+                      </m:e>
+                      <m:sub>
+                        <m:r>
+                          <m:t>i</m:t>
+                        </m:r>
+                      </m:sub>
+                    </m:sSub>
+                    <m:r>
+                      <m:rPr>
+                        <m:sty m:val="p"/>
+                      </m:rPr>
+                      <m:t>…</m:t>
+                    </m:r>
+                    <m:sSub>
+                      <m:e>
+                        <m:r>
+                          <m:t>A</m:t>
+                        </m:r>
+                      </m:e>
+                      <m:sub>
+                        <m:r>
+                          <m:t>j</m:t>
+                        </m:r>
+                      </m:sub>
+                    </m:sSub>
+                  </m:oMath>
+                </a14:m>
+              </a:p>
+              <a:p>
+                <a:pPr lvl="0"/>
+                <a14:m>
+                  <m:oMath xmlns:m="http://schemas.openxmlformats.org/officeDocument/2006/math">
+                    <m:r>
+                      <m:rPr>
+                        <m:sty m:val="p"/>
+                      </m:rPr>
+                      <m:t>(</m:t>
+                    </m:r>
+                    <m:d>
+                      <m:dPr>
+                        <m:begChr m:val="("/>
+                        <m:endChr m:val=")"/>
+                        <m:sepChr m:val=""/>
+                        <m:grow/>
+                      </m:dPr>
+                      <m:e>
+                        <m:sSub>
+                          <m:e>
+                            <m:r>
+                              <m:t>A</m:t>
+                            </m:r>
+                          </m:e>
+                          <m:sub>
+                            <m:r>
+                              <m:t>1</m:t>
+                            </m:r>
+                          </m:sub>
+                        </m:sSub>
+                      </m:e>
+                    </m:d>
+                    <m:d>
+                      <m:dPr>
+                        <m:begChr m:val="("/>
+                        <m:endChr m:val=")"/>
+                        <m:sepChr m:val=""/>
+                        <m:grow/>
+                      </m:dPr>
+                      <m:e>
+                        <m:sSub>
+                          <m:e>
+                            <m:r>
+                              <m:t>A</m:t>
+                            </m:r>
+                          </m:e>
+                          <m:sub>
+                            <m:r>
+                              <m:t>2</m:t>
+                            </m:r>
+                          </m:sub>
+                        </m:sSub>
+                        <m:sSub>
+                          <m:e>
+                            <m:r>
+                              <m:t>A</m:t>
+                            </m:r>
+                          </m:e>
+                          <m:sub>
+                            <m:r>
+                              <m:t>3</m:t>
+                            </m:r>
+                          </m:sub>
+                        </m:sSub>
+                      </m:e>
+                    </m:d>
+                    <m:r>
+                      <m:rPr>
+                        <m:sty m:val="p"/>
+                      </m:rPr>
+                      <m:t>)</m:t>
+                    </m:r>
+                    <m:r>
+                      <m:rPr>
+                        <m:sty m:val="p"/>
+                      </m:rPr>
+                      <m:t>(</m:t>
+                    </m:r>
+                    <m:d>
+                      <m:dPr>
+                        <m:begChr m:val="("/>
+                        <m:endChr m:val=")"/>
+                        <m:sepChr m:val=""/>
+                        <m:grow/>
+                      </m:dPr>
+                      <m:e>
+                        <m:sSub>
+                          <m:e>
+                            <m:r>
+                              <m:t>A</m:t>
+                            </m:r>
+                          </m:e>
+                          <m:sub>
+                            <m:r>
+                              <m:t>4</m:t>
+                            </m:r>
+                          </m:sub>
+                        </m:sSub>
+                        <m:sSub>
+                          <m:e>
+                            <m:r>
+                              <m:t>A</m:t>
+                            </m:r>
+                          </m:e>
+                          <m:sub>
+                            <m:r>
+                              <m:t>5</m:t>
+                            </m:r>
+                          </m:sub>
+                        </m:sSub>
+                      </m:e>
+                    </m:d>
+                    <m:d>
+                      <m:dPr>
+                        <m:begChr m:val="("/>
+                        <m:endChr m:val=")"/>
+                        <m:sepChr m:val=""/>
+                        <m:grow/>
+                      </m:dPr>
+                      <m:e>
+                        <m:sSub>
+                          <m:e>
+                            <m:r>
+                              <m:t>A</m:t>
+                            </m:r>
+                          </m:e>
+                          <m:sub>
+                            <m:r>
+                              <m:t>6</m:t>
+                            </m:r>
+                          </m:sub>
+                        </m:sSub>
+                      </m:e>
+                    </m:d>
+                    <m:r>
+                      <m:rPr>
+                        <m:sty m:val="p"/>
+                      </m:rPr>
+                      <m:t>)</m:t>
+                    </m:r>
+                  </m:oMath>
+                </a14:m>
+              </a:p>
+              <a:p>
+                <a:pPr lvl="1"/>
+                <a:r>
+                  <a:rPr/>
+                  <a:t>What is the optimal split for </a:t>
+                </a:r>
+                <a14:m>
+                  <m:oMath xmlns:m="http://schemas.openxmlformats.org/officeDocument/2006/math">
+                    <m:sSub>
+                      <m:e>
+                        <m:r>
+                          <m:t>A</m:t>
+                        </m:r>
+                      </m:e>
+                      <m:sub>
+                        <m:r>
+                          <m:t>2</m:t>
+                        </m:r>
+                      </m:sub>
+                    </m:sSub>
+                    <m:sSub>
+                      <m:e>
+                        <m:r>
+                          <m:t>A</m:t>
+                        </m:r>
+                      </m:e>
+                      <m:sub>
+                        <m:r>
+                          <m:t>3</m:t>
+                        </m:r>
+                      </m:sub>
+                    </m:sSub>
+                  </m:oMath>
+                </a14:m>
+                <a:r>
+                  <a:rPr/>
+                  <a:t> ? ( </a:t>
+                </a:r>
+                <a14:m>
+                  <m:oMath xmlns:m="http://schemas.openxmlformats.org/officeDocument/2006/math">
+                    <m:sSub>
+                      <m:e>
+                        <m:r>
+                          <m:t>s</m:t>
+                        </m:r>
+                      </m:e>
+                      <m:sub>
+                        <m:r>
+                          <m:t>23</m:t>
+                        </m:r>
+                      </m:sub>
+                    </m:sSub>
+                    <m:r>
+                      <m:rPr>
+                        <m:sty m:val="p"/>
+                      </m:rPr>
+                      <m:t>=</m:t>
+                    </m:r>
+                    <m:r>
+                      <m:t>2</m:t>
+                    </m:r>
+                  </m:oMath>
+                </a14:m>
+                <a:r>
+                  <a:rPr/>
+                  <a:t> )</a:t>
+                </a:r>
+              </a:p>
+              <a:p>
+                <a:pPr lvl="1"/>
+                <a:r>
+                  <a:rPr/>
+                  <a:t>What is the optimal split for </a:t>
+                </a:r>
+                <a14:m>
+                  <m:oMath xmlns:m="http://schemas.openxmlformats.org/officeDocument/2006/math">
+                    <m:sSub>
+                      <m:e>
+                        <m:r>
+                          <m:t>A</m:t>
+                        </m:r>
+                      </m:e>
+                      <m:sub>
+                        <m:r>
+                          <m:t>4</m:t>
+                        </m:r>
+                      </m:sub>
+                    </m:sSub>
+                    <m:sSub>
+                      <m:e>
+                        <m:r>
+                          <m:t>A</m:t>
+                        </m:r>
+                      </m:e>
+                      <m:sub>
+                        <m:r>
+                          <m:t>5</m:t>
+                        </m:r>
+                      </m:sub>
+                    </m:sSub>
+                  </m:oMath>
+                </a14:m>
+                <a:r>
+                  <a:rPr/>
+                  <a:t> ? ( </a:t>
+                </a:r>
+                <a14:m>
+                  <m:oMath xmlns:m="http://schemas.openxmlformats.org/officeDocument/2006/math">
+                    <m:sSub>
+                      <m:e>
+                        <m:r>
+                          <m:t>s</m:t>
+                        </m:r>
+                      </m:e>
+                      <m:sub>
+                        <m:r>
+                          <m:t>45</m:t>
+                        </m:r>
+                      </m:sub>
+                    </m:sSub>
+                    <m:r>
+                      <m:rPr>
+                        <m:sty m:val="p"/>
+                      </m:rPr>
+                      <m:t>=</m:t>
+                    </m:r>
+                    <m:r>
+                      <m:t>4</m:t>
+                    </m:r>
+                  </m:oMath>
+                </a14:m>
+                <a:r>
+                  <a:rPr/>
+                  <a:t> )</a:t>
+                </a:r>
+              </a:p>
+            </p:txBody>
+          </p:sp>
+        </mc:Choice>
+      </mc:AlternateContent>
+      <p:pic>
+        <p:nvPicPr>
+          <p:cNvPr descr="fig:  assets/ce100-week-5-dp-table-acc-pattern-example-8.drawio.svg" id="0" name="Picture 1"/>
+          <p:cNvPicPr>
+            <a:picLocks noGrp="1" noChangeAspect="1"/>
+          </p:cNvPicPr>
+          <p:nvPr/>
+        </p:nvPicPr>
+        <p:blipFill>
+          <a:blip r:embed="rId2"/>
+          <a:stretch>
+            <a:fillRect/>
+          </a:stretch>
+        </p:blipFill>
+        <p:spPr bwMode="auto">
+          <a:xfrm>
+            <a:off x="3568700" y="381000"/>
+            <a:ext cx="5105400" cy="5105400"/>
+          </a:xfrm>
+          <a:prstGeom prst="rect">
+            <a:avLst/>
+          </a:prstGeom>
+          <a:noFill/>
+          <a:ln w="9525">
+            <a:noFill/>
+            <a:headEnd/>
+            <a:tailEnd/>
+          </a:ln>
+        </p:spPr>
+      </p:pic>
+      <p:sp>
+        <p:nvSpPr>
+          <p:cNvPr id="1" name="TextBox 3"/>
+          <p:cNvSpPr txBox="1"/>
+          <p:nvPr/>
+        </p:nvSpPr>
+        <p:spPr>
+          <a:xfrm>
+            <a:off x="3568700" y="5600700"/>
+            <a:ext cx="5105400" cy="508000"/>
+          </a:xfrm>
+          <a:prstGeom prst="rect">
+            <a:avLst/>
+          </a:prstGeom>
+          <a:noFill/>
+        </p:spPr>
+        <p:txBody>
+          <a:bodyPr/>
+          <a:lstStyle/>
+          <a:p>
+            <a:pPr lvl="0" indent="0" marL="0" algn="ctr">
+              <a:buNone/>
+            </a:pPr>
+            <a:r>
+              <a:rPr/>
+              <a:t>bg right:30% h:400px</a:t>
+            </a:r>
+          </a:p>
+        </p:txBody>
+      </p:sp>
+    </p:spTree>
+  </p:cSld>
+</p:sld>
+</file>
+
+<file path=ppt/slides/slide59.xml><?xml version="1.0" encoding="utf-8"?>
+<p:sld xmlns:a="http://schemas.openxmlformats.org/drawingml/2006/main" xmlns:r="http://schemas.openxmlformats.org/officeDocument/2006/relationships" xmlns:p="http://schemas.openxmlformats.org/presentationml/2006/main">
+  <p:cSld>
+    <p:spTree>
+      <p:nvGrpSpPr>
+        <p:cNvPr id="1" name=""/>
+        <p:cNvGrpSpPr/>
+        <p:nvPr/>
+      </p:nvGrpSpPr>
+      <p:grpSpPr>
+        <a:xfrm>
+          <a:off x="0" y="0"/>
+          <a:ext cx="0" cy="0"/>
+          <a:chOff x="0" y="0"/>
+          <a:chExt cx="0" cy="0"/>
+        </a:xfrm>
+      </p:grpSpPr>
+      <p:sp>
+        <p:nvSpPr>
+          <p:cNvPr id="2" name="Title 1"/>
+          <p:cNvSpPr>
+            <a:spLocks noGrp="1"/>
+          </p:cNvSpPr>
+          <p:nvPr>
+            <p:ph type="title"/>
+          </p:nvPr>
+        </p:nvSpPr>
+        <p:spPr>
+          <a:xfrm>
+            <a:off x="457200" y="273050"/>
+            <a:ext cx="3008313" cy="1162050"/>
+          </a:xfrm>
+        </p:spPr>
+        <p:txBody>
+          <a:bodyPr/>
+          <a:lstStyle/>
+          <a:p>
+            <a:pPr lvl="0" indent="0" marL="0">
+              <a:buNone/>
+            </a:pPr>
+            <a:r>
+              <a:rPr b="1"/>
+              <a:t>Example:</a:t>
+            </a:r>
+            <a:r>
+              <a:rPr/>
+              <a:t> Constructing an Optimal Solution</a:t>
+            </a:r>
+          </a:p>
+        </p:txBody>
+      </p:sp>
+      <mc:AlternateContent xmlns:mc="http://schemas.openxmlformats.org/markup-compatibility/2006">
+        <mc:Choice xmlns:a14="http://schemas.microsoft.com/office/drawing/2010/main" Requires="a14">
+          <p:sp>
+            <p:nvSpPr>
+              <p:cNvPr id="4" name="Text Placeholder 3"/>
+              <p:cNvSpPr>
+                <a:spLocks noGrp="1"/>
+              </p:cNvSpPr>
+              <p:nvPr>
+                <p:ph idx="2" sz="half" type="body"/>
+              </p:nvPr>
+            </p:nvSpPr>
+            <p:spPr/>
+            <p:txBody>
+              <a:bodyPr/>
+              <a:lstStyle/>
+              <a:p>
+                <a:pPr lvl="0"/>
+                <a:r>
+                  <a:rPr b="1"/>
+                  <a:t>Reminder:</a:t>
+                </a:r>
+                <a:r>
+                  <a:rPr/>
+                  <a:t> </a:t>
+                </a:r>
+                <a14:m>
+                  <m:oMath xmlns:m="http://schemas.openxmlformats.org/officeDocument/2006/math">
+                    <m:sSub>
+                      <m:e>
+                        <m:r>
+                          <m:t>s</m:t>
+                        </m:r>
+                      </m:e>
+                      <m:sub>
+                        <m:r>
+                          <m:t>i</m:t>
+                        </m:r>
+                        <m:r>
+                          <m:t>j</m:t>
+                        </m:r>
+                      </m:sub>
+                    </m:sSub>
+                  </m:oMath>
+                </a14:m>
+                <a:r>
+                  <a:rPr/>
+                  <a:t> is the optimal top-level split of </a:t>
+                </a:r>
+                <a14:m>
+                  <m:oMath xmlns:m="http://schemas.openxmlformats.org/officeDocument/2006/math">
+                    <m:sSub>
+                      <m:e>
+                        <m:r>
+                          <m:t>A</m:t>
+                        </m:r>
+                      </m:e>
+                      <m:sub>
+                        <m:r>
+                          <m:t>i</m:t>
+                        </m:r>
+                      </m:sub>
+                    </m:sSub>
+                    <m:r>
+                      <m:rPr>
+                        <m:sty m:val="p"/>
+                      </m:rPr>
+                      <m:t>…</m:t>
+                    </m:r>
+                    <m:sSub>
+                      <m:e>
+                        <m:r>
+                          <m:t>A</m:t>
+                        </m:r>
+                      </m:e>
+                      <m:sub>
+                        <m:r>
+                          <m:t>j</m:t>
+                        </m:r>
+                      </m:sub>
+                    </m:sSub>
+                  </m:oMath>
+                </a14:m>
+              </a:p>
+              <a:p>
+                <a:pPr lvl="0"/>
+                <a14:m>
+                  <m:oMath xmlns:m="http://schemas.openxmlformats.org/officeDocument/2006/math">
+                    <m:r>
+                      <m:rPr>
+                        <m:sty m:val="p"/>
+                      </m:rPr>
+                      <m:t>(</m:t>
+                    </m:r>
+                    <m:r>
+                      <m:rPr>
+                        <m:sty m:val="p"/>
+                      </m:rPr>
+                      <m:t>(</m:t>
+                    </m:r>
+                    <m:sSub>
+                      <m:e>
+                        <m:r>
+                          <m:t>A</m:t>
+                        </m:r>
+                      </m:e>
+                      <m:sub>
+                        <m:r>
+                          <m:t>1</m:t>
+                        </m:r>
+                      </m:sub>
+                    </m:sSub>
+                    <m:r>
+                      <m:rPr>
+                        <m:sty m:val="p"/>
+                      </m:rPr>
+                      <m:t>)</m:t>
+                    </m:r>
+                    <m:r>
+                      <m:rPr>
+                        <m:sty m:val="p"/>
+                      </m:rPr>
+                      <m:t>(</m:t>
+                    </m:r>
+                    <m:d>
+                      <m:dPr>
+                        <m:begChr m:val="("/>
+                        <m:endChr m:val=")"/>
+                        <m:sepChr m:val=""/>
+                        <m:grow/>
+                      </m:dPr>
+                      <m:e>
+                        <m:sSub>
+                          <m:e>
+                            <m:r>
+                              <m:t>A</m:t>
+                            </m:r>
+                          </m:e>
+                          <m:sub>
+                            <m:r>
+                              <m:t>2</m:t>
+                            </m:r>
+                          </m:sub>
+                        </m:sSub>
+                      </m:e>
+                    </m:d>
+                    <m:limUpp>
+                      <m:e>
+                        <m:groupChr>
+                          <m:groupChrPr>
+                            <m:chr m:val="⏞"/>
+                            <m:pos m:val="top"/>
+                            <m:vertJc m:val="bot"/>
+                          </m:groupChrPr>
+                          <m:e>
+                            <m:r>
+                              <m:rPr>
+                                <m:sty m:val="p"/>
+                              </m:rPr>
+                              <m:t>⋮</m:t>
+                            </m:r>
+                          </m:e>
+                        </m:groupChr>
+                      </m:e>
+                      <m:lim>
+                        <m:d>
+                          <m:dPr>
+                            <m:begChr m:val="("/>
+                            <m:endChr m:val=")"/>
+                            <m:sepChr m:val=""/>
+                            <m:grow/>
+                          </m:dPr>
+                          <m:e>
+                            <m:r>
+                              <m:t>k</m:t>
+                            </m:r>
+                            <m:r>
+                              <m:rPr>
+                                <m:sty m:val="p"/>
+                              </m:rPr>
+                              <m:t>=</m:t>
+                            </m:r>
+                            <m:r>
+                              <m:t>2</m:t>
+                            </m:r>
+                          </m:e>
+                        </m:d>
+                      </m:lim>
+                    </m:limUpp>
+                    <m:d>
+                      <m:dPr>
+                        <m:begChr m:val="("/>
+                        <m:endChr m:val=")"/>
+                        <m:sepChr m:val=""/>
+                        <m:grow/>
+                      </m:dPr>
+                      <m:e>
+                        <m:sSub>
+                          <m:e>
+                            <m:r>
+                              <m:t>A</m:t>
+                            </m:r>
+                          </m:e>
+                          <m:sub>
+                            <m:r>
+                              <m:t>3</m:t>
+                            </m:r>
+                          </m:sub>
+                        </m:sSub>
+                      </m:e>
+                    </m:d>
+                    <m:r>
+                      <m:rPr>
+                        <m:sty m:val="p"/>
+                      </m:rPr>
+                      <m:t>)</m:t>
+                    </m:r>
+                    <m:r>
+                      <m:rPr>
+                        <m:sty m:val="p"/>
+                      </m:rPr>
+                      <m:t>)</m:t>
+                    </m:r>
+                    <m:r>
+                      <m:rPr>
+                        <m:sty m:val="p"/>
+                      </m:rPr>
+                      <m:t>(</m:t>
+                    </m:r>
+                    <m:r>
+                      <m:rPr>
+                        <m:sty m:val="p"/>
+                      </m:rPr>
+                      <m:t>(</m:t>
+                    </m:r>
+                    <m:d>
+                      <m:dPr>
+                        <m:begChr m:val="("/>
+                        <m:endChr m:val=")"/>
+                        <m:sepChr m:val=""/>
+                        <m:grow/>
+                      </m:dPr>
+                      <m:e>
+                        <m:sSub>
+                          <m:e>
+                            <m:r>
+                              <m:t>A</m:t>
+                            </m:r>
+                          </m:e>
+                          <m:sub>
+                            <m:r>
+                              <m:t>4</m:t>
+                            </m:r>
+                          </m:sub>
+                        </m:sSub>
+                      </m:e>
+                    </m:d>
+                    <m:limUpp>
+                      <m:e>
+                        <m:groupChr>
+                          <m:groupChrPr>
+                            <m:chr m:val="⏞"/>
+                            <m:pos m:val="top"/>
+                            <m:vertJc m:val="bot"/>
+                          </m:groupChrPr>
+                          <m:e>
+                            <m:r>
+                              <m:rPr>
+                                <m:sty m:val="p"/>
+                              </m:rPr>
+                              <m:t>⋮</m:t>
+                            </m:r>
+                          </m:e>
+                        </m:groupChr>
+                      </m:e>
+                      <m:lim>
+                        <m:d>
+                          <m:dPr>
+                            <m:begChr m:val="("/>
+                            <m:endChr m:val=")"/>
+                            <m:sepChr m:val=""/>
+                            <m:grow/>
+                          </m:dPr>
+                          <m:e>
+                            <m:r>
+                              <m:t>k</m:t>
+                            </m:r>
+                            <m:r>
+                              <m:rPr>
+                                <m:sty m:val="p"/>
+                              </m:rPr>
+                              <m:t>=</m:t>
+                            </m:r>
+                            <m:r>
+                              <m:t>4</m:t>
+                            </m:r>
+                          </m:e>
+                        </m:d>
+                      </m:lim>
+                    </m:limUpp>
+                    <m:d>
+                      <m:dPr>
+                        <m:begChr m:val="("/>
+                        <m:endChr m:val=")"/>
+                        <m:sepChr m:val=""/>
+                        <m:grow/>
+                      </m:dPr>
+                      <m:e>
+                        <m:sSub>
+                          <m:e>
+                            <m:r>
+                              <m:t>A</m:t>
+                            </m:r>
+                          </m:e>
+                          <m:sub>
+                            <m:r>
+                              <m:t>5</m:t>
+                            </m:r>
+                          </m:sub>
+                        </m:sSub>
+                      </m:e>
+                    </m:d>
+                    <m:r>
+                      <m:rPr>
+                        <m:sty m:val="p"/>
+                      </m:rPr>
+                      <m:t>)</m:t>
+                    </m:r>
+                    <m:r>
+                      <m:rPr>
+                        <m:sty m:val="p"/>
+                      </m:rPr>
+                      <m:t>(</m:t>
+                    </m:r>
+                    <m:sSub>
+                      <m:e>
+                        <m:r>
+                          <m:t>A</m:t>
+                        </m:r>
+                      </m:e>
+                      <m:sub>
+                        <m:r>
+                          <m:t>6</m:t>
+                        </m:r>
+                      </m:sub>
+                    </m:sSub>
+                    <m:r>
+                      <m:rPr>
+                        <m:sty m:val="p"/>
+                      </m:rPr>
+                      <m:t>)</m:t>
+                    </m:r>
+                    <m:r>
+                      <m:rPr>
+                        <m:sty m:val="p"/>
+                      </m:rPr>
+                      <m:t>)</m:t>
+                    </m:r>
+                  </m:oMath>
+                </a14:m>
+              </a:p>
+              <a:p>
+                <a:pPr lvl="1"/>
+                <a:r>
+                  <a:rPr/>
+                  <a:t>What is the optimal split for </a:t>
+                </a:r>
+                <a14:m>
+                  <m:oMath xmlns:m="http://schemas.openxmlformats.org/officeDocument/2006/math">
+                    <m:sSub>
+                      <m:e>
+                        <m:r>
+                          <m:t>A</m:t>
+                        </m:r>
+                      </m:e>
+                      <m:sub>
+                        <m:r>
+                          <m:t>2</m:t>
+                        </m:r>
+                      </m:sub>
+                    </m:sSub>
+                    <m:sSub>
+                      <m:e>
+                        <m:r>
+                          <m:t>A</m:t>
+                        </m:r>
+                      </m:e>
+                      <m:sub>
+                        <m:r>
+                          <m:t>3</m:t>
+                        </m:r>
+                      </m:sub>
+                    </m:sSub>
+                  </m:oMath>
+                </a14:m>
+                <a:r>
+                  <a:rPr/>
+                  <a:t> ? ( </a:t>
+                </a:r>
+                <a14:m>
+                  <m:oMath xmlns:m="http://schemas.openxmlformats.org/officeDocument/2006/math">
+                    <m:sSub>
+                      <m:e>
+                        <m:r>
+                          <m:t>s</m:t>
+                        </m:r>
+                      </m:e>
+                      <m:sub>
+                        <m:r>
+                          <m:t>23</m:t>
+                        </m:r>
+                      </m:sub>
+                    </m:sSub>
+                    <m:r>
+                      <m:rPr>
+                        <m:sty m:val="p"/>
+                      </m:rPr>
+                      <m:t>=</m:t>
+                    </m:r>
+                    <m:r>
+                      <m:t>2</m:t>
+                    </m:r>
+                  </m:oMath>
+                </a14:m>
+                <a:r>
+                  <a:rPr/>
+                  <a:t> )</a:t>
+                </a:r>
+              </a:p>
+              <a:p>
+                <a:pPr lvl="1"/>
+                <a:r>
+                  <a:rPr/>
+                  <a:t>What is the optimal split for </a:t>
+                </a:r>
+                <a14:m>
+                  <m:oMath xmlns:m="http://schemas.openxmlformats.org/officeDocument/2006/math">
+                    <m:sSub>
+                      <m:e>
+                        <m:r>
+                          <m:t>A</m:t>
+                        </m:r>
+                      </m:e>
+                      <m:sub>
+                        <m:r>
+                          <m:t>4</m:t>
+                        </m:r>
+                      </m:sub>
+                    </m:sSub>
+                    <m:sSub>
+                      <m:e>
+                        <m:r>
+                          <m:t>A</m:t>
+                        </m:r>
+                      </m:e>
+                      <m:sub>
+                        <m:r>
+                          <m:t>5</m:t>
+                        </m:r>
+                      </m:sub>
+                    </m:sSub>
+                  </m:oMath>
+                </a14:m>
+                <a:r>
+                  <a:rPr/>
+                  <a:t> ? ( </a:t>
+                </a:r>
+                <a14:m>
+                  <m:oMath xmlns:m="http://schemas.openxmlformats.org/officeDocument/2006/math">
+                    <m:sSub>
+                      <m:e>
+                        <m:r>
+                          <m:t>s</m:t>
+                        </m:r>
+                      </m:e>
+                      <m:sub>
+                        <m:r>
+                          <m:t>45</m:t>
+                        </m:r>
+                      </m:sub>
+                    </m:sSub>
+                    <m:r>
+                      <m:rPr>
+                        <m:sty m:val="p"/>
+                      </m:rPr>
+                      <m:t>=</m:t>
+                    </m:r>
+                    <m:r>
+                      <m:t>4</m:t>
+                    </m:r>
+                  </m:oMath>
+                </a14:m>
+                <a:r>
+                  <a:rPr/>
+                  <a:t> )</a:t>
+                </a:r>
+              </a:p>
+            </p:txBody>
+          </p:sp>
+        </mc:Choice>
+      </mc:AlternateContent>
+      <p:pic>
+        <p:nvPicPr>
+          <p:cNvPr descr="fig:  assets/ce100-week-5-dp-table-acc-pattern-example-8.drawio.svg" id="0" name="Picture 1"/>
+          <p:cNvPicPr>
+            <a:picLocks noGrp="1" noChangeAspect="1"/>
+          </p:cNvPicPr>
+          <p:nvPr/>
+        </p:nvPicPr>
+        <p:blipFill>
+          <a:blip r:embed="rId2"/>
+          <a:stretch>
+            <a:fillRect/>
+          </a:stretch>
+        </p:blipFill>
+        <p:spPr bwMode="auto">
+          <a:xfrm>
+            <a:off x="3568700" y="381000"/>
+            <a:ext cx="5105400" cy="5105400"/>
+          </a:xfrm>
+          <a:prstGeom prst="rect">
+            <a:avLst/>
+          </a:prstGeom>
+          <a:noFill/>
+          <a:ln w="9525">
+            <a:noFill/>
+            <a:headEnd/>
+            <a:tailEnd/>
+          </a:ln>
+        </p:spPr>
+      </p:pic>
+      <p:sp>
+        <p:nvSpPr>
+          <p:cNvPr id="1" name="TextBox 3"/>
+          <p:cNvSpPr txBox="1"/>
+          <p:nvPr/>
+        </p:nvSpPr>
+        <p:spPr>
+          <a:xfrm>
+            <a:off x="3568700" y="5600700"/>
+            <a:ext cx="5105400" cy="508000"/>
+          </a:xfrm>
+          <a:prstGeom prst="rect">
+            <a:avLst/>
+          </a:prstGeom>
+          <a:noFill/>
+        </p:spPr>
+        <p:txBody>
+          <a:bodyPr/>
+          <a:lstStyle/>
+          <a:p>
+            <a:pPr lvl="0" indent="0" marL="0" algn="ctr">
+              <a:buNone/>
+            </a:pPr>
+            <a:r>
+              <a:rPr/>
+              <a:t>bg right:30% h:390px</a:t>
+            </a:r>
+          </a:p>
+        </p:txBody>
+      </p:sp>
+    </p:spTree>
+  </p:cSld>
+</p:sld>
+</file>
+
+<file path=ppt/slides/slide6.xml><?xml version="1.0" encoding="utf-8"?>
+<p:sld xmlns:a="http://schemas.openxmlformats.org/drawingml/2006/main" xmlns:r="http://schemas.openxmlformats.org/officeDocument/2006/relationships" xmlns:p="http://schemas.openxmlformats.org/presentationml/2006/main">
+  <p:cSld>
+    <p:spTree>
+      <p:nvGrpSpPr>
+        <p:cNvPr id="1" name=""/>
+        <p:cNvGrpSpPr/>
+        <p:nvPr/>
+      </p:nvGrpSpPr>
+      <p:grpSpPr>
+        <a:xfrm>
+          <a:off x="0" y="0"/>
+          <a:ext cx="0" cy="0"/>
+          <a:chOff x="0" y="0"/>
+          <a:chExt cx="0" cy="0"/>
+        </a:xfrm>
+      </p:grpSpPr>
+      <p:sp>
+        <p:nvSpPr>
+          <p:cNvPr id="3" name="Content Placeholder 2"/>
+          <p:cNvSpPr>
+            <a:spLocks noGrp="1"/>
+          </p:cNvSpPr>
+          <p:nvPr>
+            <p:ph idx="1"/>
+          </p:nvPr>
+        </p:nvSpPr>
+        <p:spPr/>
+        <p:txBody>
+          <a:bodyPr/>
+          <a:lstStyle/>
+          <a:p>
+            <a:pPr lvl="0"/>
+            <a:r>
+              <a:rPr/>
+              <a:t>Fibonacci Numbers</a:t>
+            </a:r>
+          </a:p>
+          <a:p>
+            <a:pPr lvl="1"/>
+            <a:r>
+              <a:rPr/>
+              <a:t>Recursive Solution</a:t>
+            </a:r>
+          </a:p>
+          <a:p>
+            <a:pPr lvl="1"/>
+            <a:r>
+              <a:rPr/>
+              <a:t>Bottom-Up Solution</a:t>
+            </a:r>
+          </a:p>
+          <a:p>
+            <a:pPr lvl="0"/>
+            <a:r>
+              <a:rPr/>
+              <a:t>Optimization Problems</a:t>
+            </a:r>
+          </a:p>
+          <a:p>
+            <a:pPr lvl="0"/>
+            <a:r>
+              <a:rPr/>
+              <a:t>Development of a DP Algorithms</a:t>
+            </a:r>
+          </a:p>
+        </p:txBody>
+      </p:sp>
+    </p:spTree>
+  </p:cSld>
+</p:sld>
+</file>
+
+<file path=ppt/slides/slide60.xml><?xml version="1.0" encoding="utf-8"?>
+<p:sld xmlns:a="http://schemas.openxmlformats.org/drawingml/2006/main" xmlns:r="http://schemas.openxmlformats.org/officeDocument/2006/relationships" xmlns:p="http://schemas.openxmlformats.org/presentationml/2006/main">
+  <p:cSld>
+    <p:spTree>
+      <p:nvGrpSpPr>
+        <p:cNvPr id="1" name=""/>
+        <p:cNvGrpSpPr/>
+        <p:nvPr/>
+      </p:nvGrpSpPr>
+      <p:grpSpPr>
+        <a:xfrm>
+          <a:off x="0" y="0"/>
+          <a:ext cx="0" cy="0"/>
+          <a:chOff x="0" y="0"/>
+          <a:chExt cx="0" cy="0"/>
+        </a:xfrm>
+      </p:grpSpPr>
+      <p:sp>
+        <p:nvSpPr>
+          <p:cNvPr id="2" name="Title 1"/>
+          <p:cNvSpPr>
+            <a:spLocks noGrp="1"/>
+          </p:cNvSpPr>
+          <p:nvPr>
+            <p:ph type="title"/>
+          </p:nvPr>
+        </p:nvSpPr>
+        <p:spPr/>
+        <p:txBody>
+          <a:bodyPr/>
+          <a:lstStyle/>
+          <a:p>
+            <a:pPr lvl="0" indent="0" marL="0">
+              <a:buNone/>
+            </a:pPr>
+            <a:r>
+              <a:rPr/>
+              <a:t>Constructing an </a:t>
+            </a:r>
+            <a:r>
+              <a:rPr b="1"/>
+              <a:t>Optimal Solution</a:t>
+            </a:r>
+          </a:p>
+        </p:txBody>
+      </p:sp>
+      <mc:AlternateContent xmlns:mc="http://schemas.openxmlformats.org/markup-compatibility/2006">
+        <mc:Choice xmlns:a14="http://schemas.microsoft.com/office/drawing/2010/main" Requires="a14">
+          <p:sp>
+            <p:nvSpPr>
+              <p:cNvPr id="3" name="Content Placeholder 2"/>
+              <p:cNvSpPr>
+                <a:spLocks noGrp="1"/>
+              </p:cNvSpPr>
+              <p:nvPr>
+                <p:ph idx="1"/>
+              </p:nvPr>
+            </p:nvSpPr>
+            <p:spPr/>
+            <p:txBody>
+              <a:bodyPr/>
+              <a:lstStyle/>
+              <a:p>
+                <a:pPr lvl="0"/>
+                <a:r>
+                  <a:rPr/>
+                  <a:t>Earlier optimal matrix multiplications can be computed recursively</a:t>
+                </a:r>
+              </a:p>
+              <a:p>
+                <a:pPr lvl="0"/>
+                <a:r>
+                  <a:rPr b="1"/>
+                  <a:t>Given:</a:t>
+                </a:r>
+              </a:p>
+              <a:p>
+                <a:pPr lvl="1"/>
+                <a:r>
+                  <a:rPr/>
+                  <a:t>the chain of matrices </a:t>
+                </a:r>
+                <a14:m>
+                  <m:oMath xmlns:m="http://schemas.openxmlformats.org/officeDocument/2006/math">
+                    <m:r>
+                      <m:t>A</m:t>
+                    </m:r>
+                    <m:r>
+                      <m:rPr>
+                        <m:sty m:val="p"/>
+                      </m:rPr>
+                      <m:t>=</m:t>
+                    </m:r>
+                    <m:r>
+                      <m:rPr>
+                        <m:sty m:val="p"/>
+                      </m:rPr>
+                      <m:t>⟨</m:t>
+                    </m:r>
+                    <m:sSub>
+                      <m:e>
+                        <m:r>
+                          <m:t>A</m:t>
+                        </m:r>
+                      </m:e>
+                      <m:sub>
+                        <m:r>
+                          <m:t>1</m:t>
+                        </m:r>
+                      </m:sub>
+                    </m:sSub>
+                    <m:r>
+                      <m:rPr>
+                        <m:sty m:val="p"/>
+                      </m:rPr>
+                      <m:t>,</m:t>
+                    </m:r>
+                    <m:sSub>
+                      <m:e>
+                        <m:r>
+                          <m:t>A</m:t>
+                        </m:r>
+                      </m:e>
+                      <m:sub>
+                        <m:r>
+                          <m:t>2</m:t>
+                        </m:r>
+                      </m:sub>
+                    </m:sSub>
+                    <m:r>
+                      <m:rPr>
+                        <m:sty m:val="p"/>
+                      </m:rPr>
+                      <m:t>,</m:t>
+                    </m:r>
+                    <m:r>
+                      <m:rPr>
+                        <m:sty m:val="p"/>
+                      </m:rPr>
+                      <m:t>…</m:t>
+                    </m:r>
+                    <m:sSub>
+                      <m:e>
+                        <m:r>
+                          <m:t>A</m:t>
+                        </m:r>
+                      </m:e>
+                      <m:sub>
+                        <m:r>
+                          <m:t>n</m:t>
+                        </m:r>
+                      </m:sub>
+                    </m:sSub>
+                    <m:r>
+                      <m:rPr>
+                        <m:sty m:val="p"/>
+                      </m:rPr>
+                      <m:t>⟩</m:t>
+                    </m:r>
+                  </m:oMath>
+                </a14:m>
+                <a:r>
+                  <a:rPr/>
+                  <a:t> the s table computed by </a:t>
+                </a:r>
+                <a14:m>
+                  <m:oMath xmlns:m="http://schemas.openxmlformats.org/officeDocument/2006/math">
+                    <m:r>
+                      <m:rPr>
+                        <m:nor/>
+                        <m:sty m:val="p"/>
+                      </m:rPr>
+                      <m:t>MATRIX-CHAIN-ORDER</m:t>
+                    </m:r>
+                  </m:oMath>
+                </a14:m>
+              </a:p>
+              <a:p>
+                <a:pPr lvl="1"/>
+                <a:r>
+                  <a:rPr/>
+                  <a:t>The following recursive procedure computes the </a:t>
+                </a:r>
+                <a:r>
+                  <a:rPr b="1"/>
+                  <a:t>matrix-chain product</a:t>
+                </a:r>
+                <a:r>
+                  <a:rPr/>
+                  <a:t> </a:t>
+                </a:r>
+                <a14:m>
+                  <m:oMath xmlns:m="http://schemas.openxmlformats.org/officeDocument/2006/math">
+                    <m:sSub>
+                      <m:e>
+                        <m:r>
+                          <m:t>A</m:t>
+                        </m:r>
+                      </m:e>
+                      <m:sub>
+                        <m:r>
+                          <m:t>i</m:t>
+                        </m:r>
+                        <m:r>
+                          <m:rPr>
+                            <m:sty m:val="p"/>
+                          </m:rPr>
+                          <m:t>…</m:t>
+                        </m:r>
+                        <m:r>
+                          <m:t>j</m:t>
+                        </m:r>
+                      </m:sub>
+                    </m:sSub>
+                  </m:oMath>
+                </a14:m>
+              </a:p>
+              <a:p>
+                <a:pPr lvl="0" indent="0" marL="0">
+                  <a:buNone/>
+                </a:pPr>
+                <a14:m>
+                  <m:oMathPara xmlns:m="http://schemas.openxmlformats.org/officeDocument/2006/math">
+                    <m:oMathParaPr>
+                      <m:jc m:val="center"/>
+                    </m:oMathParaPr>
+                    <m:oMath>
+                      <m:m>
+                        <m:mPr>
+                          <m:baseJc m:val="center"/>
+                          <m:plcHide m:val="1"/>
+                          <m:mcs>
+                            <m:mc>
+                              <m:mcPr>
+                                <m:mcJc m:val="right"/>
+                                <m:count m:val="1"/>
+                              </m:mcPr>
+                            </m:mc>
+                            <m:mc>
+                              <m:mcPr>
+                                <m:mcJc m:val="left"/>
+                                <m:count m:val="1"/>
+                              </m:mcPr>
+                            </m:mc>
+                          </m:mcs>
+                        </m:mPr>
+                        <m:mr>
+                          <m:e/>
+                          <m:e>
+                            <m:r>
+                              <m:rPr>
+                                <m:nor/>
+                                <m:sty m:val="p"/>
+                              </m:rPr>
+                              <m:t>MATRIX-CHAIN-MULTIPLY</m:t>
+                            </m:r>
+                            <m:d>
+                              <m:dPr>
+                                <m:begChr m:val="("/>
+                                <m:endChr m:val=")"/>
+                                <m:sepChr m:val=""/>
+                                <m:grow/>
+                              </m:dPr>
+                              <m:e>
+                                <m:r>
+                                  <m:t>A</m:t>
+                                </m:r>
+                                <m:r>
+                                  <m:rPr>
+                                    <m:sty m:val="p"/>
+                                  </m:rPr>
+                                  <m:t>,</m:t>
+                                </m:r>
+                                <m:r>
+                                  <m:t>s</m:t>
+                                </m:r>
+                                <m:r>
+                                  <m:rPr>
+                                    <m:sty m:val="p"/>
+                                  </m:rPr>
+                                  <m:t>,</m:t>
+                                </m:r>
+                                <m:r>
+                                  <m:t>i</m:t>
+                                </m:r>
+                                <m:r>
+                                  <m:rPr>
+                                    <m:sty m:val="p"/>
+                                  </m:rPr>
+                                  <m:t>,</m:t>
+                                </m:r>
+                                <m:r>
+                                  <m:t>j</m:t>
+                                </m:r>
+                              </m:e>
+                            </m:d>
+                          </m:e>
+                        </m:mr>
+                        <m:mr>
+                          <m:e/>
+                          <m:e>
+                            <m:r>
+                              <m:t> </m:t>
+                            </m:r>
+                            <m:r>
+                              <m:rPr>
+                                <m:nor/>
+                                <m:sty m:val="p"/>
+                              </m:rPr>
+                              <m:t>if</m:t>
+                            </m:r>
+                            <m:r>
+                              <m:t> </m:t>
+                            </m:r>
+                            <m:r>
+                              <m:t>j</m:t>
+                            </m:r>
+                            <m:r>
+                              <m:rPr>
+                                <m:sty m:val="p"/>
+                              </m:rPr>
+                              <m:t>&gt;</m:t>
+                            </m:r>
+                            <m:r>
+                              <m:t>i</m:t>
+                            </m:r>
+                            <m:r>
+                              <m:t> </m:t>
+                            </m:r>
+                            <m:r>
+                              <m:rPr>
+                                <m:nor/>
+                                <m:sty m:val="p"/>
+                              </m:rPr>
+                              <m:t>then</m:t>
+                            </m:r>
+                          </m:e>
+                        </m:mr>
+                        <m:mr>
+                          <m:e/>
+                          <m:e>
+                            <m:r>
+                              <m:t>  </m:t>
+                            </m:r>
+                            <m:r>
+                              <m:t>X</m:t>
+                            </m:r>
+                            <m:r>
+                              <m:rPr>
+                                <m:sty m:val="p"/>
+                              </m:rPr>
+                              <m:t>←</m:t>
+                            </m:r>
+                            <m:r>
+                              <m:rPr>
+                                <m:nor/>
+                                <m:sty m:val="p"/>
+                              </m:rPr>
+                              <m:t>MATRIX-CHAIN-MULTIPLY</m:t>
+                            </m:r>
+                            <m:d>
+                              <m:dPr>
+                                <m:begChr m:val="("/>
+                                <m:endChr m:val=")"/>
+                                <m:sepChr m:val=""/>
+                                <m:grow/>
+                              </m:dPr>
+                              <m:e>
+                                <m:r>
+                                  <m:t>A</m:t>
+                                </m:r>
+                                <m:r>
+                                  <m:rPr>
+                                    <m:sty m:val="p"/>
+                                  </m:rPr>
+                                  <m:t>,</m:t>
+                                </m:r>
+                                <m:r>
+                                  <m:t>s</m:t>
+                                </m:r>
+                                <m:r>
+                                  <m:rPr>
+                                    <m:sty m:val="p"/>
+                                  </m:rPr>
+                                  <m:t>,</m:t>
+                                </m:r>
+                                <m:r>
+                                  <m:t>i</m:t>
+                                </m:r>
+                                <m:r>
+                                  <m:rPr>
+                                    <m:sty m:val="p"/>
+                                  </m:rPr>
+                                  <m:t>,</m:t>
+                                </m:r>
+                                <m:r>
+                                  <m:t>s</m:t>
+                                </m:r>
+                                <m:d>
+                                  <m:dPr>
+                                    <m:begChr m:val="["/>
+                                    <m:endChr m:val="]"/>
+                                    <m:sepChr m:val=""/>
+                                    <m:grow/>
+                                  </m:dPr>
+                                  <m:e>
+                                    <m:r>
+                                      <m:t>i</m:t>
+                                    </m:r>
+                                    <m:r>
+                                      <m:rPr>
+                                        <m:sty m:val="p"/>
+                                      </m:rPr>
+                                      <m:t>,</m:t>
+                                    </m:r>
+                                    <m:r>
+                                      <m:t>j</m:t>
+                                    </m:r>
+                                  </m:e>
+                                </m:d>
+                              </m:e>
+                            </m:d>
+                          </m:e>
+                        </m:mr>
+                        <m:mr>
+                          <m:e/>
+                          <m:e>
+                            <m:r>
+                              <m:t>  </m:t>
+                            </m:r>
+                            <m:r>
+                              <m:t>Y</m:t>
+                            </m:r>
+                            <m:r>
+                              <m:rPr>
+                                <m:sty m:val="p"/>
+                              </m:rPr>
+                              <m:t>←</m:t>
+                            </m:r>
+                            <m:r>
+                              <m:rPr>
+                                <m:nor/>
+                                <m:sty m:val="p"/>
+                              </m:rPr>
+                              <m:t>MATRIX-CHAIN-MULTIPLY</m:t>
+                            </m:r>
+                            <m:d>
+                              <m:dPr>
+                                <m:begChr m:val="("/>
+                                <m:endChr m:val=")"/>
+                                <m:sepChr m:val=""/>
+                                <m:grow/>
+                              </m:dPr>
+                              <m:e>
+                                <m:r>
+                                  <m:t>A</m:t>
+                                </m:r>
+                                <m:r>
+                                  <m:rPr>
+                                    <m:sty m:val="p"/>
+                                  </m:rPr>
+                                  <m:t>,</m:t>
+                                </m:r>
+                                <m:r>
+                                  <m:t>s</m:t>
+                                </m:r>
+                                <m:r>
+                                  <m:rPr>
+                                    <m:sty m:val="p"/>
+                                  </m:rPr>
+                                  <m:t>,</m:t>
+                                </m:r>
+                                <m:r>
+                                  <m:t>s</m:t>
+                                </m:r>
+                                <m:d>
+                                  <m:dPr>
+                                    <m:begChr m:val="["/>
+                                    <m:endChr m:val="]"/>
+                                    <m:sepChr m:val=""/>
+                                    <m:grow/>
+                                  </m:dPr>
+                                  <m:e>
+                                    <m:r>
+                                      <m:t>i</m:t>
+                                    </m:r>
+                                    <m:r>
+                                      <m:rPr>
+                                        <m:sty m:val="p"/>
+                                      </m:rPr>
+                                      <m:t>,</m:t>
+                                    </m:r>
+                                    <m:r>
+                                      <m:t>j</m:t>
+                                    </m:r>
+                                  </m:e>
+                                </m:d>
+                                <m:r>
+                                  <m:rPr>
+                                    <m:sty m:val="p"/>
+                                  </m:rPr>
+                                  <m:t>+</m:t>
+                                </m:r>
+                                <m:r>
+                                  <m:t>1</m:t>
+                                </m:r>
+                                <m:r>
+                                  <m:rPr>
+                                    <m:sty m:val="p"/>
+                                  </m:rPr>
+                                  <m:t>,</m:t>
+                                </m:r>
+                                <m:r>
+                                  <m:t>j</m:t>
+                                </m:r>
+                              </m:e>
+                            </m:d>
+                          </m:e>
+                        </m:mr>
+                        <m:mr>
+                          <m:e/>
+                          <m:e>
+                            <m:r>
+                              <m:t>  </m:t>
+                            </m:r>
+                            <m:r>
+                              <m:rPr>
+                                <m:nor/>
+                                <m:sty m:val="p"/>
+                              </m:rPr>
+                              <m:t>return</m:t>
+                            </m:r>
+                            <m:r>
+                              <m:t> </m:t>
+                            </m:r>
+                            <m:r>
+                              <m:rPr>
+                                <m:nor/>
+                                <m:sty m:val="p"/>
+                              </m:rPr>
+                              <m:t>MATRIX-MULTIPLY</m:t>
+                            </m:r>
+                            <m:d>
+                              <m:dPr>
+                                <m:begChr m:val="("/>
+                                <m:endChr m:val=")"/>
+                                <m:sepChr m:val=""/>
+                                <m:grow/>
+                              </m:dPr>
+                              <m:e>
+                                <m:r>
+                                  <m:t>X</m:t>
+                                </m:r>
+                                <m:r>
+                                  <m:rPr>
+                                    <m:sty m:val="p"/>
+                                  </m:rPr>
+                                  <m:t>,</m:t>
+                                </m:r>
+                                <m:r>
+                                  <m:t>Y</m:t>
+                                </m:r>
+                              </m:e>
+                            </m:d>
+                          </m:e>
+                        </m:mr>
+                        <m:mr>
+                          <m:e/>
+                          <m:e>
+                            <m:r>
+                              <m:t> </m:t>
+                            </m:r>
+                            <m:r>
+                              <m:rPr>
+                                <m:nor/>
+                                <m:sty m:val="p"/>
+                              </m:rPr>
+                              <m:t>else</m:t>
+                            </m:r>
+                          </m:e>
+                        </m:mr>
+                        <m:mr>
+                          <m:e/>
+                          <m:e>
+                            <m:r>
+                              <m:t>  </m:t>
+                            </m:r>
+                            <m:r>
+                              <m:t>r</m:t>
+                            </m:r>
+                            <m:r>
+                              <m:t>e</m:t>
+                            </m:r>
+                            <m:r>
+                              <m:t>t</m:t>
+                            </m:r>
+                            <m:r>
+                              <m:t>u</m:t>
+                            </m:r>
+                            <m:r>
+                              <m:t>r</m:t>
+                            </m:r>
+                            <m:r>
+                              <m:t>n</m:t>
+                            </m:r>
+                            <m:sSub>
+                              <m:e>
+                                <m:r>
+                                  <m:t>A</m:t>
+                                </m:r>
+                              </m:e>
+                              <m:sub>
+                                <m:r>
+                                  <m:t>i</m:t>
+                                </m:r>
+                              </m:sub>
+                            </m:sSub>
+                          </m:e>
+                        </m:mr>
+                      </m:m>
+                    </m:oMath>
+                  </m:oMathPara>
+                </a14:m>
+              </a:p>
+              <a:p>
+                <a:pPr lvl="0"/>
+                <a:r>
+                  <a:rPr b="1"/>
+                  <a:t>Invocation:</a:t>
+                </a:r>
+                <a:r>
+                  <a:rPr/>
+                  <a:t> </a:t>
+                </a:r>
+                <a14:m>
+                  <m:oMath xmlns:m="http://schemas.openxmlformats.org/officeDocument/2006/math">
+                    <m:r>
+                      <m:rPr>
+                        <m:nor/>
+                        <m:sty m:val="p"/>
+                      </m:rPr>
+                      <m:t>MATRIX-CHAIN-MULTIPLY</m:t>
+                    </m:r>
+                    <m:d>
+                      <m:dPr>
+                        <m:begChr m:val="("/>
+                        <m:endChr m:val=")"/>
+                        <m:sepChr m:val=""/>
+                        <m:grow/>
+                      </m:dPr>
+                      <m:e>
+                        <m:r>
+                          <m:t>A</m:t>
+                        </m:r>
+                        <m:r>
+                          <m:rPr>
+                            <m:sty m:val="p"/>
+                          </m:rPr>
+                          <m:t>,</m:t>
+                        </m:r>
+                        <m:r>
+                          <m:t>s</m:t>
+                        </m:r>
+                        <m:r>
+                          <m:rPr>
+                            <m:sty m:val="p"/>
+                          </m:rPr>
+                          <m:t>,</m:t>
+                        </m:r>
+                        <m:r>
+                          <m:t>1</m:t>
+                        </m:r>
+                        <m:r>
+                          <m:rPr>
+                            <m:sty m:val="p"/>
+                          </m:rPr>
+                          <m:t>,</m:t>
+                        </m:r>
+                        <m:r>
+                          <m:t>n</m:t>
+                        </m:r>
+                      </m:e>
+                    </m:d>
+                  </m:oMath>
+                </a14:m>
+              </a:p>
+            </p:txBody>
+          </p:sp>
+        </mc:Choice>
+      </mc:AlternateContent>
+    </p:spTree>
+  </p:cSld>
+</p:sld>
+</file>
+
+<file path=ppt/slides/slide61.xml><?xml version="1.0" encoding="utf-8"?>
+<p:sld xmlns:a="http://schemas.openxmlformats.org/drawingml/2006/main" xmlns:r="http://schemas.openxmlformats.org/officeDocument/2006/relationships" xmlns:p="http://schemas.openxmlformats.org/presentationml/2006/main">
+  <p:cSld>
+    <p:spTree>
+      <p:nvGrpSpPr>
+        <p:cNvPr id="1" name=""/>
+        <p:cNvGrpSpPr/>
+        <p:nvPr/>
+      </p:nvGrpSpPr>
+      <p:grpSpPr>
+        <a:xfrm>
+          <a:off x="0" y="0"/>
+          <a:ext cx="0" cy="0"/>
+          <a:chOff x="0" y="0"/>
+          <a:chExt cx="0" cy="0"/>
+        </a:xfrm>
+      </p:grpSpPr>
+      <p:sp>
+        <p:nvSpPr>
+          <p:cNvPr id="2" name="Title 1"/>
+          <p:cNvSpPr>
+            <a:spLocks noGrp="1"/>
+          </p:cNvSpPr>
+          <p:nvPr>
+            <p:ph type="title"/>
+          </p:nvPr>
+        </p:nvSpPr>
+        <p:spPr/>
+        <p:txBody>
+          <a:bodyPr/>
+          <a:lstStyle/>
+          <a:p>
+            <a:pPr lvl="0" indent="0" marL="0">
+              <a:buNone/>
+            </a:pPr>
+            <a:r>
+              <a:rPr/>
+              <a:t>Example: Recursive Construction of an Optimal Solution</a:t>
+            </a:r>
+          </a:p>
+        </p:txBody>
+      </p:sp>
+      <p:pic>
+        <p:nvPicPr>
+          <p:cNvPr descr="fig:  assets/ce100-week-5-dp-rec-mcm-1.drawio.svg" id="0" name="Picture 1"/>
+          <p:cNvPicPr>
+            <a:picLocks noGrp="1" noChangeAspect="1"/>
+          </p:cNvPicPr>
+          <p:nvPr/>
+        </p:nvPicPr>
+        <p:blipFill>
+          <a:blip r:embed="rId2"/>
+          <a:stretch>
+            <a:fillRect/>
+          </a:stretch>
+        </p:blipFill>
+        <p:spPr bwMode="auto">
+          <a:xfrm>
+            <a:off x="457200" y="2540000"/>
+            <a:ext cx="8229600" cy="2133600"/>
+          </a:xfrm>
+          <a:prstGeom prst="rect">
+            <a:avLst/>
+          </a:prstGeom>
+          <a:noFill/>
+          <a:ln w="9525">
+            <a:noFill/>
+            <a:headEnd/>
+            <a:tailEnd/>
+          </a:ln>
+        </p:spPr>
+      </p:pic>
+      <p:sp>
+        <p:nvSpPr>
+          <p:cNvPr id="1" name="TextBox 3"/>
+          <p:cNvSpPr txBox="1"/>
+          <p:nvPr/>
+        </p:nvSpPr>
+        <p:spPr>
+          <a:xfrm>
+            <a:off x="457200" y="5613400"/>
+            <a:ext cx="8229600" cy="508000"/>
+          </a:xfrm>
+          <a:prstGeom prst="rect">
+            <a:avLst/>
+          </a:prstGeom>
+          <a:noFill/>
+        </p:spPr>
+        <p:txBody>
+          <a:bodyPr/>
+          <a:lstStyle/>
+          <a:p>
+            <a:pPr lvl="0" indent="0" marL="0" algn="ctr">
+              <a:buNone/>
+            </a:pPr>
+            <a:r>
+              <a:rPr/>
+              <a:t>center</a:t>
+            </a:r>
+          </a:p>
+        </p:txBody>
+      </p:sp>
+    </p:spTree>
+  </p:cSld>
+</p:sld>
+</file>
+
+<file path=ppt/slides/slide62.xml><?xml version="1.0" encoding="utf-8"?>
+<p:sld xmlns:a="http://schemas.openxmlformats.org/drawingml/2006/main" xmlns:r="http://schemas.openxmlformats.org/officeDocument/2006/relationships" xmlns:p="http://schemas.openxmlformats.org/presentationml/2006/main">
+  <p:cSld>
+    <p:spTree>
+      <p:nvGrpSpPr>
+        <p:cNvPr id="1" name=""/>
+        <p:cNvGrpSpPr/>
+        <p:nvPr/>
+      </p:nvGrpSpPr>
+      <p:grpSpPr>
+        <a:xfrm>
+          <a:off x="0" y="0"/>
+          <a:ext cx="0" cy="0"/>
+          <a:chOff x="0" y="0"/>
+          <a:chExt cx="0" cy="0"/>
+        </a:xfrm>
+      </p:grpSpPr>
+      <p:sp>
+        <p:nvSpPr>
+          <p:cNvPr id="2" name="Title 1"/>
+          <p:cNvSpPr>
+            <a:spLocks noGrp="1"/>
+          </p:cNvSpPr>
+          <p:nvPr>
+            <p:ph type="title"/>
+          </p:nvPr>
+        </p:nvSpPr>
+        <p:spPr/>
+        <p:txBody>
+          <a:bodyPr/>
+          <a:lstStyle/>
+          <a:p>
+            <a:pPr lvl="0" indent="0" marL="0">
+              <a:buNone/>
+            </a:pPr>
+            <a:r>
+              <a:rPr/>
+              <a:t>Example: Recursive Construction of an Optimal Solution</a:t>
+            </a:r>
+          </a:p>
+        </p:txBody>
+      </p:sp>
+      <p:pic>
+        <p:nvPicPr>
+          <p:cNvPr descr="fig:  assets/ce100-week-5-dp-rec-mcm-2.drawio.svg" id="0" name="Picture 1"/>
+          <p:cNvPicPr>
+            <a:picLocks noGrp="1" noChangeAspect="1"/>
+          </p:cNvPicPr>
+          <p:nvPr/>
+        </p:nvPicPr>
+        <p:blipFill>
+          <a:blip r:embed="rId2"/>
+          <a:stretch>
+            <a:fillRect/>
+          </a:stretch>
+        </p:blipFill>
+        <p:spPr bwMode="auto">
+          <a:xfrm>
+            <a:off x="457200" y="2247900"/>
+            <a:ext cx="8229600" cy="2730500"/>
+          </a:xfrm>
+          <a:prstGeom prst="rect">
+            <a:avLst/>
+          </a:prstGeom>
+          <a:noFill/>
+          <a:ln w="9525">
+            <a:noFill/>
+            <a:headEnd/>
+            <a:tailEnd/>
+          </a:ln>
+        </p:spPr>
+      </p:pic>
+      <p:sp>
+        <p:nvSpPr>
+          <p:cNvPr id="1" name="TextBox 3"/>
+          <p:cNvSpPr txBox="1"/>
+          <p:nvPr/>
+        </p:nvSpPr>
+        <p:spPr>
+          <a:xfrm>
+            <a:off x="457200" y="5613400"/>
+            <a:ext cx="8229600" cy="508000"/>
+          </a:xfrm>
+          <a:prstGeom prst="rect">
+            <a:avLst/>
+          </a:prstGeom>
+          <a:noFill/>
+        </p:spPr>
+        <p:txBody>
+          <a:bodyPr/>
+          <a:lstStyle/>
+          <a:p>
+            <a:pPr lvl="0" indent="0" marL="0" algn="ctr">
+              <a:buNone/>
+            </a:pPr>
+            <a:r>
+              <a:rPr/>
+              <a:t>center</a:t>
+            </a:r>
+          </a:p>
+        </p:txBody>
+      </p:sp>
+    </p:spTree>
+  </p:cSld>
+</p:sld>
+</file>
+
+<file path=ppt/slides/slide63.xml><?xml version="1.0" encoding="utf-8"?>
+<p:sld xmlns:a="http://schemas.openxmlformats.org/drawingml/2006/main" xmlns:r="http://schemas.openxmlformats.org/officeDocument/2006/relationships" xmlns:p="http://schemas.openxmlformats.org/presentationml/2006/main">
+  <p:cSld>
+    <p:spTree>
+      <p:nvGrpSpPr>
+        <p:cNvPr id="1" name=""/>
+        <p:cNvGrpSpPr/>
+        <p:nvPr/>
+      </p:nvGrpSpPr>
+      <p:grpSpPr>
+        <a:xfrm>
+          <a:off x="0" y="0"/>
+          <a:ext cx="0" cy="0"/>
+          <a:chOff x="0" y="0"/>
+          <a:chExt cx="0" cy="0"/>
+        </a:xfrm>
+      </p:grpSpPr>
+      <p:sp>
+        <p:nvSpPr>
+          <p:cNvPr id="2" name="Title 1"/>
+          <p:cNvSpPr>
+            <a:spLocks noGrp="1"/>
+          </p:cNvSpPr>
+          <p:nvPr>
+            <p:ph type="title"/>
+          </p:nvPr>
+        </p:nvSpPr>
+        <p:spPr/>
+        <p:txBody>
+          <a:bodyPr/>
+          <a:lstStyle/>
+          <a:p>
+            <a:pPr lvl="0" indent="0" marL="0">
+              <a:buNone/>
+            </a:pPr>
+            <a:r>
+              <a:rPr/>
+              <a:t>Example: Recursive Construction of an Optimal Solution</a:t>
+            </a:r>
+          </a:p>
+        </p:txBody>
+      </p:sp>
+      <p:pic>
+        <p:nvPicPr>
+          <p:cNvPr descr="fig:  assets/ce100-week-5-dp-rec-mcm-3.drawio.svg" id="0" name="Picture 1"/>
+          <p:cNvPicPr>
+            <a:picLocks noGrp="1" noChangeAspect="1"/>
+          </p:cNvPicPr>
+          <p:nvPr/>
+        </p:nvPicPr>
+        <p:blipFill>
+          <a:blip r:embed="rId2"/>
+          <a:stretch>
+            <a:fillRect/>
+          </a:stretch>
+        </p:blipFill>
+        <p:spPr bwMode="auto">
+          <a:xfrm>
+            <a:off x="622300" y="1600200"/>
+            <a:ext cx="7899400" cy="4013200"/>
+          </a:xfrm>
+          <a:prstGeom prst="rect">
+            <a:avLst/>
+          </a:prstGeom>
+          <a:noFill/>
+          <a:ln w="9525">
+            <a:noFill/>
+            <a:headEnd/>
+            <a:tailEnd/>
+          </a:ln>
+        </p:spPr>
+      </p:pic>
+      <p:sp>
+        <p:nvSpPr>
+          <p:cNvPr id="1" name="TextBox 3"/>
+          <p:cNvSpPr txBox="1"/>
+          <p:nvPr/>
+        </p:nvSpPr>
+        <p:spPr>
+          <a:xfrm>
+            <a:off x="457200" y="5613400"/>
+            <a:ext cx="8229600" cy="508000"/>
+          </a:xfrm>
+          <a:prstGeom prst="rect">
+            <a:avLst/>
+          </a:prstGeom>
+          <a:noFill/>
+        </p:spPr>
+        <p:txBody>
+          <a:bodyPr/>
+          <a:lstStyle/>
+          <a:p>
+            <a:pPr lvl="0" indent="0" marL="0" algn="ctr">
+              <a:buNone/>
+            </a:pPr>
+            <a:r>
+              <a:rPr/>
+              <a:t>center</a:t>
+            </a:r>
+          </a:p>
+        </p:txBody>
+      </p:sp>
+    </p:spTree>
+  </p:cSld>
+</p:sld>
+</file>
+
+<file path=ppt/slides/slide64.xml><?xml version="1.0" encoding="UTF-8"?><p:sld xmlns:a="http://schemas.openxmlformats.org/drawingml/2006/main" xmlns:r="http://schemas.openxmlformats.org/officeDocument/2006/relationships" xmlns:p="http://schemas.openxmlformats.org/presentationml/2006/main"><p:cSld><p:spTree><p:nvGrpSpPr><p:cNvPr id="1" name="" /><p:cNvGrpSpPr /><p:nvPr /></p:nvGrpSpPr><p:grpSpPr><a:xfrm><a:off x="0" y="0" /><a:ext cx="0" cy="0" /><a:chOff x="0" y="0" /><a:chExt cx="0" cy="0" /></a:xfrm></p:grpSpPr><p:sp><p:nvSpPr><p:cNvPr id="2" name="Title 1" /><p:cNvSpPr><a:spLocks noGrp="1" /></p:cNvSpPr><p:nvPr><p:ph type="title" /></p:nvPr></p:nvSpPr><p:spPr><a:xfrm><a:off x="457200" y="273050" /><a:ext cx="3008313" cy="1162050" /></a:xfrm></p:spPr><p:txBody><a:bodyPr /><a:lstStyle /><a:p><a:pPr lvl="0" indent="0" marL="0"><a:buNone /></a:pPr><a:r><a:rPr /><a:t>Table reference pattern for </a:t></a:r><a14:m><m:oMath xmlns:m="http://schemas.openxmlformats.org/officeDocument/2006/math"><m:r><m:t>m</m:t></m:r><m:d><m:dPr><m:begChr m:val="[" /><m:endChr m:val="]" /><m:sepChr m:val="" /><m:grow /></m:dPr><m:e><m:r><m:t>i</m:t></m:r><m:r><m:rPr><m:sty m:val="p" /></m:rPr><m:t>,</m:t></m:r><m:r><m:t>j</m:t></m:r></m:e></m:d></m:oMath></a14:m><a:r><a:rPr /><a:t> </a:t></a:r><a14:m><m:oMath xmlns:m="http://schemas.openxmlformats.org/officeDocument/2006/math"><m:d><m:dPr><m:begChr m:val="(" /><m:endChr m:val=")" /><m:sepChr m:val="" /><m:grow /></m:dPr><m:e><m:r><m:t>1</m:t></m:r><m:r><m:rPr><m:sty m:val="p" /></m:rPr><m:t>≤</m:t></m:r><m:r><m:t>i</m:t></m:r><m:r><m:rPr><m:sty m:val="p" /></m:rPr><m:t>≤</m:t></m:r><m:r><m:t>j</m:t></m:r><m:r><m:rPr><m:sty m:val="p" /></m:rPr><m:t>≤</m:t></m:r><m:r><m:t>n</m:t></m:r></m:e></m:d></m:oMath></a14:m></a:p></p:txBody></p:sp><mc:AlternateContent xmlns:mc="http://schemas.openxmlformats.org/markup-compatibility/2006"><mc:Choice xmlns:a14="http://schemas.microsoft.com/office/drawing/2010/main" Requires="a14"><p:sp><p:nvSpPr><p:cNvPr id="4" name="Text Placeholder 3" /><p:cNvSpPr><a:spLocks noGrp="1" /></p:cNvSpPr><p:nvPr><p:ph idx="2" sz="half" type="body" /></p:nvPr></p:nvSpPr><p:spPr /><p:txBody><a:bodyPr /><a:lstStyle /><a:p><a:pPr lvl="0" /><a14:m><m:oMath xmlns:m="http://schemas.openxmlformats.org/officeDocument/2006/math"><m:r><m:t>m</m:t></m:r><m:d><m:dPr><m:begChr m:val="[" /><m:endChr m:val="]" /><m:sepChr m:val="" /><m:grow /></m:dPr><m:e><m:r><m:t>i</m:t></m:r><m:r><m:rPr><m:sty m:val="p" /></m:rPr><m:t>,</m:t></m:r><m:r><m:t>j</m:t></m:r></m:e></m:d></m:oMath></a14:m><a:r><a:rPr /><a:t> is referenced for the computation of</a:t></a:r></a:p><a:p><a:pPr lvl="1" /><a14:m><m:oMath xmlns:m="http://schemas.openxmlformats.org/officeDocument/2006/math"><m:r><m:t>m</m:t></m:r><m:d><m:dPr><m:begChr m:val="[" /><m:endChr m:val="]" /><m:sepChr m:val="" /><m:grow /></m:dPr><m:e><m:r><m:t>i</m:t></m:r><m:r><m:rPr><m:sty m:val="p" /></m:rPr><m:t>,</m:t></m:r><m:r><m:t>r</m:t></m:r></m:e></m:d><m:r><m:t> </m:t></m:r><m:r><m:rPr><m:nor /><m:sty m:val="p" /></m:rPr><m:t>for</m:t></m:r><m:r><m:t> </m:t></m:r><m:r><m:t>j</m:t></m:r><m:r><m:rPr><m:sty m:val="p" /></m:rPr><m:t>&lt;</m:t></m:r><m:r><m:t>r</m:t></m:r><m:r><m:rPr><m:sty m:val="p" /></m:rPr><m:t>≤</m:t></m:r><m:r><m:t>n</m:t></m:r><m:r><m:t> </m:t></m:r><m:d><m:dPr><m:begChr m:val="(" /><m:endChr m:val=")" /><m:sepChr m:val="" /><m:grow /></m:dPr><m:e><m:r><m:t>n</m:t></m:r><m:r><m:rPr><m:sty m:val="p" /></m:rPr><m:t>−</m:t></m:r><m:r><m:t>j</m:t></m:r></m:e></m:d></m:oMath></a14:m><a:r><a:rPr /><a:t> times</a:t></a:r></a:p><a:p><a:pPr lvl="1" /><a14:m><m:oMath xmlns:m="http://schemas.openxmlformats.org/officeDocument/2006/math"><m:r><m:t>m</m:t></m:r><m:d><m:dPr><m:begChr m:val="[" /><m:endChr m:val="]" /><m:sepChr m:val="" /><m:grow /></m:dPr><m:e><m:r><m:t>r</m:t></m:r><m:r><m:rPr><m:sty m:val="p" /></m:rPr><m:t>,</m:t></m:r><m:r><m:t>j</m:t></m:r></m:e></m:d><m:r><m:t> </m:t></m:r><m:r><m:rPr><m:nor /><m:sty m:val="p" /></m:rPr><m:t>for</m:t></m:r><m:r><m:t> </m:t></m:r><m:r><m:t>1</m:t></m:r><m:r><m:rPr><m:sty m:val="p" /></m:rPr><m:t>≤</m:t></m:r><m:r><m:t>r</m:t></m:r><m:r><m:rPr><m:sty m:val="p" /></m:rPr><m:t>&lt;</m:t></m:r><m:r><m:t>i</m:t></m:r><m:r><m:t> </m:t></m:r><m:d><m:dPr><m:begChr m:val="(" /><m:endChr m:val=")" /><m:sepChr m:val="" /><m:grow /></m:dPr><m:e><m:r><m:t>i</m:t></m:r><m:r><m:rPr><m:sty m:val="p" /></m:rPr><m:t>−</m:t></m:r><m:r><m:t>1</m:t></m:r></m:e></m:d></m:oMath></a14:m><a:r><a:rPr /><a:t> times</a:t></a:r></a:p></p:txBody></p:sp></mc:Choice></mc:AlternateContent><p:pic><p:nvPicPr><p:cNvPr descr="fig:
+
+assets/ce100-week-5-dp-table-ref-pattern-1.drawio.svg" id="0" name="Picture 1" /><p:cNvPicPr><a:picLocks noGrp="1" noChangeAspect="1" /></p:cNvPicPr><p:nvPr /></p:nvPicPr><p:blipFill><a:blip r:embed="rId2" /><a:stretch><a:fillRect /></a:stretch></p:blipFill><p:spPr bwMode="auto"><a:xfrm><a:off x="3568700" y="431800" /><a:ext cx="5105400" cy="5003800" /></a:xfrm><a:prstGeom prst="rect"><a:avLst /></a:prstGeom><a:noFill /><a:ln w="9525"><a:noFill /><a:headEnd /><a:tailEnd /></a:ln></p:spPr></p:pic><p:sp><p:nvSpPr><p:cNvPr id="1" name="TextBox 3" /><p:cNvSpPr txBox="1" /><p:nvPr /></p:nvSpPr><p:spPr><a:xfrm><a:off x="3568700" y="5600700" /><a:ext cx="5105400" cy="508000" /></a:xfrm><a:prstGeom prst="rect"><a:avLst /></a:prstGeom><a:noFill /></p:spPr><p:txBody><a:bodyPr /><a:lstStyle /><a:p><a:pPr lvl="0" indent="0" marL="0" algn="ctr"><a:buNone /></a:pPr><a:r><a:rPr /><a:t>bg right:60% h:700px</a:t></a:r></a:p></p:txBody></p:sp></p:spTree></p:cSld></p:sld>
+</file>
+
+<file path=ppt/slides/slide65.xml><?xml version="1.0" encoding="UTF-8"?><p:sld xmlns:a="http://schemas.openxmlformats.org/drawingml/2006/main" xmlns:r="http://schemas.openxmlformats.org/officeDocument/2006/relationships" xmlns:p="http://schemas.openxmlformats.org/presentationml/2006/main"><p:cSld><p:spTree><p:nvGrpSpPr><p:cNvPr id="1" name="" /><p:cNvGrpSpPr /><p:nvPr /></p:nvGrpSpPr><p:grpSpPr><a:xfrm><a:off x="0" y="0" /><a:ext cx="0" cy="0" /><a:chOff x="0" y="0" /><a:chExt cx="0" cy="0" /></a:xfrm></p:grpSpPr><p:sp><p:nvSpPr><p:cNvPr id="2" name="Title 1" /><p:cNvSpPr><a:spLocks noGrp="1" /></p:cNvSpPr><p:nvPr><p:ph type="title" /></p:nvPr></p:nvSpPr><p:spPr><a:xfrm><a:off x="457200" y="273050" /><a:ext cx="3008313" cy="1162050" /></a:xfrm></p:spPr><p:txBody><a:bodyPr /><a:lstStyle /><a:p><a:pPr lvl="0" indent="0" marL="0"><a:buNone /></a:pPr><a:r><a:rPr /><a:t>Table reference pattern for </a:t></a:r><a14:m><m:oMath xmlns:m="http://schemas.openxmlformats.org/officeDocument/2006/math"><m:r><m:t>m</m:t></m:r><m:d><m:dPr><m:begChr m:val="[" /><m:endChr m:val="]" /><m:sepChr m:val="" /><m:grow /></m:dPr><m:e><m:r><m:t>i</m:t></m:r><m:r><m:rPr><m:sty m:val="p" /></m:rPr><m:t>,</m:t></m:r><m:r><m:t>j</m:t></m:r></m:e></m:d></m:oMath></a14:m><a:r><a:rPr /><a:t> </a:t></a:r><a14:m><m:oMath xmlns:m="http://schemas.openxmlformats.org/officeDocument/2006/math"><m:d><m:dPr><m:begChr m:val="(" /><m:endChr m:val=")" /><m:sepChr m:val="" /><m:grow /></m:dPr><m:e><m:r><m:t>1</m:t></m:r><m:r><m:rPr><m:sty m:val="p" /></m:rPr><m:t>≤</m:t></m:r><m:r><m:t>i</m:t></m:r><m:r><m:rPr><m:sty m:val="p" /></m:rPr><m:t>≤</m:t></m:r><m:r><m:t>j</m:t></m:r><m:r><m:rPr><m:sty m:val="p" /></m:rPr><m:t>≤</m:t></m:r><m:r><m:t>n</m:t></m:r></m:e></m:d></m:oMath></a14:m></a:p></p:txBody></p:sp><mc:AlternateContent xmlns:mc="http://schemas.openxmlformats.org/markup-compatibility/2006"><mc:Choice xmlns:a14="http://schemas.microsoft.com/office/drawing/2010/main" Requires="a14"><p:sp><p:nvSpPr><p:cNvPr id="4" name="Text Placeholder 3" /><p:cNvSpPr><a:spLocks noGrp="1" /></p:cNvSpPr><p:nvPr><p:ph idx="2" sz="half" type="body" /></p:nvPr></p:nvSpPr><p:spPr /><p:txBody><a:bodyPr /><a:lstStyle /><a:p><a:pPr lvl="0" /><a14:m><m:oMath xmlns:m="http://schemas.openxmlformats.org/officeDocument/2006/math"><m:r><m:t>R</m:t></m:r><m:d><m:dPr><m:begChr m:val="(" /><m:endChr m:val=")" /><m:sepChr m:val="" /><m:grow /></m:dPr><m:e><m:r><m:t>i</m:t></m:r><m:r><m:rPr><m:sty m:val="p" /></m:rPr><m:t>,</m:t></m:r><m:r><m:t>j</m:t></m:r></m:e></m:d></m:oMath></a14:m><a:r><a:rPr /><a:t> = </a:t></a:r><a14:m><m:oMath xmlns:m="http://schemas.openxmlformats.org/officeDocument/2006/math"><m:r><m:rPr><m:sty m:val="p" /></m:rPr><m:t>#</m:t></m:r></m:oMath></a14:m><a:r><a:rPr /><a:t> of times that </a:t></a:r><a14:m><m:oMath xmlns:m="http://schemas.openxmlformats.org/officeDocument/2006/math"><m:r><m:t>m</m:t></m:r><m:d><m:dPr><m:begChr m:val="[" /><m:endChr m:val="]" /><m:sepChr m:val="" /><m:grow /></m:dPr><m:e><m:r><m:t>i</m:t></m:r><m:r><m:rPr><m:sty m:val="p" /></m:rPr><m:t>,</m:t></m:r><m:r><m:t>j</m:t></m:r></m:e></m:d></m:oMath></a14:m><a:r><a:rPr /><a:t> is referenced in computing other entries</a:t></a:r></a:p><a:p><a:pPr lvl="0" indent="0" marL="0"><a:buNone /></a:pPr><a14:m><m:oMathPara xmlns:m="http://schemas.openxmlformats.org/officeDocument/2006/math"><m:oMathParaPr><m:jc m:val="center" /></m:oMathParaPr><m:oMath><m:m><m:mPr><m:baseJc m:val="center" /><m:plcHide m:val="1" /><m:mcs><m:mc><m:mcPr><m:mcJc m:val="right" /><m:count m:val="1" /></m:mcPr></m:mc><m:mc><m:mcPr><m:mcJc m:val="left" /><m:count m:val="1" /></m:mcPr></m:mc></m:mcs></m:mPr><m:mr><m:e><m:r><m:t>R</m:t></m:r><m:d><m:dPr><m:begChr m:val="(" /><m:endChr m:val=")" /><m:sepChr m:val="" /><m:grow /></m:dPr><m:e><m:r><m:t>i</m:t></m:r><m:r><m:rPr><m:sty m:val="p" /></m:rPr><m:t>,</m:t></m:r><m:r><m:t>j</m:t></m:r></m:e></m:d></m:e><m:e><m:r><m:rPr><m:sty m:val="p" /></m:rPr><m:t>=</m:t></m:r><m:d><m:dPr><m:begChr m:val="(" /><m:endChr m:val=")" /><m:sepChr m:val="" /><m:grow /></m:dPr><m:e><m:r><m:t>n</m:t></m:r><m:r><m:rPr><m:sty m:val="p" /></m:rPr><m:t>−</m:t></m:r><m:r><m:t>j</m:t></m:r></m:e></m:d><m:r><m:rPr><m:sty m:val="p" /></m:rPr><m:t>+</m:t></m:r><m:d><m:dPr><m:begChr m:val="(" /><m:endChr m:val=")" /><m:sepChr m:val="" /><m:grow /></m:dPr><m:e><m:r><m:t>i</m:t></m:r><m:r><m:rPr><m:sty m:val="p" /></m:rPr><m:t>−</m:t></m:r><m:r><m:t>1</m:t></m:r></m:e></m:d></m:e></m:mr><m:mr><m:e /><m:e><m:r><m:rPr><m:sty m:val="p" /></m:rPr><m:t>=</m:t></m:r><m:d><m:dPr><m:begChr m:val="(" /><m:endChr m:val=")" /><m:sepChr m:val="" /><m:grow /></m:dPr><m:e><m:r><m:t>n</m:t></m:r><m:r><m:rPr><m:sty m:val="p" /></m:rPr><m:t>−</m:t></m:r><m:r><m:t>1</m:t></m:r></m:e></m:d><m:r><m:rPr><m:sty m:val="p" /></m:rPr><m:t>−</m:t></m:r><m:d><m:dPr><m:begChr m:val="(" /><m:endChr m:val=")" /><m:sepChr m:val="" /><m:grow /></m:dPr><m:e><m:r><m:t>j</m:t></m:r><m:r><m:rPr><m:sty m:val="p" /></m:rPr><m:t>−</m:t></m:r><m:r><m:t>i</m:t></m:r></m:e></m:d></m:e></m:mr></m:m></m:oMath></m:oMathPara></a14:m></a:p><a:p><a:pPr lvl="0" /><a:r><a:rPr /><a:t>The total </a:t></a:r><a14:m><m:oMath xmlns:m="http://schemas.openxmlformats.org/officeDocument/2006/math"><m:r><m:rPr><m:sty m:val="p" /></m:rPr><m:t>#</m:t></m:r></m:oMath></a14:m><a:r><a:rPr /><a:t> of references for the entire table is: </a:t></a:r><a14:m><m:oMath xmlns:m="http://schemas.openxmlformats.org/officeDocument/2006/math"><m:nary><m:naryPr><m:chr m:val="∑" /><m:limLoc m:val="undOvr" /><m:subHide m:val="0" /><m:supHide m:val="0" /></m:naryPr><m:sub><m:r><m:t>i</m:t></m:r><m:r><m:rPr><m:sty m:val="p" /></m:rPr><m:t>=</m:t></m:r><m:r><m:t>1</m:t></m:r></m:sub><m:sup><m:r><m:t>n</m:t></m:r></m:sup><m:e><m:nary><m:naryPr><m:chr m:val="∑" /><m:limLoc m:val="undOvr" /><m:subHide m:val="0" /><m:supHide m:val="0" /></m:naryPr><m:sub><m:r><m:t>j</m:t></m:r><m:r><m:rPr><m:sty m:val="p" /></m:rPr><m:t>=</m:t></m:r><m:r><m:t>i</m:t></m:r></m:sub><m:sup><m:r><m:t>n</m:t></m:r></m:sup><m:e><m:r><m:t>R</m:t></m:r></m:e></m:nary></m:e></m:nary><m:d><m:dPr><m:begChr m:val="(" /><m:endChr m:val=")" /><m:sepChr m:val="" /><m:grow /></m:dPr><m:e><m:r><m:t>i</m:t></m:r><m:r><m:rPr><m:sty m:val="p" /></m:rPr><m:t>,</m:t></m:r><m:r><m:t>j</m:t></m:r></m:e></m:d><m:r><m:rPr><m:sty m:val="p" /></m:rPr><m:t>=</m:t></m:r><m:f><m:fPr><m:type m:val="bar" /></m:fPr><m:num><m:sSup><m:e><m:r><m:t>n</m:t></m:r></m:e><m:sup><m:r><m:t>3</m:t></m:r></m:sup></m:sSup><m:r><m:rPr><m:sty m:val="p" /></m:rPr><m:t>−</m:t></m:r><m:r><m:t>n</m:t></m:r></m:num><m:den><m:r><m:t>3</m:t></m:r></m:den></m:f></m:oMath></a14:m></a:p></p:txBody></p:sp></mc:Choice></mc:AlternateContent><p:pic><p:nvPicPr><p:cNvPr descr="fig:
+
+assets/ce100-week-5-dp-table-ref-pattern-2.drawio.svg" id="0" name="Picture 1" /><p:cNvPicPr><a:picLocks noGrp="1" noChangeAspect="1" /></p:cNvPicPr><p:nvPr /></p:nvPicPr><p:blipFill><a:blip r:embed="rId2" /><a:stretch><a:fillRect /></a:stretch></p:blipFill><p:spPr bwMode="auto"><a:xfrm><a:off x="3568700" y="482600" /><a:ext cx="5105400" cy="4902200" /></a:xfrm><a:prstGeom prst="rect"><a:avLst /></a:prstGeom><a:noFill /><a:ln w="9525"><a:noFill /><a:headEnd /><a:tailEnd /></a:ln></p:spPr></p:pic><p:sp><p:nvSpPr><p:cNvPr id="1" name="TextBox 3" /><p:cNvSpPr txBox="1" /><p:nvPr /></p:nvSpPr><p:spPr><a:xfrm><a:off x="3568700" y="5600700" /><a:ext cx="5105400" cy="508000" /></a:xfrm><a:prstGeom prst="rect"><a:avLst /></a:prstGeom><a:noFill /></p:spPr><p:txBody><a:bodyPr /><a:lstStyle /><a:p><a:pPr lvl="0" indent="0" marL="0" algn="ctr"><a:buNone /></a:pPr><a:r><a:rPr /><a:t>bg right:40% h:490px</a:t></a:r></a:p></p:txBody></p:sp></p:spTree></p:cSld></p:sld>
+</file>
+
+<file path=ppt/slides/slide66.xml><?xml version="1.0" encoding="utf-8"?>
+<p:sld xmlns:a="http://schemas.openxmlformats.org/drawingml/2006/main" xmlns:r="http://schemas.openxmlformats.org/officeDocument/2006/relationships" xmlns:p="http://schemas.openxmlformats.org/presentationml/2006/main">
+  <p:cSld>
+    <p:spTree>
+      <p:nvGrpSpPr>
+        <p:cNvPr id="1" name=""/>
+        <p:cNvGrpSpPr/>
+        <p:nvPr/>
+      </p:nvGrpSpPr>
+      <p:grpSpPr>
+        <a:xfrm>
+          <a:off x="0" y="0"/>
+          <a:ext cx="0" cy="0"/>
+          <a:chOff x="0" y="0"/>
+          <a:chExt cx="0" cy="0"/>
+        </a:xfrm>
+      </p:grpSpPr>
+      <p:sp>
+        <p:nvSpPr>
+          <p:cNvPr id="2" name="Title 1"/>
+          <p:cNvSpPr>
+            <a:spLocks noGrp="1"/>
+          </p:cNvSpPr>
+          <p:nvPr>
+            <p:ph type="title"/>
+          </p:nvPr>
+        </p:nvSpPr>
+        <p:spPr/>
+        <p:txBody>
+          <a:bodyPr/>
+          <a:lstStyle/>
+          <a:p>
+            <a:pPr lvl="0" indent="0" marL="0">
+              <a:buNone/>
+            </a:pPr>
+            <a:r>
+              <a:rPr/>
+              <a:t>Summary</a:t>
+            </a:r>
+          </a:p>
+        </p:txBody>
+      </p:sp>
+      <p:sp>
+        <p:nvSpPr>
+          <p:cNvPr id="3" name="Content Placeholder 2"/>
+          <p:cNvSpPr>
+            <a:spLocks noGrp="1"/>
+          </p:cNvSpPr>
+          <p:nvPr>
+            <p:ph idx="1"/>
+          </p:nvPr>
+        </p:nvSpPr>
+        <p:spPr/>
+        <p:txBody>
+          <a:bodyPr/>
+          <a:lstStyle/>
+          <a:p>
+            <a:pPr lvl="0"/>
+            <a:r>
+              <a:rPr/>
+              <a:t>Identification of the optimal substructure property</a:t>
+            </a:r>
+          </a:p>
+          <a:p>
+            <a:pPr lvl="0"/>
+            <a:r>
+              <a:rPr/>
+              <a:t>Recursive formulation to compute the cost of the optimal solution</a:t>
+            </a:r>
+          </a:p>
+          <a:p>
+            <a:pPr lvl="0"/>
+            <a:r>
+              <a:rPr/>
+              <a:t>Bottom-up computation of the table entries</a:t>
+            </a:r>
+          </a:p>
+          <a:p>
+            <a:pPr lvl="0"/>
+            <a:r>
+              <a:rPr/>
+              <a:t>Constructing the optimal solution by backtracing the table entries</a:t>
+            </a:r>
+          </a:p>
+        </p:txBody>
+      </p:sp>
+    </p:spTree>
+  </p:cSld>
+</p:sld>
+</file>
+
+<file path=ppt/slides/slide67.xml><?xml version="1.0" encoding="utf-8"?>
+<p:sld xmlns:a="http://schemas.openxmlformats.org/drawingml/2006/main" xmlns:r="http://schemas.openxmlformats.org/officeDocument/2006/relationships" xmlns:p="http://schemas.openxmlformats.org/presentationml/2006/main">
+  <p:cSld>
+    <p:spTree>
+      <p:nvGrpSpPr>
+        <p:cNvPr id="1" name=""/>
+        <p:cNvGrpSpPr/>
+        <p:nvPr/>
+      </p:nvGrpSpPr>
+      <p:grpSpPr>
+        <a:xfrm>
+          <a:off x="0" y="0"/>
+          <a:ext cx="0" cy="0"/>
+          <a:chOff x="0" y="0"/>
+          <a:chExt cx="0" cy="0"/>
+        </a:xfrm>
+      </p:grpSpPr>
+      <p:sp>
+        <p:nvSpPr>
+          <p:cNvPr id="2" name="Title 1"/>
+          <p:cNvSpPr>
+            <a:spLocks noGrp="1"/>
+          </p:cNvSpPr>
+          <p:nvPr>
+            <p:ph type="title"/>
+          </p:nvPr>
+        </p:nvSpPr>
+        <p:spPr/>
+        <p:txBody>
+          <a:bodyPr/>
+          <a:lstStyle/>
+          <a:p>
+            <a:pPr lvl="0" indent="0" marL="0">
+              <a:buNone/>
+            </a:pPr>
+            <a:r>
+              <a:rPr/>
+              <a:t>References</a:t>
+            </a:r>
+          </a:p>
+        </p:txBody>
+      </p:sp>
+      <p:sp>
+        <p:nvSpPr>
+          <p:cNvPr id="3" name="Content Placeholder 2"/>
+          <p:cNvSpPr>
+            <a:spLocks noGrp="1"/>
+          </p:cNvSpPr>
+          <p:nvPr>
+            <p:ph idx="1"/>
+          </p:nvPr>
+        </p:nvSpPr>
+        <p:spPr/>
+        <p:txBody>
+          <a:bodyPr/>
+          <a:lstStyle/>
+          <a:p>
+            <a:pPr lvl="0"/>
+            <a:r>
+              <a:rPr>
+                <a:hlinkClick r:id="rId2"/>
+              </a:rPr>
+              <a:t>Introduction to Algorithms, Third Edition | The MIT Press</a:t>
+            </a:r>
+          </a:p>
+          <a:p>
+            <a:pPr lvl="0"/>
+            <a:r>
+              <a:rPr>
+                <a:hlinkClick r:id="rId3"/>
+              </a:rPr>
+              <a:t>Bilkent CS473 Course Notes (new)</a:t>
+            </a:r>
+          </a:p>
+          <a:p>
+            <a:pPr lvl="0"/>
+            <a:r>
+              <a:rPr>
+                <a:hlinkClick r:id="rId4"/>
+              </a:rPr>
+              <a:t>Bilkent CS473 Course Notes (old)</a:t>
+            </a:r>
+          </a:p>
+        </p:txBody>
+      </p:sp>
+    </p:spTree>
+  </p:cSld>
+</p:sld>
+</file>
+
+<file path=ppt/slides/slide68.xml><?xml version="1.0" encoding="utf-8"?>
 <p:sld xmlns:a="http://schemas.openxmlformats.org/drawingml/2006/main" xmlns:r="http://schemas.openxmlformats.org/officeDocument/2006/relationships" xmlns:p="http://schemas.openxmlformats.org/presentationml/2006/main">
   <p:cSld>
     <p:spTree>
@@ -17899,79 +24397,6 @@
           </p:sp>
         </mc:Choice>
       </mc:AlternateContent>
-    </p:spTree>
-  </p:cSld>
-</p:sld>
-</file>
-
-<file path=ppt/slides/slide6.xml><?xml version="1.0" encoding="utf-8"?>
-<p:sld xmlns:a="http://schemas.openxmlformats.org/drawingml/2006/main" xmlns:r="http://schemas.openxmlformats.org/officeDocument/2006/relationships" xmlns:p="http://schemas.openxmlformats.org/presentationml/2006/main">
-  <p:cSld>
-    <p:spTree>
-      <p:nvGrpSpPr>
-        <p:cNvPr id="1" name=""/>
-        <p:cNvGrpSpPr/>
-        <p:nvPr/>
-      </p:nvGrpSpPr>
-      <p:grpSpPr>
-        <a:xfrm>
-          <a:off x="0" y="0"/>
-          <a:ext cx="0" cy="0"/>
-          <a:chOff x="0" y="0"/>
-          <a:chExt cx="0" cy="0"/>
-        </a:xfrm>
-      </p:grpSpPr>
-      <p:sp>
-        <p:nvSpPr>
-          <p:cNvPr id="3" name="Content Placeholder 2"/>
-          <p:cNvSpPr>
-            <a:spLocks noGrp="1"/>
-          </p:cNvSpPr>
-          <p:nvPr>
-            <p:ph idx="1"/>
-          </p:nvPr>
-        </p:nvSpPr>
-        <p:spPr/>
-        <p:txBody>
-          <a:bodyPr/>
-          <a:lstStyle/>
-          <a:p>
-            <a:pPr lvl="0"/>
-            <a:r>
-              <a:rPr/>
-              <a:t>Fibonacci Numbers</a:t>
-            </a:r>
-          </a:p>
-          <a:p>
-            <a:pPr lvl="1"/>
-            <a:r>
-              <a:rPr/>
-              <a:t>Recursive Solution</a:t>
-            </a:r>
-          </a:p>
-          <a:p>
-            <a:pPr lvl="1"/>
-            <a:r>
-              <a:rPr/>
-              <a:t>Bottom-Up Solution</a:t>
-            </a:r>
-          </a:p>
-          <a:p>
-            <a:pPr lvl="0"/>
-            <a:r>
-              <a:rPr/>
-              <a:t>Optimization Problems</a:t>
-            </a:r>
-          </a:p>
-          <a:p>
-            <a:pPr lvl="0"/>
-            <a:r>
-              <a:rPr/>
-              <a:t>Development of a DP Algorithms</a:t>
-            </a:r>
-          </a:p>
-        </p:txBody>
-      </p:sp>
     </p:spTree>
   </p:cSld>
 </p:sld>

--- a/docs/week-5/ce100-week-5-dp.md_word.pptx
+++ b/docs/week-5/ce100-week-5-dp.md_word.pptx
@@ -4270,13 +4270,180 @@
                 <a:pPr lvl="0" indent="0" marL="0">
                   <a:buNone/>
                 </a:pPr>
-                <a:r>
-                  <a:rPr/>
-                  <a:t>$$
-F(0)=0 \text{ and } F(1)=1 \\
-F(n)=F(n-1)+F(n-2)
-$$</a:t>
-                </a:r>
+                <a14:m>
+                  <m:oMathPara xmlns:m="http://schemas.openxmlformats.org/officeDocument/2006/math">
+                    <m:oMathParaPr>
+                      <m:jc m:val="center"/>
+                    </m:oMathParaPr>
+                    <m:oMath>
+                      <m:m>
+                        <m:mPr>
+                          <m:baseJc m:val="center"/>
+                          <m:plcHide m:val="1"/>
+                          <m:mcs>
+                            <m:mc>
+                              <m:mcPr>
+                                <m:mcJc m:val="right"/>
+                                <m:count m:val="1"/>
+                              </m:mcPr>
+                            </m:mc>
+                            <m:mc>
+                              <m:mcPr>
+                                <m:mcJc m:val="left"/>
+                                <m:count m:val="1"/>
+                              </m:mcPr>
+                            </m:mc>
+                          </m:mcs>
+                        </m:mPr>
+                        <m:mr>
+                          <m:e/>
+                          <m:e>
+                            <m:r>
+                              <m:t>F</m:t>
+                            </m:r>
+                            <m:d>
+                              <m:dPr>
+                                <m:begChr m:val="("/>
+                                <m:endChr m:val=")"/>
+                                <m:sepChr m:val=""/>
+                                <m:grow/>
+                              </m:dPr>
+                              <m:e>
+                                <m:r>
+                                  <m:t>0</m:t>
+                                </m:r>
+                              </m:e>
+                            </m:d>
+                            <m:r>
+                              <m:rPr>
+                                <m:sty m:val="p"/>
+                              </m:rPr>
+                              <m:t>=</m:t>
+                            </m:r>
+                            <m:r>
+                              <m:t>0</m:t>
+                            </m:r>
+                            <m:r>
+                              <m:rPr>
+                                <m:nor/>
+                                <m:sty m:val="p"/>
+                              </m:rPr>
+                              <m:t> and </m:t>
+                            </m:r>
+                            <m:r>
+                              <m:t>F</m:t>
+                            </m:r>
+                            <m:d>
+                              <m:dPr>
+                                <m:begChr m:val="("/>
+                                <m:endChr m:val=")"/>
+                                <m:sepChr m:val=""/>
+                                <m:grow/>
+                              </m:dPr>
+                              <m:e>
+                                <m:r>
+                                  <m:t>1</m:t>
+                                </m:r>
+                              </m:e>
+                            </m:d>
+                            <m:r>
+                              <m:rPr>
+                                <m:sty m:val="p"/>
+                              </m:rPr>
+                              <m:t>=</m:t>
+                            </m:r>
+                            <m:r>
+                              <m:t>1</m:t>
+                            </m:r>
+                          </m:e>
+                        </m:mr>
+                        <m:mr>
+                          <m:e/>
+                          <m:e>
+                            <m:r>
+                              <m:t>F</m:t>
+                            </m:r>
+                            <m:d>
+                              <m:dPr>
+                                <m:begChr m:val="("/>
+                                <m:endChr m:val=")"/>
+                                <m:sepChr m:val=""/>
+                                <m:grow/>
+                              </m:dPr>
+                              <m:e>
+                                <m:r>
+                                  <m:t>n</m:t>
+                                </m:r>
+                              </m:e>
+                            </m:d>
+                            <m:r>
+                              <m:rPr>
+                                <m:sty m:val="p"/>
+                              </m:rPr>
+                              <m:t>=</m:t>
+                            </m:r>
+                            <m:r>
+                              <m:t>F</m:t>
+                            </m:r>
+                            <m:d>
+                              <m:dPr>
+                                <m:begChr m:val="("/>
+                                <m:endChr m:val=")"/>
+                                <m:sepChr m:val=""/>
+                                <m:grow/>
+                              </m:dPr>
+                              <m:e>
+                                <m:r>
+                                  <m:t>n</m:t>
+                                </m:r>
+                                <m:r>
+                                  <m:rPr>
+                                    <m:sty m:val="p"/>
+                                  </m:rPr>
+                                  <m:t>−</m:t>
+                                </m:r>
+                                <m:r>
+                                  <m:t>1</m:t>
+                                </m:r>
+                              </m:e>
+                            </m:d>
+                            <m:r>
+                              <m:rPr>
+                                <m:sty m:val="p"/>
+                              </m:rPr>
+                              <m:t>+</m:t>
+                            </m:r>
+                            <m:r>
+                              <m:t>F</m:t>
+                            </m:r>
+                            <m:d>
+                              <m:dPr>
+                                <m:begChr m:val="("/>
+                                <m:endChr m:val=")"/>
+                                <m:sepChr m:val=""/>
+                                <m:grow/>
+                              </m:dPr>
+                              <m:e>
+                                <m:r>
+                                  <m:t>n</m:t>
+                                </m:r>
+                                <m:r>
+                                  <m:rPr>
+                                    <m:sty m:val="p"/>
+                                  </m:rPr>
+                                  <m:t>−</m:t>
+                                </m:r>
+                                <m:r>
+                                  <m:t>2</m:t>
+                                </m:r>
+                              </m:e>
+                            </m:d>
+                          </m:e>
+                        </m:mr>
+                      </m:m>
+                    </m:oMath>
+                  </m:oMathPara>
+                </a14:m>
               </a:p>
               <a:p>
                 <a:pPr lvl="0"/>

--- a/docs/week-5/ce100-week-5-dp.md_word.pptx
+++ b/docs/week-5/ce100-week-5-dp.md_word.pptx
@@ -19535,18 +19535,20 @@
                   <a:t>$$
 m_{ij}=\underset{i \leq k &lt; j}{MIN} \{ m_{ik} + m_{k+1,j} + p_{i-1} p_k p_j \} \\[10pt]
 \begin{align*}
+\begin{aligned}
 A_1 &amp;: (30 \times 35) \\
 A_2 &amp;: (35 \times 15) \\
 A_3 &amp;: (15 \times 5) \\
 A_4 &amp;: (5 \times 10) \\
 A_5 &amp;: (10 \times 20) \\
 A_6 &amp;: (20 \times 25)
-\end{align*}
-\begin{align*}
+\end{aligned}
+\begin{aligned}
 &amp; ((A_2)\overbrace{\vdots}^{ (k=2) } (A_3 A_4 A_5)) \\[10 pt]
 \quad cost &amp;= m_{22} + m_{35} + p_1p_2p_5 \\
 &amp;= 0 + 2500 + 35 \times 15 \times 20 \\
 &amp;= 13000
+\end{aligned}
 \end{align*}
 $$</a:t>
                 </a:r>
@@ -19741,18 +19743,20 @@
                   <a:t>$$
 m_{ij}=\underset{i \leq k &lt; j}{MIN} \{ m_{ik} + m_{k+1,j} + p_{i-1} p_k p_j \} \\[10pt]
 \begin{align*}
+\begin{aligned}
 A_1 &amp;: (30 \times 35) \\
 A_2 &amp;: (35 \times 15) \\
 A_3 &amp;: (15 \times 5) \\
 A_4 &amp;: (5 \times 10) \\
 A_5 &amp;: (10 \times 20) \\
 A_6 &amp;: (20 \times 25)
-\end{align*}
-\begin{align*}
+\end{aligned}
+\begin{aligned}
 &amp; ((A_2 A_3) \overbrace{\vdots}^{ (k=3) } (A_4 A_5)) \\[10 pt]
 \quad cost &amp;= m_{23} + m_{45} + p_1p_3p_5 \\
 &amp;= 2625 + 1000 + 35 \times 5 \times 20 \\
 &amp;= 7125
+\end{aligned}
 \end{align*}
 $$</a:t>
                 </a:r>
@@ -19947,18 +19951,20 @@
                   <a:t>$$
 m_{ij}=\underset{i \leq k &lt; j}{MIN} \{ m_{ik} + m_{k+1,j} + p_{i-1} p_k p_j \} \\[10pt]
 \begin{align*}
+\begin{aligned}
 A_1 &amp;: (30 \times 35) \\
 A_2 &amp;: (35 \times 15) \\
 A_3 &amp;: (15 \times 5) \\
 A_4 &amp;: (5 \times 10) \\
 A_5 &amp;: (10 \times 20) \\
 A_6 &amp;: (20 \times 25)
-\end{align*}
-\begin{align*}
+\end{aligned}
+\begin{aligned}
 &amp; ((A_2 A_3 A_4)\overbrace{\vdots}^{ (k=4) }(A_5)) \\[10 pt]
 \quad cost &amp;= m_{24} + m_{55} + p_1p_4p_5 \\
 &amp;= 4375 + 0 + 35 \times 10 \times 20 \\
 &amp;= 11375
+\end{aligned}
 \end{align*}
 $$</a:t>
                 </a:r>
@@ -20150,7 +20156,7 @@
                 </a:pPr>
                 <a:r>
                   <a:rPr/>
-                  <a:t>$$ m_{ij}= { m_{ik} + m_{k+1,j} + p_{i-1} p_k p_j } \[10pt]   </a:t>
+                  <a:t>$$ m_{ij}= { m_{ik} + m_{k+1,j} + p_{i-1} p_k p_j } \[10pt] </a:t>
                 </a:r>
               </a:p>
               <a:p>

--- a/docs/week-5/ce100-week-5-dp.md_word.pptx
+++ b/docs/week-5/ce100-week-5-dp.md_word.pptx
@@ -19303,22 +19303,22 @@
 assets/ce100-week-5-dp-table-acc-pattern-1.drawio.svg" id="0" name="Picture 1" /><p:cNvPicPr><a:picLocks noGrp="1" noChangeAspect="1" /></p:cNvPicPr><p:nvPr /></p:nvPicPr><p:blipFill><a:blip r:embed="rId2" /><a:stretch><a:fillRect /></a:stretch></p:blipFill><p:spPr bwMode="auto"><a:xfrm><a:off x="3568700" y="457200" /><a:ext cx="5105400" cy="4953000" /></a:xfrm><a:prstGeom prst="rect"><a:avLst /></a:prstGeom><a:noFill /><a:ln w="9525"><a:noFill /><a:headEnd /><a:tailEnd /></a:ln></p:spPr></p:pic><p:sp><p:nvSpPr><p:cNvPr id="1" name="TextBox 3" /><p:cNvSpPr txBox="1" /><p:nvPr /></p:nvSpPr><p:spPr><a:xfrm><a:off x="3568700" y="5600700" /><a:ext cx="5105400" cy="508000" /></a:xfrm><a:prstGeom prst="rect"><a:avLst /></a:prstGeom><a:noFill /></p:spPr><p:txBody><a:bodyPr /><a:lstStyle /><a:p><a:pPr lvl="0" indent="0" marL="0" algn="ctr"><a:buNone /></a:pPr><a:r><a:rPr /><a:t>bg right:50% h:600px</a:t></a:r></a:p></p:txBody></p:sp></p:spTree></p:cSld></p:sld>
 </file>
 
-<file path=ppt/slides/slide46.xml><?xml version="1.0" encoding="UTF-8"?><p:sld xmlns:a="http://schemas.openxmlformats.org/drawingml/2006/main" xmlns:r="http://schemas.openxmlformats.org/officeDocument/2006/relationships" xmlns:p="http://schemas.openxmlformats.org/presentationml/2006/main"><p:cSld><p:spTree><p:nvGrpSpPr><p:cNvPr id="1" name="" /><p:cNvGrpSpPr /><p:nvPr /></p:nvGrpSpPr><p:grpSpPr><a:xfrm><a:off x="0" y="0" /><a:ext cx="0" cy="0" /><a:chOff x="0" y="0" /><a:chExt cx="0" cy="0" /></a:xfrm></p:grpSpPr><p:sp><p:nvSpPr><p:cNvPr id="2" name="Title 1" /><p:cNvSpPr><a:spLocks noGrp="1" /></p:cNvSpPr><p:nvPr><p:ph type="title" /></p:nvPr></p:nvSpPr><p:spPr><a:xfrm><a:off x="457200" y="273050" /><a:ext cx="3008313" cy="1162050" /></a:xfrm></p:spPr><p:txBody><a:bodyPr /><a:lstStyle /><a:p><a:pPr lvl="0" indent="0" marL="0"><a:buNone /></a:pPr><a:r><a:rPr b="1" /><a:t>Table access pattern</a:t></a:r><a:r><a:rPr /><a:t> in computing </a:t></a:r><a14:m><m:oMath xmlns:m="http://schemas.openxmlformats.org/officeDocument/2006/math"><m:r><m:t>m</m:t></m:r><m:d><m:dPr><m:begChr m:val="[" /><m:endChr m:val="]" /><m:sepChr m:val="" /><m:grow /></m:dPr><m:e><m:r><m:t>i</m:t></m:r><m:r><m:rPr><m:sty m:val="p" /></m:rPr><m:t>,</m:t></m:r><m:r><m:t>j</m:t></m:r></m:e></m:d></m:oMath></a14:m><a:r><a:rPr /><a:t>s for </a:t></a:r><a14:m><m:oMath xmlns:m="http://schemas.openxmlformats.org/officeDocument/2006/math"><m:r><m:rPr><m:sty m:val="p" /></m:rPr><m:t>ℓ</m:t></m:r><m:r><m:rPr><m:sty m:val="p" /></m:rPr><m:t>=</m:t></m:r><m:r><m:t>j</m:t></m:r><m:r><m:rPr><m:sty m:val="p" /></m:rPr><m:t>−</m:t></m:r><m:r><m:t>i</m:t></m:r><m:r><m:rPr><m:sty m:val="p" /></m:rPr><m:t>+</m:t></m:r><m:r><m:t>1</m:t></m:r></m:oMath></a14:m></a:p></p:txBody></p:sp><mc:AlternateContent xmlns:mc="http://schemas.openxmlformats.org/markup-compatibility/2006"><mc:Choice xmlns:a14="http://schemas.microsoft.com/office/drawing/2010/main" Requires="a14"><p:sp><p:nvSpPr><p:cNvPr id="4" name="Text Placeholder 3" /><p:cNvSpPr><a:spLocks noGrp="1" /></p:cNvSpPr><p:nvPr><p:ph idx="2" sz="half" type="body" /></p:nvPr></p:nvSpPr><p:spPr /><p:txBody><a:bodyPr /><a:lstStyle /><a:p><a:pPr lvl="0" indent="0" marL="0"><a:buNone /></a:pPr><a14:m><m:oMathPara xmlns:m="http://schemas.openxmlformats.org/officeDocument/2006/math"><m:oMathParaPr><m:jc m:val="center" /></m:oMathParaPr><m:oMath><m:m><m:mPr><m:baseJc m:val="center" /><m:plcHide m:val="1" /><m:mcs><m:mc><m:mcPr><m:mcJc m:val="right" /><m:count m:val="1" /></m:mcPr></m:mc></m:mcs></m:mPr><m:mr><m:e><m:d><m:dPr><m:begChr m:val="(" /><m:endChr m:val=")" /><m:sepChr m:val="" /><m:grow /></m:dPr><m:e><m:d><m:dPr><m:begChr m:val="(" /><m:endChr m:val=")" /><m:sepChr m:val="" /><m:grow /></m:dPr><m:e><m:sSub><m:e><m:r><m:t>A</m:t></m:r></m:e><m:sub><m:r><m:t>i</m:t></m:r></m:sub></m:sSub></m:e></m:d><m:limUpp><m:e><m:groupChr><m:groupChrPr><m:chr m:val="⏞" /><m:pos m:val="top" /><m:vertJc m:val="bot" /></m:groupChrPr><m:e><m:r><m:rPr><m:sty m:val="p" /></m:rPr><m:t>⋮</m:t></m:r></m:e></m:groupChr></m:e><m:lim><m:r><m:t>m</m:t></m:r><m:r><m:t>u</m:t></m:r><m:r><m:t>l</m:t></m:r><m:r><m:t>t</m:t></m:r><m:r><m:rPr><m:sty m:val="p" /></m:rPr><m:t>.</m:t></m:r></m:lim></m:limUpp><m:d><m:dPr><m:begChr m:val="(" /><m:endChr m:val=")" /><m:sepChr m:val="" /><m:grow /></m:dPr><m:e><m:sSub><m:e><m:r><m:t>A</m:t></m:r></m:e><m:sub><m:r><m:t>i</m:t></m:r><m:r><m:rPr><m:sty m:val="p" /></m:rPr><m:t>+</m:t></m:r><m:r><m:t>1</m:t></m:r></m:sub></m:sSub><m:sSub><m:e><m:r><m:t>A</m:t></m:r></m:e><m:sub><m:r><m:t>i</m:t></m:r><m:r><m:rPr><m:sty m:val="p" /></m:rPr><m:t>+</m:t></m:r><m:r><m:t>2</m:t></m:r></m:sub></m:sSub><m:r><m:rPr><m:sty m:val="p" /></m:rPr><m:t>…</m:t></m:r><m:sSub><m:e><m:r><m:t>A</m:t></m:r></m:e><m:sub><m:r><m:t>j</m:t></m:r></m:sub></m:sSub></m:e></m:d></m:e></m:d></m:e></m:mr></m:m></m:oMath></m:oMathPara></a14:m></a:p></p:txBody></p:sp></mc:Choice></mc:AlternateContent><p:pic><p:nvPicPr><p:cNvPr descr="fig:
+<file path=ppt/slides/slide46.xml><?xml version="1.0" encoding="UTF-8"?><p:sld xmlns:a="http://schemas.openxmlformats.org/drawingml/2006/main" xmlns:r="http://schemas.openxmlformats.org/officeDocument/2006/relationships" xmlns:p="http://schemas.openxmlformats.org/presentationml/2006/main"><p:cSld><p:spTree><p:nvGrpSpPr><p:cNvPr id="1" name="" /><p:cNvGrpSpPr /><p:nvPr /></p:nvGrpSpPr><p:grpSpPr><a:xfrm><a:off x="0" y="0" /><a:ext cx="0" cy="0" /><a:chOff x="0" y="0" /><a:chExt cx="0" cy="0" /></a:xfrm></p:grpSpPr><p:sp><p:nvSpPr><p:cNvPr id="2" name="Title 1" /><p:cNvSpPr><a:spLocks noGrp="1" /></p:cNvSpPr><p:nvPr><p:ph type="title" /></p:nvPr></p:nvSpPr><p:spPr><a:xfrm><a:off x="457200" y="273050" /><a:ext cx="3008313" cy="1162050" /></a:xfrm></p:spPr><p:txBody><a:bodyPr /><a:lstStyle /><a:p><a:pPr lvl="0" indent="0" marL="0"><a:buNone /></a:pPr><a:r><a:rPr b="1" /><a:t>Table access pattern</a:t></a:r><a:r><a:rPr /><a:t> in computing </a:t></a:r><a14:m><m:oMath xmlns:m="http://schemas.openxmlformats.org/officeDocument/2006/math"><m:r><m:t>m</m:t></m:r><m:d><m:dPr><m:begChr m:val="[" /><m:endChr m:val="]" /><m:sepChr m:val="" /><m:grow /></m:dPr><m:e><m:r><m:t>i</m:t></m:r><m:r><m:rPr><m:sty m:val="p" /></m:rPr><m:t>,</m:t></m:r><m:r><m:t>j</m:t></m:r></m:e></m:d></m:oMath></a14:m><a:r><a:rPr /><a:t>s for </a:t></a:r><a14:m><m:oMath xmlns:m="http://schemas.openxmlformats.org/officeDocument/2006/math"><m:r><m:rPr><m:sty m:val="p" /></m:rPr><m:t>ℓ</m:t></m:r><m:r><m:rPr><m:sty m:val="p" /></m:rPr><m:t>=</m:t></m:r><m:r><m:t>j</m:t></m:r><m:r><m:rPr><m:sty m:val="p" /></m:rPr><m:t>−</m:t></m:r><m:r><m:t>i</m:t></m:r><m:r><m:rPr><m:sty m:val="p" /></m:rPr><m:t>+</m:t></m:r><m:r><m:t>1</m:t></m:r></m:oMath></a14:m></a:p></p:txBody></p:sp><mc:AlternateContent xmlns:mc="http://schemas.openxmlformats.org/markup-compatibility/2006"><mc:Choice xmlns:a14="http://schemas.microsoft.com/office/drawing/2010/main" Requires="a14"><p:sp><p:nvSpPr><p:cNvPr id="4" name="Text Placeholder 3" /><p:cNvSpPr><a:spLocks noGrp="1" /></p:cNvSpPr><p:nvPr><p:ph idx="2" sz="half" type="body" /></p:nvPr></p:nvSpPr><p:spPr /><p:txBody><a:bodyPr /><a:lstStyle /><a:p><a:pPr lvl="0" indent="0" marL="0"><a:buNone /></a:pPr><a14:m><m:oMathPara xmlns:m="http://schemas.openxmlformats.org/officeDocument/2006/math"><m:oMathParaPr><m:jc m:val="center" /></m:oMathParaPr><m:oMath><m:m><m:mPr><m:baseJc m:val="center" /><m:plcHide m:val="1" /><m:mcs><m:mc><m:mcPr><m:mcJc m:val="right" /><m:count m:val="1" /></m:mcPr></m:mc><m:mc><m:mcPr><m:mcJc m:val="left" /><m:count m:val="1" /></m:mcPr></m:mc></m:mcs></m:mPr><m:mr><m:e /><m:e><m:r><m:rPr><m:sty m:val="p" /></m:rPr><m:t>(</m:t></m:r><m:d><m:dPr><m:begChr m:val="(" /><m:endChr m:val=")" /><m:sepChr m:val="" /><m:grow /></m:dPr><m:e><m:sSub><m:e><m:r><m:t>A</m:t></m:r></m:e><m:sub><m:r><m:t>i</m:t></m:r></m:sub></m:sSub></m:e></m:d><m:limUpp><m:e><m:r><m:rPr><m:sty m:val="p" /></m:rPr><m:t>⋮</m:t></m:r></m:e><m:lim><m:r><m:t>m</m:t></m:r><m:r><m:t>u</m:t></m:r><m:r><m:t>l</m:t></m:r><m:r><m:t>t</m:t></m:r><m:r><m:rPr><m:sty m:val="p" /></m:rPr><m:t>.</m:t></m:r></m:lim></m:limUpp><m:d><m:dPr><m:begChr m:val="(" /><m:endChr m:val=")" /><m:sepChr m:val="" /><m:grow /></m:dPr><m:e><m:sSub><m:e><m:r><m:t>A</m:t></m:r></m:e><m:sub><m:r><m:t>i</m:t></m:r><m:r><m:rPr><m:sty m:val="p" /></m:rPr><m:t>+</m:t></m:r><m:r><m:t>1</m:t></m:r></m:sub></m:sSub><m:sSub><m:e><m:r><m:t>A</m:t></m:r></m:e><m:sub><m:r><m:t>i</m:t></m:r><m:r><m:rPr><m:sty m:val="p" /></m:rPr><m:t>+</m:t></m:r><m:r><m:t>2</m:t></m:r></m:sub></m:sSub><m:r><m:rPr><m:sty m:val="p" /></m:rPr><m:t>…</m:t></m:r><m:sSub><m:e><m:r><m:t>A</m:t></m:r></m:e><m:sub><m:r><m:t>j</m:t></m:r></m:sub></m:sSub></m:e></m:d><m:r><m:rPr><m:sty m:val="p" /></m:rPr><m:t>)</m:t></m:r></m:e></m:mr></m:m></m:oMath></m:oMathPara></a14:m></a:p></p:txBody></p:sp></mc:Choice></mc:AlternateContent><p:pic><p:nvPicPr><p:cNvPr descr="fig:
 
 assets/ce100-week-5-dp-table-acc-pattern-2.drawio.svg" id="0" name="Picture 1" /><p:cNvPicPr><a:picLocks noGrp="1" noChangeAspect="1" /></p:cNvPicPr><p:nvPr /></p:nvPicPr><p:blipFill><a:blip r:embed="rId2" /><a:stretch><a:fillRect /></a:stretch></p:blipFill><p:spPr bwMode="auto"><a:xfrm><a:off x="3568700" y="508000" /><a:ext cx="5105400" cy="4851400" /></a:xfrm><a:prstGeom prst="rect"><a:avLst /></a:prstGeom><a:noFill /><a:ln w="9525"><a:noFill /><a:headEnd /><a:tailEnd /></a:ln></p:spPr></p:pic><p:sp><p:nvSpPr><p:cNvPr id="1" name="TextBox 3" /><p:cNvSpPr txBox="1" /><p:nvPr /></p:nvSpPr><p:spPr><a:xfrm><a:off x="3568700" y="5600700" /><a:ext cx="5105400" cy="508000" /></a:xfrm><a:prstGeom prst="rect"><a:avLst /></a:prstGeom><a:noFill /></p:spPr><p:txBody><a:bodyPr /><a:lstStyle /><a:p><a:pPr lvl="0" indent="0" marL="0" algn="ctr"><a:buNone /></a:pPr><a:r><a:rPr /><a:t>bg right:50% h:600px</a:t></a:r></a:p></p:txBody></p:sp></p:spTree></p:cSld></p:sld>
 </file>
 
-<file path=ppt/slides/slide47.xml><?xml version="1.0" encoding="UTF-8"?><p:sld xmlns:a="http://schemas.openxmlformats.org/drawingml/2006/main" xmlns:r="http://schemas.openxmlformats.org/officeDocument/2006/relationships" xmlns:p="http://schemas.openxmlformats.org/presentationml/2006/main"><p:cSld><p:spTree><p:nvGrpSpPr><p:cNvPr id="1" name="" /><p:cNvGrpSpPr /><p:nvPr /></p:nvGrpSpPr><p:grpSpPr><a:xfrm><a:off x="0" y="0" /><a:ext cx="0" cy="0" /><a:chOff x="0" y="0" /><a:chExt cx="0" cy="0" /></a:xfrm></p:grpSpPr><p:sp><p:nvSpPr><p:cNvPr id="2" name="Title 1" /><p:cNvSpPr><a:spLocks noGrp="1" /></p:cNvSpPr><p:nvPr><p:ph type="title" /></p:nvPr></p:nvSpPr><p:spPr><a:xfrm><a:off x="457200" y="273050" /><a:ext cx="3008313" cy="1162050" /></a:xfrm></p:spPr><p:txBody><a:bodyPr /><a:lstStyle /><a:p><a:pPr lvl="0" indent="0" marL="0"><a:buNone /></a:pPr><a:r><a:rPr b="1" /><a:t>Table access pattern</a:t></a:r><a:r><a:rPr /><a:t> in computing </a:t></a:r><a14:m><m:oMath xmlns:m="http://schemas.openxmlformats.org/officeDocument/2006/math"><m:r><m:t>m</m:t></m:r><m:d><m:dPr><m:begChr m:val="[" /><m:endChr m:val="]" /><m:sepChr m:val="" /><m:grow /></m:dPr><m:e><m:r><m:t>i</m:t></m:r><m:r><m:rPr><m:sty m:val="p" /></m:rPr><m:t>,</m:t></m:r><m:r><m:t>j</m:t></m:r></m:e></m:d></m:oMath></a14:m><a:r><a:rPr /><a:t>s for </a:t></a:r><a14:m><m:oMath xmlns:m="http://schemas.openxmlformats.org/officeDocument/2006/math"><m:r><m:rPr><m:sty m:val="p" /></m:rPr><m:t>ℓ</m:t></m:r><m:r><m:rPr><m:sty m:val="p" /></m:rPr><m:t>=</m:t></m:r><m:r><m:t>j</m:t></m:r><m:r><m:rPr><m:sty m:val="p" /></m:rPr><m:t>−</m:t></m:r><m:r><m:t>i</m:t></m:r><m:r><m:rPr><m:sty m:val="p" /></m:rPr><m:t>+</m:t></m:r><m:r><m:t>1</m:t></m:r></m:oMath></a14:m></a:p></p:txBody></p:sp><mc:AlternateContent xmlns:mc="http://schemas.openxmlformats.org/markup-compatibility/2006"><mc:Choice xmlns:a14="http://schemas.microsoft.com/office/drawing/2010/main" Requires="a14"><p:sp><p:nvSpPr><p:cNvPr id="4" name="Text Placeholder 3" /><p:cNvSpPr><a:spLocks noGrp="1" /></p:cNvSpPr><p:nvPr><p:ph idx="2" sz="half" type="body" /></p:nvPr></p:nvSpPr><p:spPr /><p:txBody><a:bodyPr /><a:lstStyle /><a:p><a:pPr lvl="0" indent="0" marL="0"><a:buNone /></a:pPr><a14:m><m:oMathPara xmlns:m="http://schemas.openxmlformats.org/officeDocument/2006/math"><m:oMathParaPr><m:jc m:val="center" /></m:oMathParaPr><m:oMath><m:m><m:mPr><m:baseJc m:val="center" /><m:plcHide m:val="1" /><m:mcs><m:mc><m:mcPr><m:mcJc m:val="right" /><m:count m:val="1" /></m:mcPr></m:mc></m:mcs></m:mPr><m:mr><m:e><m:d><m:dPr><m:begChr m:val="(" /><m:endChr m:val=")" /><m:sepChr m:val="" /><m:grow /></m:dPr><m:e><m:d><m:dPr><m:begChr m:val="(" /><m:endChr m:val=")" /><m:sepChr m:val="" /><m:grow /></m:dPr><m:e><m:sSub><m:e><m:r><m:t>A</m:t></m:r></m:e><m:sub><m:r><m:t>i</m:t></m:r></m:sub></m:sSub><m:sSub><m:e><m:r><m:t>A</m:t></m:r></m:e><m:sub><m:r><m:t>i</m:t></m:r><m:r><m:rPr><m:sty m:val="p" /></m:rPr><m:t>+</m:t></m:r><m:r><m:t>1</m:t></m:r></m:sub></m:sSub></m:e></m:d><m:limUpp><m:e><m:groupChr><m:groupChrPr><m:chr m:val="⏞" /><m:pos m:val="top" /><m:vertJc m:val="bot" /></m:groupChrPr><m:e><m:r><m:rPr><m:sty m:val="p" /></m:rPr><m:t>⋮</m:t></m:r></m:e></m:groupChr></m:e><m:lim><m:r><m:t>m</m:t></m:r><m:r><m:t>u</m:t></m:r><m:r><m:t>l</m:t></m:r><m:r><m:t>t</m:t></m:r><m:r><m:rPr><m:sty m:val="p" /></m:rPr><m:t>.</m:t></m:r></m:lim></m:limUpp><m:d><m:dPr><m:begChr m:val="(" /><m:endChr m:val=")" /><m:sepChr m:val="" /><m:grow /></m:dPr><m:e><m:sSub><m:e><m:r><m:t>A</m:t></m:r></m:e><m:sub><m:r><m:t>i</m:t></m:r><m:r><m:rPr><m:sty m:val="p" /></m:rPr><m:t>+</m:t></m:r><m:r><m:t>2</m:t></m:r></m:sub></m:sSub><m:r><m:rPr><m:sty m:val="p" /></m:rPr><m:t>…</m:t></m:r><m:sSub><m:e><m:r><m:t>A</m:t></m:r></m:e><m:sub><m:r><m:t>j</m:t></m:r></m:sub></m:sSub></m:e></m:d></m:e></m:d></m:e></m:mr></m:m></m:oMath></m:oMathPara></a14:m></a:p></p:txBody></p:sp></mc:Choice></mc:AlternateContent><p:pic><p:nvPicPr><p:cNvPr descr="fig:
+<file path=ppt/slides/slide47.xml><?xml version="1.0" encoding="UTF-8"?><p:sld xmlns:a="http://schemas.openxmlformats.org/drawingml/2006/main" xmlns:r="http://schemas.openxmlformats.org/officeDocument/2006/relationships" xmlns:p="http://schemas.openxmlformats.org/presentationml/2006/main"><p:cSld><p:spTree><p:nvGrpSpPr><p:cNvPr id="1" name="" /><p:cNvGrpSpPr /><p:nvPr /></p:nvGrpSpPr><p:grpSpPr><a:xfrm><a:off x="0" y="0" /><a:ext cx="0" cy="0" /><a:chOff x="0" y="0" /><a:chExt cx="0" cy="0" /></a:xfrm></p:grpSpPr><p:sp><p:nvSpPr><p:cNvPr id="2" name="Title 1" /><p:cNvSpPr><a:spLocks noGrp="1" /></p:cNvSpPr><p:nvPr><p:ph type="title" /></p:nvPr></p:nvSpPr><p:spPr><a:xfrm><a:off x="457200" y="273050" /><a:ext cx="3008313" cy="1162050" /></a:xfrm></p:spPr><p:txBody><a:bodyPr /><a:lstStyle /><a:p><a:pPr lvl="0" indent="0" marL="0"><a:buNone /></a:pPr><a:r><a:rPr b="1" /><a:t>Table access pattern</a:t></a:r><a:r><a:rPr /><a:t> in computing </a:t></a:r><a14:m><m:oMath xmlns:m="http://schemas.openxmlformats.org/officeDocument/2006/math"><m:r><m:t>m</m:t></m:r><m:d><m:dPr><m:begChr m:val="[" /><m:endChr m:val="]" /><m:sepChr m:val="" /><m:grow /></m:dPr><m:e><m:r><m:t>i</m:t></m:r><m:r><m:rPr><m:sty m:val="p" /></m:rPr><m:t>,</m:t></m:r><m:r><m:t>j</m:t></m:r></m:e></m:d></m:oMath></a14:m><a:r><a:rPr /><a:t>s for </a:t></a:r><a14:m><m:oMath xmlns:m="http://schemas.openxmlformats.org/officeDocument/2006/math"><m:r><m:rPr><m:sty m:val="p" /></m:rPr><m:t>ℓ</m:t></m:r><m:r><m:rPr><m:sty m:val="p" /></m:rPr><m:t>=</m:t></m:r><m:r><m:t>j</m:t></m:r><m:r><m:rPr><m:sty m:val="p" /></m:rPr><m:t>−</m:t></m:r><m:r><m:t>i</m:t></m:r><m:r><m:rPr><m:sty m:val="p" /></m:rPr><m:t>+</m:t></m:r><m:r><m:t>1</m:t></m:r></m:oMath></a14:m></a:p></p:txBody></p:sp><mc:AlternateContent xmlns:mc="http://schemas.openxmlformats.org/markup-compatibility/2006"><mc:Choice xmlns:a14="http://schemas.microsoft.com/office/drawing/2010/main" Requires="a14"><p:sp><p:nvSpPr><p:cNvPr id="4" name="Text Placeholder 3" /><p:cNvSpPr><a:spLocks noGrp="1" /></p:cNvSpPr><p:nvPr><p:ph idx="2" sz="half" type="body" /></p:nvPr></p:nvSpPr><p:spPr /><p:txBody><a:bodyPr /><a:lstStyle /><a:p><a:pPr lvl="0" indent="0" marL="0"><a:buNone /></a:pPr><a14:m><m:oMathPara xmlns:m="http://schemas.openxmlformats.org/officeDocument/2006/math"><m:oMathParaPr><m:jc m:val="center" /></m:oMathParaPr><m:oMath><m:m><m:mPr><m:baseJc m:val="center" /><m:plcHide m:val="1" /><m:mcs><m:mc><m:mcPr><m:mcJc m:val="right" /><m:count m:val="1" /></m:mcPr></m:mc></m:mcs></m:mPr><m:mr><m:e><m:r><m:rPr><m:sty m:val="p" /></m:rPr><m:t>(</m:t></m:r><m:d><m:dPr><m:begChr m:val="(" /><m:endChr m:val=")" /><m:sepChr m:val="" /><m:grow /></m:dPr><m:e><m:sSub><m:e><m:r><m:t>A</m:t></m:r></m:e><m:sub><m:r><m:t>i</m:t></m:r></m:sub></m:sSub><m:sSub><m:e><m:r><m:t>A</m:t></m:r></m:e><m:sub><m:r><m:t>i</m:t></m:r><m:r><m:rPr><m:sty m:val="p" /></m:rPr><m:t>+</m:t></m:r><m:r><m:t>1</m:t></m:r></m:sub></m:sSub></m:e></m:d><m:limUpp><m:e><m:r><m:rPr><m:sty m:val="p" /></m:rPr><m:t>⋮</m:t></m:r></m:e><m:lim><m:r><m:t>m</m:t></m:r><m:r><m:t>u</m:t></m:r><m:r><m:t>l</m:t></m:r><m:r><m:t>t</m:t></m:r><m:r><m:rPr><m:sty m:val="p" /></m:rPr><m:t>.</m:t></m:r></m:lim></m:limUpp><m:d><m:dPr><m:begChr m:val="(" /><m:endChr m:val=")" /><m:sepChr m:val="" /><m:grow /></m:dPr><m:e><m:sSub><m:e><m:r><m:t>A</m:t></m:r></m:e><m:sub><m:r><m:t>i</m:t></m:r><m:r><m:rPr><m:sty m:val="p" /></m:rPr><m:t>+</m:t></m:r><m:r><m:t>2</m:t></m:r></m:sub></m:sSub><m:r><m:rPr><m:sty m:val="p" /></m:rPr><m:t>…</m:t></m:r><m:sSub><m:e><m:r><m:t>A</m:t></m:r></m:e><m:sub><m:r><m:t>j</m:t></m:r></m:sub></m:sSub></m:e></m:d><m:r><m:rPr><m:sty m:val="p" /></m:rPr><m:t>)</m:t></m:r></m:e></m:mr></m:m></m:oMath></m:oMathPara></a14:m></a:p></p:txBody></p:sp></mc:Choice></mc:AlternateContent><p:pic><p:nvPicPr><p:cNvPr descr="fig:
 
 assets/ce100-week-5-dp-table-acc-pattern-3.drawio.svg" id="0" name="Picture 1" /><p:cNvPicPr><a:picLocks noGrp="1" noChangeAspect="1" /></p:cNvPicPr><p:nvPr /></p:nvPicPr><p:blipFill><a:blip r:embed="rId2" /><a:stretch><a:fillRect /></a:stretch></p:blipFill><p:spPr bwMode="auto"><a:xfrm><a:off x="3568700" y="508000" /><a:ext cx="5105400" cy="4851400" /></a:xfrm><a:prstGeom prst="rect"><a:avLst /></a:prstGeom><a:noFill /><a:ln w="9525"><a:noFill /><a:headEnd /><a:tailEnd /></a:ln></p:spPr></p:pic><p:sp><p:nvSpPr><p:cNvPr id="1" name="TextBox 3" /><p:cNvSpPr txBox="1" /><p:nvPr /></p:nvSpPr><p:spPr><a:xfrm><a:off x="3568700" y="5600700" /><a:ext cx="5105400" cy="508000" /></a:xfrm><a:prstGeom prst="rect"><a:avLst /></a:prstGeom><a:noFill /></p:spPr><p:txBody><a:bodyPr /><a:lstStyle /><a:p><a:pPr lvl="0" indent="0" marL="0" algn="ctr"><a:buNone /></a:pPr><a:r><a:rPr /><a:t>bg right:50% h:600px</a:t></a:r></a:p></p:txBody></p:sp></p:spTree></p:cSld></p:sld>
 </file>
 
-<file path=ppt/slides/slide48.xml><?xml version="1.0" encoding="UTF-8"?><p:sld xmlns:a="http://schemas.openxmlformats.org/drawingml/2006/main" xmlns:r="http://schemas.openxmlformats.org/officeDocument/2006/relationships" xmlns:p="http://schemas.openxmlformats.org/presentationml/2006/main"><p:cSld><p:spTree><p:nvGrpSpPr><p:cNvPr id="1" name="" /><p:cNvGrpSpPr /><p:nvPr /></p:nvGrpSpPr><p:grpSpPr><a:xfrm><a:off x="0" y="0" /><a:ext cx="0" cy="0" /><a:chOff x="0" y="0" /><a:chExt cx="0" cy="0" /></a:xfrm></p:grpSpPr><p:sp><p:nvSpPr><p:cNvPr id="2" name="Title 1" /><p:cNvSpPr><a:spLocks noGrp="1" /></p:cNvSpPr><p:nvPr><p:ph type="title" /></p:nvPr></p:nvSpPr><p:spPr><a:xfrm><a:off x="457200" y="273050" /><a:ext cx="3008313" cy="1162050" /></a:xfrm></p:spPr><p:txBody><a:bodyPr /><a:lstStyle /><a:p><a:pPr lvl="0" indent="0" marL="0"><a:buNone /></a:pPr><a:r><a:rPr b="1" /><a:t>Table access pattern</a:t></a:r><a:r><a:rPr /><a:t> in computing </a:t></a:r><a14:m><m:oMath xmlns:m="http://schemas.openxmlformats.org/officeDocument/2006/math"><m:r><m:t>m</m:t></m:r><m:d><m:dPr><m:begChr m:val="[" /><m:endChr m:val="]" /><m:sepChr m:val="" /><m:grow /></m:dPr><m:e><m:r><m:t>i</m:t></m:r><m:r><m:rPr><m:sty m:val="p" /></m:rPr><m:t>,</m:t></m:r><m:r><m:t>j</m:t></m:r></m:e></m:d></m:oMath></a14:m><a:r><a:rPr /><a:t>s for </a:t></a:r><a14:m><m:oMath xmlns:m="http://schemas.openxmlformats.org/officeDocument/2006/math"><m:r><m:rPr><m:sty m:val="p" /></m:rPr><m:t>ℓ</m:t></m:r><m:r><m:rPr><m:sty m:val="p" /></m:rPr><m:t>=</m:t></m:r><m:r><m:t>j</m:t></m:r><m:r><m:rPr><m:sty m:val="p" /></m:rPr><m:t>−</m:t></m:r><m:r><m:t>i</m:t></m:r><m:r><m:rPr><m:sty m:val="p" /></m:rPr><m:t>+</m:t></m:r><m:r><m:t>1</m:t></m:r></m:oMath></a14:m></a:p></p:txBody></p:sp><mc:AlternateContent xmlns:mc="http://schemas.openxmlformats.org/markup-compatibility/2006"><mc:Choice xmlns:a14="http://schemas.microsoft.com/office/drawing/2010/main" Requires="a14"><p:sp><p:nvSpPr><p:cNvPr id="4" name="Text Placeholder 3" /><p:cNvSpPr><a:spLocks noGrp="1" /></p:cNvSpPr><p:nvPr><p:ph idx="2" sz="half" type="body" /></p:nvPr></p:nvSpPr><p:spPr /><p:txBody><a:bodyPr /><a:lstStyle /><a:p><a:pPr lvl="0" indent="0" marL="0"><a:buNone /></a:pPr><a14:m><m:oMathPara xmlns:m="http://schemas.openxmlformats.org/officeDocument/2006/math"><m:oMathParaPr><m:jc m:val="center" /></m:oMathParaPr><m:oMath><m:m><m:mPr><m:baseJc m:val="center" /><m:plcHide m:val="1" /><m:mcs><m:mc><m:mcPr><m:mcJc m:val="right" /><m:count m:val="1" /></m:mcPr></m:mc></m:mcs></m:mPr><m:mr><m:e><m:d><m:dPr><m:begChr m:val="(" /><m:endChr m:val=")" /><m:sepChr m:val="" /><m:grow /></m:dPr><m:e><m:d><m:dPr><m:begChr m:val="(" /><m:endChr m:val=")" /><m:sepChr m:val="" /><m:grow /></m:dPr><m:e><m:sSub><m:e><m:r><m:t>A</m:t></m:r></m:e><m:sub><m:r><m:t>i</m:t></m:r></m:sub></m:sSub><m:sSub><m:e><m:r><m:t>A</m:t></m:r></m:e><m:sub><m:r><m:t>i</m:t></m:r><m:r><m:rPr><m:sty m:val="p" /></m:rPr><m:t>+</m:t></m:r><m:r><m:t>1</m:t></m:r></m:sub></m:sSub><m:sSub><m:e><m:r><m:t>A</m:t></m:r></m:e><m:sub><m:r><m:t>i</m:t></m:r><m:r><m:rPr><m:sty m:val="p" /></m:rPr><m:t>+</m:t></m:r><m:r><m:t>2</m:t></m:r></m:sub></m:sSub></m:e></m:d><m:limUpp><m:e><m:groupChr><m:groupChrPr><m:chr m:val="⏞" /><m:pos m:val="top" /><m:vertJc m:val="bot" /></m:groupChrPr><m:e><m:r><m:rPr><m:sty m:val="p" /></m:rPr><m:t>⋮</m:t></m:r></m:e></m:groupChr></m:e><m:lim><m:r><m:t>m</m:t></m:r><m:r><m:t>u</m:t></m:r><m:r><m:t>l</m:t></m:r><m:r><m:t>t</m:t></m:r><m:r><m:rPr><m:sty m:val="p" /></m:rPr><m:t>.</m:t></m:r></m:lim></m:limUpp><m:d><m:dPr><m:begChr m:val="(" /><m:endChr m:val=")" /><m:sepChr m:val="" /><m:grow /></m:dPr><m:e><m:sSub><m:e><m:r><m:t>A</m:t></m:r></m:e><m:sub><m:r><m:t>i</m:t></m:r><m:r><m:rPr><m:sty m:val="p" /></m:rPr><m:t>+</m:t></m:r><m:r><m:t>3</m:t></m:r></m:sub></m:sSub><m:r><m:rPr><m:sty m:val="p" /></m:rPr><m:t>…</m:t></m:r><m:sSub><m:e><m:r><m:t>A</m:t></m:r></m:e><m:sub><m:r><m:t>j</m:t></m:r></m:sub></m:sSub></m:e></m:d></m:e></m:d></m:e></m:mr></m:m></m:oMath></m:oMathPara></a14:m></a:p></p:txBody></p:sp></mc:Choice></mc:AlternateContent><p:pic><p:nvPicPr><p:cNvPr descr="fig:
+<file path=ppt/slides/slide48.xml><?xml version="1.0" encoding="UTF-8"?><p:sld xmlns:a="http://schemas.openxmlformats.org/drawingml/2006/main" xmlns:r="http://schemas.openxmlformats.org/officeDocument/2006/relationships" xmlns:p="http://schemas.openxmlformats.org/presentationml/2006/main"><p:cSld><p:spTree><p:nvGrpSpPr><p:cNvPr id="1" name="" /><p:cNvGrpSpPr /><p:nvPr /></p:nvGrpSpPr><p:grpSpPr><a:xfrm><a:off x="0" y="0" /><a:ext cx="0" cy="0" /><a:chOff x="0" y="0" /><a:chExt cx="0" cy="0" /></a:xfrm></p:grpSpPr><p:sp><p:nvSpPr><p:cNvPr id="2" name="Title 1" /><p:cNvSpPr><a:spLocks noGrp="1" /></p:cNvSpPr><p:nvPr><p:ph type="title" /></p:nvPr></p:nvSpPr><p:spPr><a:xfrm><a:off x="457200" y="273050" /><a:ext cx="3008313" cy="1162050" /></a:xfrm></p:spPr><p:txBody><a:bodyPr /><a:lstStyle /><a:p><a:pPr lvl="0" indent="0" marL="0"><a:buNone /></a:pPr><a:r><a:rPr b="1" /><a:t>Table access pattern</a:t></a:r><a:r><a:rPr /><a:t> in computing </a:t></a:r><a14:m><m:oMath xmlns:m="http://schemas.openxmlformats.org/officeDocument/2006/math"><m:r><m:t>m</m:t></m:r><m:d><m:dPr><m:begChr m:val="[" /><m:endChr m:val="]" /><m:sepChr m:val="" /><m:grow /></m:dPr><m:e><m:r><m:t>i</m:t></m:r><m:r><m:rPr><m:sty m:val="p" /></m:rPr><m:t>,</m:t></m:r><m:r><m:t>j</m:t></m:r></m:e></m:d></m:oMath></a14:m><a:r><a:rPr /><a:t>s for </a:t></a:r><a14:m><m:oMath xmlns:m="http://schemas.openxmlformats.org/officeDocument/2006/math"><m:r><m:rPr><m:sty m:val="p" /></m:rPr><m:t>ℓ</m:t></m:r><m:r><m:rPr><m:sty m:val="p" /></m:rPr><m:t>=</m:t></m:r><m:r><m:t>j</m:t></m:r><m:r><m:rPr><m:sty m:val="p" /></m:rPr><m:t>−</m:t></m:r><m:r><m:t>i</m:t></m:r><m:r><m:rPr><m:sty m:val="p" /></m:rPr><m:t>+</m:t></m:r><m:r><m:t>1</m:t></m:r></m:oMath></a14:m></a:p></p:txBody></p:sp><mc:AlternateContent xmlns:mc="http://schemas.openxmlformats.org/markup-compatibility/2006"><mc:Choice xmlns:a14="http://schemas.microsoft.com/office/drawing/2010/main" Requires="a14"><p:sp><p:nvSpPr><p:cNvPr id="4" name="Text Placeholder 3" /><p:cNvSpPr><a:spLocks noGrp="1" /></p:cNvSpPr><p:nvPr><p:ph idx="2" sz="half" type="body" /></p:nvPr></p:nvSpPr><p:spPr /><p:txBody><a:bodyPr /><a:lstStyle /><a:p><a:pPr lvl="0" indent="0" marL="0"><a:buNone /></a:pPr><a14:m><m:oMathPara xmlns:m="http://schemas.openxmlformats.org/officeDocument/2006/math"><m:oMathParaPr><m:jc m:val="center" /></m:oMathParaPr><m:oMath><m:m><m:mPr><m:baseJc m:val="center" /><m:plcHide m:val="1" /><m:mcs><m:mc><m:mcPr><m:mcJc m:val="right" /><m:count m:val="1" /></m:mcPr></m:mc></m:mcs></m:mPr><m:mr><m:e><m:r><m:rPr><m:sty m:val="p" /></m:rPr><m:t>(</m:t></m:r><m:d><m:dPr><m:begChr m:val="(" /><m:endChr m:val=")" /><m:sepChr m:val="" /><m:grow /></m:dPr><m:e><m:sSub><m:e><m:r><m:t>A</m:t></m:r></m:e><m:sub><m:r><m:t>i</m:t></m:r></m:sub></m:sSub><m:sSub><m:e><m:r><m:t>A</m:t></m:r></m:e><m:sub><m:r><m:t>i</m:t></m:r><m:r><m:rPr><m:sty m:val="p" /></m:rPr><m:t>+</m:t></m:r><m:r><m:t>1</m:t></m:r></m:sub></m:sSub><m:sSub><m:e><m:r><m:t>A</m:t></m:r></m:e><m:sub><m:r><m:t>i</m:t></m:r><m:r><m:rPr><m:sty m:val="p" /></m:rPr><m:t>+</m:t></m:r><m:r><m:t>2</m:t></m:r></m:sub></m:sSub></m:e></m:d><m:limUpp><m:e><m:r><m:rPr><m:sty m:val="p" /></m:rPr><m:t>⋮</m:t></m:r></m:e><m:lim><m:r><m:t>m</m:t></m:r><m:r><m:t>u</m:t></m:r><m:r><m:t>l</m:t></m:r><m:r><m:t>t</m:t></m:r><m:r><m:rPr><m:sty m:val="p" /></m:rPr><m:t>.</m:t></m:r></m:lim></m:limUpp><m:d><m:dPr><m:begChr m:val="(" /><m:endChr m:val=")" /><m:sepChr m:val="" /><m:grow /></m:dPr><m:e><m:sSub><m:e><m:r><m:t>A</m:t></m:r></m:e><m:sub><m:r><m:t>i</m:t></m:r><m:r><m:rPr><m:sty m:val="p" /></m:rPr><m:t>+</m:t></m:r><m:r><m:t>3</m:t></m:r></m:sub></m:sSub><m:r><m:rPr><m:sty m:val="p" /></m:rPr><m:t>…</m:t></m:r><m:sSub><m:e><m:r><m:t>A</m:t></m:r></m:e><m:sub><m:r><m:t>j</m:t></m:r></m:sub></m:sSub></m:e></m:d><m:r><m:rPr><m:sty m:val="p" /></m:rPr><m:t>)</m:t></m:r></m:e></m:mr></m:m></m:oMath></m:oMathPara></a14:m></a:p></p:txBody></p:sp></mc:Choice></mc:AlternateContent><p:pic><p:nvPicPr><p:cNvPr descr="fig:
 
 assets/ce100-week-5-dp-table-acc-pattern-4.drawio.svg" id="0" name="Picture 1" /><p:cNvPicPr><a:picLocks noGrp="1" noChangeAspect="1" /></p:cNvPicPr><p:nvPr /></p:nvPicPr><p:blipFill><a:blip r:embed="rId2" /><a:stretch><a:fillRect /></a:stretch></p:blipFill><p:spPr bwMode="auto"><a:xfrm><a:off x="3568700" y="508000" /><a:ext cx="5105400" cy="4851400" /></a:xfrm><a:prstGeom prst="rect"><a:avLst /></a:prstGeom><a:noFill /><a:ln w="9525"><a:noFill /><a:headEnd /><a:tailEnd /></a:ln></p:spPr></p:pic><p:sp><p:nvSpPr><p:cNvPr id="1" name="TextBox 3" /><p:cNvSpPr txBox="1" /><p:nvPr /></p:nvSpPr><p:spPr><a:xfrm><a:off x="3568700" y="5600700" /><a:ext cx="5105400" cy="508000" /></a:xfrm><a:prstGeom prst="rect"><a:avLst /></a:prstGeom><a:noFill /></p:spPr><p:txBody><a:bodyPr /><a:lstStyle /><a:p><a:pPr lvl="0" indent="0" marL="0" algn="ctr"><a:buNone /></a:pPr><a:r><a:rPr /><a:t>bg right:50% h:600px</a:t></a:r></a:p></p:txBody></p:sp></p:spTree></p:cSld></p:sld>
 </file>
 
-<file path=ppt/slides/slide49.xml><?xml version="1.0" encoding="UTF-8"?><p:sld xmlns:a="http://schemas.openxmlformats.org/drawingml/2006/main" xmlns:r="http://schemas.openxmlformats.org/officeDocument/2006/relationships" xmlns:p="http://schemas.openxmlformats.org/presentationml/2006/main"><p:cSld><p:spTree><p:nvGrpSpPr><p:cNvPr id="1" name="" /><p:cNvGrpSpPr /><p:nvPr /></p:nvGrpSpPr><p:grpSpPr><a:xfrm><a:off x="0" y="0" /><a:ext cx="0" cy="0" /><a:chOff x="0" y="0" /><a:chExt cx="0" cy="0" /></a:xfrm></p:grpSpPr><p:sp><p:nvSpPr><p:cNvPr id="2" name="Title 1" /><p:cNvSpPr><a:spLocks noGrp="1" /></p:cNvSpPr><p:nvPr><p:ph type="title" /></p:nvPr></p:nvSpPr><p:spPr><a:xfrm><a:off x="457200" y="273050" /><a:ext cx="3008313" cy="1162050" /></a:xfrm></p:spPr><p:txBody><a:bodyPr /><a:lstStyle /><a:p><a:pPr lvl="0" indent="0" marL="0"><a:buNone /></a:pPr><a:r><a:rPr b="1" /><a:t>Table access pattern</a:t></a:r><a:r><a:rPr /><a:t> in computing </a:t></a:r><a14:m><m:oMath xmlns:m="http://schemas.openxmlformats.org/officeDocument/2006/math"><m:r><m:t>m</m:t></m:r><m:d><m:dPr><m:begChr m:val="[" /><m:endChr m:val="]" /><m:sepChr m:val="" /><m:grow /></m:dPr><m:e><m:r><m:t>i</m:t></m:r><m:r><m:rPr><m:sty m:val="p" /></m:rPr><m:t>,</m:t></m:r><m:r><m:t>j</m:t></m:r></m:e></m:d></m:oMath></a14:m><a:r><a:rPr /><a:t>s for </a:t></a:r><a14:m><m:oMath xmlns:m="http://schemas.openxmlformats.org/officeDocument/2006/math"><m:r><m:rPr><m:sty m:val="p" /></m:rPr><m:t>ℓ</m:t></m:r><m:r><m:rPr><m:sty m:val="p" /></m:rPr><m:t>=</m:t></m:r><m:r><m:t>j</m:t></m:r><m:r><m:rPr><m:sty m:val="p" /></m:rPr><m:t>−</m:t></m:r><m:r><m:t>i</m:t></m:r><m:r><m:rPr><m:sty m:val="p" /></m:rPr><m:t>+</m:t></m:r><m:r><m:t>1</m:t></m:r></m:oMath></a14:m></a:p></p:txBody></p:sp><mc:AlternateContent xmlns:mc="http://schemas.openxmlformats.org/markup-compatibility/2006"><mc:Choice xmlns:a14="http://schemas.microsoft.com/office/drawing/2010/main" Requires="a14"><p:sp><p:nvSpPr><p:cNvPr id="4" name="Text Placeholder 3" /><p:cNvSpPr><a:spLocks noGrp="1" /></p:cNvSpPr><p:nvPr><p:ph idx="2" sz="half" type="body" /></p:nvPr></p:nvSpPr><p:spPr /><p:txBody><a:bodyPr /><a:lstStyle /><a:p><a:pPr lvl="0" indent="0" marL="0"><a:buNone /></a:pPr><a14:m><m:oMathPara xmlns:m="http://schemas.openxmlformats.org/officeDocument/2006/math"><m:oMathParaPr><m:jc m:val="center" /></m:oMathParaPr><m:oMath><m:m><m:mPr><m:baseJc m:val="center" /><m:plcHide m:val="1" /><m:mcs><m:mc><m:mcPr><m:mcJc m:val="right" /><m:count m:val="1" /></m:mcPr></m:mc></m:mcs></m:mPr><m:mr><m:e><m:d><m:dPr><m:begChr m:val="(" /><m:endChr m:val=")" /><m:sepChr m:val="" /><m:grow /></m:dPr><m:e><m:d><m:dPr><m:begChr m:val="(" /><m:endChr m:val=")" /><m:sepChr m:val="" /><m:grow /></m:dPr><m:e><m:sSub><m:e><m:r><m:t>A</m:t></m:r></m:e><m:sub><m:r><m:t>i</m:t></m:r></m:sub></m:sSub><m:sSub><m:e><m:r><m:t>A</m:t></m:r></m:e><m:sub><m:r><m:t>i</m:t></m:r><m:r><m:rPr><m:sty m:val="p" /></m:rPr><m:t>+</m:t></m:r><m:r><m:t>1</m:t></m:r></m:sub></m:sSub><m:r><m:rPr><m:sty m:val="p" /></m:rPr><m:t>…</m:t></m:r><m:sSub><m:e><m:r><m:t>A</m:t></m:r></m:e><m:sub><m:r><m:t>j</m:t></m:r><m:r><m:rPr><m:sty m:val="p" /></m:rPr><m:t>−</m:t></m:r><m:r><m:t>1</m:t></m:r></m:sub></m:sSub></m:e></m:d><m:limUpp><m:e><m:groupChr><m:groupChrPr><m:chr m:val="⏞" /><m:pos m:val="top" /><m:vertJc m:val="bot" /></m:groupChrPr><m:e><m:r><m:rPr><m:sty m:val="p" /></m:rPr><m:t>⋮</m:t></m:r></m:e></m:groupChr></m:e><m:lim><m:r><m:t>m</m:t></m:r><m:r><m:t>u</m:t></m:r><m:r><m:t>l</m:t></m:r><m:r><m:t>t</m:t></m:r><m:r><m:rPr><m:sty m:val="p" /></m:rPr><m:t>.</m:t></m:r></m:lim></m:limUpp><m:d><m:dPr><m:begChr m:val="(" /><m:endChr m:val=")" /><m:sepChr m:val="" /><m:grow /></m:dPr><m:e><m:sSub><m:e><m:r><m:t>A</m:t></m:r></m:e><m:sub><m:r><m:t>j</m:t></m:r></m:sub></m:sSub></m:e></m:d></m:e></m:d></m:e></m:mr></m:m></m:oMath></m:oMathPara></a14:m></a:p></p:txBody></p:sp></mc:Choice></mc:AlternateContent><p:pic><p:nvPicPr><p:cNvPr descr="fig:
+<file path=ppt/slides/slide49.xml><?xml version="1.0" encoding="UTF-8"?><p:sld xmlns:a="http://schemas.openxmlformats.org/drawingml/2006/main" xmlns:r="http://schemas.openxmlformats.org/officeDocument/2006/relationships" xmlns:p="http://schemas.openxmlformats.org/presentationml/2006/main"><p:cSld><p:spTree><p:nvGrpSpPr><p:cNvPr id="1" name="" /><p:cNvGrpSpPr /><p:nvPr /></p:nvGrpSpPr><p:grpSpPr><a:xfrm><a:off x="0" y="0" /><a:ext cx="0" cy="0" /><a:chOff x="0" y="0" /><a:chExt cx="0" cy="0" /></a:xfrm></p:grpSpPr><p:sp><p:nvSpPr><p:cNvPr id="2" name="Title 1" /><p:cNvSpPr><a:spLocks noGrp="1" /></p:cNvSpPr><p:nvPr><p:ph type="title" /></p:nvPr></p:nvSpPr><p:spPr><a:xfrm><a:off x="457200" y="273050" /><a:ext cx="3008313" cy="1162050" /></a:xfrm></p:spPr><p:txBody><a:bodyPr /><a:lstStyle /><a:p><a:pPr lvl="0" indent="0" marL="0"><a:buNone /></a:pPr><a:r><a:rPr b="1" /><a:t>Table access pattern</a:t></a:r><a:r><a:rPr /><a:t> in computing </a:t></a:r><a14:m><m:oMath xmlns:m="http://schemas.openxmlformats.org/officeDocument/2006/math"><m:r><m:t>m</m:t></m:r><m:d><m:dPr><m:begChr m:val="[" /><m:endChr m:val="]" /><m:sepChr m:val="" /><m:grow /></m:dPr><m:e><m:r><m:t>i</m:t></m:r><m:r><m:rPr><m:sty m:val="p" /></m:rPr><m:t>,</m:t></m:r><m:r><m:t>j</m:t></m:r></m:e></m:d></m:oMath></a14:m><a:r><a:rPr /><a:t>s for </a:t></a:r><a14:m><m:oMath xmlns:m="http://schemas.openxmlformats.org/officeDocument/2006/math"><m:r><m:rPr><m:sty m:val="p" /></m:rPr><m:t>ℓ</m:t></m:r><m:r><m:rPr><m:sty m:val="p" /></m:rPr><m:t>=</m:t></m:r><m:r><m:t>j</m:t></m:r><m:r><m:rPr><m:sty m:val="p" /></m:rPr><m:t>−</m:t></m:r><m:r><m:t>i</m:t></m:r><m:r><m:rPr><m:sty m:val="p" /></m:rPr><m:t>+</m:t></m:r><m:r><m:t>1</m:t></m:r></m:oMath></a14:m></a:p></p:txBody></p:sp><mc:AlternateContent xmlns:mc="http://schemas.openxmlformats.org/markup-compatibility/2006"><mc:Choice xmlns:a14="http://schemas.microsoft.com/office/drawing/2010/main" Requires="a14"><p:sp><p:nvSpPr><p:cNvPr id="4" name="Text Placeholder 3" /><p:cNvSpPr><a:spLocks noGrp="1" /></p:cNvSpPr><p:nvPr><p:ph idx="2" sz="half" type="body" /></p:nvPr></p:nvSpPr><p:spPr /><p:txBody><a:bodyPr /><a:lstStyle /><a:p><a:pPr lvl="0" indent="0" marL="0"><a:buNone /></a:pPr><a14:m><m:oMathPara xmlns:m="http://schemas.openxmlformats.org/officeDocument/2006/math"><m:oMathParaPr><m:jc m:val="center" /></m:oMathParaPr><m:oMath><m:m><m:mPr><m:baseJc m:val="center" /><m:plcHide m:val="1" /><m:mcs><m:mc><m:mcPr><m:mcJc m:val="right" /><m:count m:val="1" /></m:mcPr></m:mc></m:mcs></m:mPr><m:mr><m:e><m:r><m:rPr><m:sty m:val="p" /></m:rPr><m:t>(</m:t></m:r><m:d><m:dPr><m:begChr m:val="(" /><m:endChr m:val=")" /><m:sepChr m:val="" /><m:grow /></m:dPr><m:e><m:sSub><m:e><m:r><m:t>A</m:t></m:r></m:e><m:sub><m:r><m:t>i</m:t></m:r></m:sub></m:sSub><m:sSub><m:e><m:r><m:t>A</m:t></m:r></m:e><m:sub><m:r><m:t>i</m:t></m:r><m:r><m:rPr><m:sty m:val="p" /></m:rPr><m:t>+</m:t></m:r><m:r><m:t>1</m:t></m:r></m:sub></m:sSub><m:r><m:rPr><m:sty m:val="p" /></m:rPr><m:t>…</m:t></m:r><m:sSub><m:e><m:r><m:t>A</m:t></m:r></m:e><m:sub><m:r><m:t>j</m:t></m:r><m:r><m:rPr><m:sty m:val="p" /></m:rPr><m:t>−</m:t></m:r><m:r><m:t>1</m:t></m:r></m:sub></m:sSub></m:e></m:d><m:limUpp><m:e><m:r><m:rPr><m:sty m:val="p" /></m:rPr><m:t>⋮</m:t></m:r></m:e><m:lim><m:r><m:t>m</m:t></m:r><m:r><m:t>u</m:t></m:r><m:r><m:t>l</m:t></m:r><m:r><m:t>t</m:t></m:r><m:r><m:rPr><m:sty m:val="p" /></m:rPr><m:t>.</m:t></m:r></m:lim></m:limUpp><m:d><m:dPr><m:begChr m:val="(" /><m:endChr m:val=")" /><m:sepChr m:val="" /><m:grow /></m:dPr><m:e><m:sSub><m:e><m:r><m:t>A</m:t></m:r></m:e><m:sub><m:r><m:t>j</m:t></m:r></m:sub></m:sSub></m:e></m:d><m:r><m:rPr><m:sty m:val="p" /></m:rPr><m:t>)</m:t></m:r></m:e></m:mr></m:m></m:oMath></m:oMathPara></a14:m></a:p></p:txBody></p:sp></mc:Choice></mc:AlternateContent><p:pic><p:nvPicPr><p:cNvPr descr="fig:
 
 assets/ce100-week-5-dp-table-acc-pattern-5.drawio.svg" id="0" name="Picture 1" /><p:cNvPicPr><a:picLocks noGrp="1" noChangeAspect="1" /></p:cNvPicPr><p:nvPr /></p:nvPicPr><p:blipFill><a:blip r:embed="rId2" /><a:stretch><a:fillRect /></a:stretch></p:blipFill><p:spPr bwMode="auto"><a:xfrm><a:off x="3568700" y="508000" /><a:ext cx="5105400" cy="4851400" /></a:xfrm><a:prstGeom prst="rect"><a:avLst /></a:prstGeom><a:noFill /><a:ln w="9525"><a:noFill /><a:headEnd /><a:tailEnd /></a:ln></p:spPr></p:pic><p:sp><p:nvSpPr><p:cNvPr id="1" name="TextBox 3" /><p:cNvSpPr txBox="1" /><p:nvPr /></p:nvSpPr><p:spPr><a:xfrm><a:off x="3568700" y="5600700" /><a:ext cx="5105400" cy="508000" /></a:xfrm><a:prstGeom prst="rect"><a:avLst /></a:prstGeom><a:noFill /></p:spPr><p:txBody><a:bodyPr /><a:lstStyle /><a:p><a:pPr lvl="0" indent="0" marL="0" algn="ctr"><a:buNone /></a:pPr><a:r><a:rPr /><a:t>bg right:50% h:600px</a:t></a:r></a:p></p:txBody></p:sp></p:spTree></p:cSld></p:sld>
 </file>
@@ -19544,7 +19544,7 @@
 A_6 &amp;: (20 \times 25)
 \end{aligned}
 \begin{aligned}
-&amp; ((A_2)\overbrace{\vdots}^{ (k=2) } (A_3 A_4 A_5)) \\[10 pt]
+&amp; ((A_2) \overbrace{\vdots}^{ (k=2) } (A_3 A_4 A_5)) \\[10 pt]
 \quad cost &amp;= m_{22} + m_{35} + p_1p_2p_5 \\
 &amp;= 0 + 2500 + 35 \times 15 \times 20 \\
 &amp;= 13000
@@ -20156,16 +20156,26 @@
                 </a:pPr>
                 <a:r>
                   <a:rPr/>
-                  <a:t>$$ m_{ij}= { m_{ik} + m_{k+1,j} + p_{i-1} p_k p_j } \[10pt] </a:t>
-                </a:r>
-              </a:p>
-              <a:p>
-                <a:pPr lvl="0" indent="0" marL="0">
-                  <a:buNone/>
-                </a:pPr>
-                <a:r>
-                  <a:rPr/>
-                  <a:t>$$</a:t>
+                  <a:t>$$
+m_{ij}=\underset{i \leq k &lt; j}{MIN} \{ m_{ik} + m_{k+1,j} + p_{i-1} p_k p_j \} \\[10pt]
+\begin{align*}
+\begin{aligned}
+A_1 &amp;: (30 \times 35) \\
+A_2 &amp;: (35 \times 15) \\
+A_3 &amp;: (15 \times 5) \\
+A_4 &amp;: (5 \times 10) \\
+A_5 &amp;: (10 \times 20) \\
+A_6 &amp;: (20 \times 25)
+\end{aligned} \quad
+\begin{aligned}
+&amp; ((A_2)\overbrace{\vdots}^{ (k=2) } (A_3 A_4 A_5)) \rightarrow m_{22} + m_{35} + p_1p_2p_5 = 13000 \\
+&amp; ((A_2 A_3) \overbrace{\vdots}^{ (k=3) } (A_4 A_5)) \rightarrow m_{23} + m_{45} + p_1p_3p_5 = \overbrace{ \boldsymbol{7125}}^{selected} \Leftarrow \text{min} \\
+&amp; ((A_2 A_3 A_4)\overbrace{\vdots}^{ (k=4) }(A_5)) \rightarrow m_{24} + m_{55} + p_1p_4p_5 = 11375 \\[20 pt]
+&amp; m_{25} = 7125 \\
+&amp; s_{25} = 3 
+\end{aligned} 
+\end{align*}
+$$</a:t>
                 </a:r>
               </a:p>
             </p:txBody>
